--- a/instructors/episode3.pptx
+++ b/instructors/episode3.pptx
@@ -5,38 +5,37 @@
     <p:sldMasterId id="2147483648" r:id="rId4"/>
   </p:sldMasterIdLst>
   <p:notesMasterIdLst>
-    <p:notesMasterId r:id="rId19"/>
+    <p:notesMasterId r:id="rId18"/>
   </p:notesMasterIdLst>
   <p:sldIdLst>
     <p:sldId id="714" r:id="rId5"/>
     <p:sldId id="705" r:id="rId6"/>
     <p:sldId id="725" r:id="rId7"/>
-    <p:sldId id="706" r:id="rId8"/>
-    <p:sldId id="716" r:id="rId9"/>
-    <p:sldId id="674" r:id="rId10"/>
-    <p:sldId id="676" r:id="rId11"/>
-    <p:sldId id="722" r:id="rId12"/>
-    <p:sldId id="715" r:id="rId13"/>
-    <p:sldId id="707" r:id="rId14"/>
+    <p:sldId id="716" r:id="rId8"/>
+    <p:sldId id="674" r:id="rId9"/>
+    <p:sldId id="676" r:id="rId10"/>
+    <p:sldId id="722" r:id="rId11"/>
+    <p:sldId id="726" r:id="rId12"/>
+    <p:sldId id="707" r:id="rId13"/>
+    <p:sldId id="715" r:id="rId14"/>
     <p:sldId id="717" r:id="rId15"/>
     <p:sldId id="718" r:id="rId16"/>
-    <p:sldId id="719" r:id="rId17"/>
-    <p:sldId id="277" r:id="rId18"/>
+    <p:sldId id="277" r:id="rId17"/>
   </p:sldIdLst>
   <p:sldSz cx="12192000" cy="6858000"/>
   <p:notesSz cx="6858000" cy="9144000"/>
   <p:embeddedFontLst>
     <p:embeddedFont>
       <p:font typeface="Assistant" pitchFamily="2" charset="-79"/>
-      <p:regular r:id="rId20"/>
-      <p:bold r:id="rId21"/>
+      <p:regular r:id="rId19"/>
+      <p:bold r:id="rId20"/>
     </p:embeddedFont>
     <p:embeddedFont>
-      <p:font typeface="Nunito" pitchFamily="2" charset="77"/>
-      <p:regular r:id="rId22"/>
-      <p:bold r:id="rId23"/>
-      <p:italic r:id="rId24"/>
-      <p:boldItalic r:id="rId25"/>
+      <p:font typeface="Nunito" pitchFamily="2" charset="0"/>
+      <p:regular r:id="rId21"/>
+      <p:bold r:id="rId22"/>
+      <p:italic r:id="rId23"/>
+      <p:boldItalic r:id="rId24"/>
     </p:embeddedFont>
   </p:embeddedFontLst>
   <p:defaultTextStyle>
@@ -5343,8 +5342,8 @@
     <dgm:cxn modelId="{0C0D6822-48A1-4718-9F3C-AE43C658A808}" type="presOf" srcId="{B4CD012B-6ADB-4581-A159-0E0CC3F5C310}" destId="{3B825C74-FC7F-4227-B1C2-1367865E8FD2}" srcOrd="0" destOrd="0" presId="urn:microsoft.com/office/officeart/2005/8/layout/list1"/>
     <dgm:cxn modelId="{9EAF9733-8417-4629-A988-DC5CA996C404}" srcId="{B4CD012B-6ADB-4581-A159-0E0CC3F5C310}" destId="{D09A9154-424C-4078-98CF-0084D3B315BA}" srcOrd="2" destOrd="0" parTransId="{A96992C9-760F-4D83-93FA-654A1F8A2EAF}" sibTransId="{44D2C4FD-CA31-4AA3-B7C1-85DC0D2CFB64}"/>
     <dgm:cxn modelId="{025ED141-2845-4FA8-AE30-3F79F9447513}" type="presOf" srcId="{D09A9154-424C-4078-98CF-0084D3B315BA}" destId="{0D59EF6B-1EB7-419B-8DBE-BF4E7CEDF5E9}" srcOrd="0" destOrd="2" presId="urn:microsoft.com/office/officeart/2005/8/layout/list1"/>
+    <dgm:cxn modelId="{DCDF5766-3C7E-4678-ADE8-1C292F4463D2}" srcId="{B4CD012B-6ADB-4581-A159-0E0CC3F5C310}" destId="{BDD0B54B-C86E-4F64-A6CB-C60185B92B71}" srcOrd="1" destOrd="0" parTransId="{6CC8EF0F-9863-4608-9F7A-EBADCDCB8CBF}" sibTransId="{4CD0851E-F55D-401E-9CC3-4FE8D0B1C9DC}"/>
     <dgm:cxn modelId="{A8ACA549-16B0-4320-9500-93AF40A2F74C}" type="presOf" srcId="{3EB7445E-E4FA-4DEF-8AD0-EC3E145190E7}" destId="{0D59EF6B-1EB7-419B-8DBE-BF4E7CEDF5E9}" srcOrd="0" destOrd="3" presId="urn:microsoft.com/office/officeart/2005/8/layout/list1"/>
-    <dgm:cxn modelId="{DCDF5766-3C7E-4678-ADE8-1C292F4463D2}" srcId="{B4CD012B-6ADB-4581-A159-0E0CC3F5C310}" destId="{BDD0B54B-C86E-4F64-A6CB-C60185B92B71}" srcOrd="1" destOrd="0" parTransId="{6CC8EF0F-9863-4608-9F7A-EBADCDCB8CBF}" sibTransId="{4CD0851E-F55D-401E-9CC3-4FE8D0B1C9DC}"/>
     <dgm:cxn modelId="{C9966A75-F961-45C1-9D6B-2EFD77C7F01F}" srcId="{B4CD012B-6ADB-4581-A159-0E0CC3F5C310}" destId="{3EB7445E-E4FA-4DEF-8AD0-EC3E145190E7}" srcOrd="3" destOrd="0" parTransId="{2E767CAE-8099-41A6-AC2A-B05D6C491D94}" sibTransId="{5DDFFC99-8169-43FF-843A-CEFB8D27A558}"/>
     <dgm:cxn modelId="{C879DD7B-0B2B-413E-B6CF-B3C8C8F293DF}" type="presOf" srcId="{B4CD012B-6ADB-4581-A159-0E0CC3F5C310}" destId="{BB75020F-81B9-42C3-A4AB-1B9EE193638B}" srcOrd="1" destOrd="0" presId="urn:microsoft.com/office/officeart/2005/8/layout/list1"/>
     <dgm:cxn modelId="{BDBC3C89-7679-4C60-A3E9-D9CDBC1BD846}" type="presOf" srcId="{BDD0B54B-C86E-4F64-A6CB-C60185B92B71}" destId="{0D59EF6B-1EB7-419B-8DBE-BF4E7CEDF5E9}" srcOrd="0" destOrd="1" presId="urn:microsoft.com/office/officeart/2005/8/layout/list1"/>
@@ -10268,7 +10267,7 @@
           <a:p>
             <a:fld id="{066D4F2D-BEE5-FB44-9A96-ED5266A67716}" type="datetimeFigureOut">
               <a:rPr lang="en-NL" smtClean="0"/>
-              <a:t>22/11/2024</a:t>
+              <a:t>11/22/2024</a:t>
             </a:fld>
             <a:endParaRPr lang="en-NL"/>
           </a:p>
@@ -10752,7 +10751,7 @@
       </p:grpSpPr>
       <p:sp>
         <p:nvSpPr>
-          <p:cNvPr id="2" name="Slide Image Placeholder 1"/>
+          <p:cNvPr id="2" name="Tijdelijke aanduiding voor dia-afbeelding 1"/>
           <p:cNvSpPr>
             <a:spLocks noGrp="1" noRot="1" noChangeAspect="1"/>
           </p:cNvSpPr>
@@ -10764,7 +10763,7 @@
       </p:sp>
       <p:sp>
         <p:nvSpPr>
-          <p:cNvPr id="3" name="Notes Placeholder 2"/>
+          <p:cNvPr id="3" name="Tijdelijke aanduiding voor notities 2"/>
           <p:cNvSpPr>
             <a:spLocks noGrp="1"/>
           </p:cNvSpPr>
@@ -10777,13 +10776,246 @@
           <a:bodyPr/>
           <a:lstStyle/>
           <a:p>
-            <a:endParaRPr lang="en-US" dirty="0"/>
+            <a:pPr marL="0" indent="0">
+              <a:lnSpc>
+                <a:spcPct val="90000"/>
+              </a:lnSpc>
+              <a:buNone/>
+            </a:pPr>
+            <a:r>
+              <a:rPr lang="nl-NL" sz="1200" b="1" dirty="0">
+                <a:latin typeface="Calibri" panose="020F0502020204030204" pitchFamily="34" charset="0"/>
+                <a:cs typeface="Calibri" panose="020F0502020204030204" pitchFamily="34" charset="0"/>
+              </a:rPr>
+              <a:t>The AI Act </a:t>
+            </a:r>
+            <a:r>
+              <a:rPr lang="nl-NL" sz="1200" dirty="0">
+                <a:latin typeface="Calibri" panose="020F0502020204030204" pitchFamily="34" charset="0"/>
+                <a:cs typeface="Calibri" panose="020F0502020204030204" pitchFamily="34" charset="0"/>
+              </a:rPr>
+              <a:t>(</a:t>
+            </a:r>
+            <a:r>
+              <a:rPr lang="nl-NL" sz="1200" dirty="0" err="1">
+                <a:latin typeface="Calibri" panose="020F0502020204030204" pitchFamily="34" charset="0"/>
+                <a:cs typeface="Calibri" panose="020F0502020204030204" pitchFamily="34" charset="0"/>
+              </a:rPr>
+              <a:t>proposed</a:t>
+            </a:r>
+            <a:r>
+              <a:rPr lang="nl-NL" sz="1200" dirty="0">
+                <a:latin typeface="Calibri" panose="020F0502020204030204" pitchFamily="34" charset="0"/>
+                <a:cs typeface="Calibri" panose="020F0502020204030204" pitchFamily="34" charset="0"/>
+              </a:rPr>
+              <a:t> in December 2023, </a:t>
+            </a:r>
+            <a:r>
+              <a:rPr lang="nl-NL" sz="1200" dirty="0" err="1">
+                <a:latin typeface="Calibri" panose="020F0502020204030204" pitchFamily="34" charset="0"/>
+                <a:cs typeface="Calibri" panose="020F0502020204030204" pitchFamily="34" charset="0"/>
+              </a:rPr>
+              <a:t>approved</a:t>
+            </a:r>
+            <a:r>
+              <a:rPr lang="nl-NL" sz="1200" dirty="0">
+                <a:latin typeface="Calibri" panose="020F0502020204030204" pitchFamily="34" charset="0"/>
+                <a:cs typeface="Calibri" panose="020F0502020204030204" pitchFamily="34" charset="0"/>
+              </a:rPr>
+              <a:t> on </a:t>
+            </a:r>
+            <a:r>
+              <a:rPr lang="nl-NL" sz="1200" i="0" dirty="0" err="1">
+                <a:effectLst/>
+                <a:latin typeface="Calibri" panose="020F0502020204030204" pitchFamily="34" charset="0"/>
+                <a:cs typeface="Calibri" panose="020F0502020204030204" pitchFamily="34" charset="0"/>
+              </a:rPr>
+              <a:t>March</a:t>
+            </a:r>
+            <a:r>
+              <a:rPr lang="nl-NL" sz="1200" i="0" dirty="0">
+                <a:effectLst/>
+                <a:latin typeface="Calibri" panose="020F0502020204030204" pitchFamily="34" charset="0"/>
+                <a:cs typeface="Calibri" panose="020F0502020204030204" pitchFamily="34" charset="0"/>
+              </a:rPr>
+              <a:t> 18</a:t>
+            </a:r>
+          </a:p>
+          <a:p>
+            <a:pPr>
+              <a:lnSpc>
+                <a:spcPct val="90000"/>
+              </a:lnSpc>
+              <a:buFont typeface="Arial" panose="020B0604020202020204" pitchFamily="34" charset="0"/>
+              <a:buChar char="•"/>
+            </a:pPr>
+            <a:r>
+              <a:rPr lang="en-US" sz="1200" b="1" dirty="0"/>
+              <a:t>Purpose</a:t>
+            </a:r>
+            <a:r>
+              <a:rPr lang="en-US" sz="1200" dirty="0"/>
+              <a:t>: Ensures AI is safe, respects fundamental rights, and supports democracy, the rule of law, and environmental standards.</a:t>
+            </a:r>
+          </a:p>
+          <a:p>
+            <a:pPr>
+              <a:lnSpc>
+                <a:spcPct val="90000"/>
+              </a:lnSpc>
+              <a:buFont typeface="Arial" panose="020B0604020202020204" pitchFamily="34" charset="0"/>
+              <a:buChar char="•"/>
+            </a:pPr>
+            <a:r>
+              <a:rPr lang="en-US" sz="1200" dirty="0"/>
+              <a:t>Exemptions: Research, military/defense, and non-market prototypes.</a:t>
+            </a:r>
+          </a:p>
+          <a:p>
+            <a:pPr>
+              <a:lnSpc>
+                <a:spcPct val="90000"/>
+              </a:lnSpc>
+            </a:pPr>
+            <a:r>
+              <a:rPr lang="en-US" sz="1200" b="1" dirty="0"/>
+              <a:t>Risk Categories</a:t>
+            </a:r>
+          </a:p>
+          <a:p>
+            <a:pPr>
+              <a:lnSpc>
+                <a:spcPct val="90000"/>
+              </a:lnSpc>
+              <a:buFont typeface="+mj-lt"/>
+              <a:buAutoNum type="arabicPeriod"/>
+            </a:pPr>
+            <a:r>
+              <a:rPr lang="en-US" sz="1200" b="1" dirty="0"/>
+              <a:t>Unacceptable Risk</a:t>
+            </a:r>
+            <a:r>
+              <a:rPr lang="en-US" sz="1200" dirty="0"/>
+              <a:t>: Banned uses (e.g., social scoring, exploitative manipulation).</a:t>
+            </a:r>
+          </a:p>
+          <a:p>
+            <a:pPr>
+              <a:lnSpc>
+                <a:spcPct val="90000"/>
+              </a:lnSpc>
+              <a:buFont typeface="+mj-lt"/>
+              <a:buAutoNum type="arabicPeriod"/>
+            </a:pPr>
+            <a:r>
+              <a:rPr lang="en-US" sz="1200" b="1" dirty="0"/>
+              <a:t>High-Risk</a:t>
+            </a:r>
+            <a:r>
+              <a:rPr lang="en-US" sz="1200" dirty="0"/>
+              <a:t>: Systems impacting rights and safety (e.g., job screening, law enforcement).</a:t>
+            </a:r>
+          </a:p>
+          <a:p>
+            <a:pPr>
+              <a:lnSpc>
+                <a:spcPct val="90000"/>
+              </a:lnSpc>
+              <a:buFont typeface="+mj-lt"/>
+              <a:buAutoNum type="arabicPeriod"/>
+            </a:pPr>
+            <a:r>
+              <a:rPr lang="en-US" sz="1200" b="1" dirty="0"/>
+              <a:t>Transparency Risk</a:t>
+            </a:r>
+            <a:r>
+              <a:rPr lang="en-US" sz="1200" dirty="0"/>
+              <a:t>: Disclosures required for manipulation-prone applications.</a:t>
+            </a:r>
+          </a:p>
+          <a:p>
+            <a:pPr>
+              <a:lnSpc>
+                <a:spcPct val="90000"/>
+              </a:lnSpc>
+              <a:buFont typeface="+mj-lt"/>
+              <a:buAutoNum type="arabicPeriod"/>
+            </a:pPr>
+            <a:r>
+              <a:rPr lang="en-US" sz="1200" b="1" dirty="0"/>
+              <a:t>Minimal Risk</a:t>
+            </a:r>
+            <a:r>
+              <a:rPr lang="en-US" sz="1200" dirty="0"/>
+              <a:t>: General use with voluntary standards adherence.</a:t>
+            </a:r>
+          </a:p>
+          <a:p>
+            <a:pPr>
+              <a:lnSpc>
+                <a:spcPct val="90000"/>
+              </a:lnSpc>
+            </a:pPr>
+            <a:r>
+              <a:rPr lang="en-US" sz="1200" b="1" dirty="0"/>
+              <a:t>Compliance</a:t>
+            </a:r>
+          </a:p>
+          <a:p>
+            <a:pPr>
+              <a:lnSpc>
+                <a:spcPct val="90000"/>
+              </a:lnSpc>
+              <a:buFont typeface="Arial" panose="020B0604020202020204" pitchFamily="34" charset="0"/>
+              <a:buChar char="•"/>
+            </a:pPr>
+            <a:r>
+              <a:rPr lang="en-US" sz="1200" b="1" dirty="0"/>
+              <a:t>High-Risk Obligations</a:t>
+            </a:r>
+            <a:r>
+              <a:rPr lang="en-US" sz="1200" dirty="0"/>
+              <a:t>: Conformity assessments, data quality, transparency, cybersecurity.</a:t>
+            </a:r>
+          </a:p>
+          <a:p>
+            <a:pPr>
+              <a:lnSpc>
+                <a:spcPct val="90000"/>
+              </a:lnSpc>
+              <a:buFont typeface="Arial" panose="020B0604020202020204" pitchFamily="34" charset="0"/>
+              <a:buChar char="•"/>
+            </a:pPr>
+            <a:r>
+              <a:rPr lang="en-US" sz="1200" b="1" dirty="0"/>
+              <a:t>Systemic Risks</a:t>
+            </a:r>
+            <a:r>
+              <a:rPr lang="en-US" sz="1200" dirty="0"/>
+              <a:t>: Rules for general-purpose AI, including labeling requirements for generative outputs.</a:t>
+            </a:r>
+          </a:p>
+          <a:p>
+            <a:pPr marL="0" indent="0">
+              <a:lnSpc>
+                <a:spcPct val="90000"/>
+              </a:lnSpc>
+              <a:buNone/>
+            </a:pPr>
+            <a:r>
+              <a:rPr lang="nl-NL" sz="1200" i="0" dirty="0">
+                <a:effectLst/>
+                <a:latin typeface="Calibri" panose="020F0502020204030204" pitchFamily="34" charset="0"/>
+                <a:cs typeface="Calibri" panose="020F0502020204030204" pitchFamily="34" charset="0"/>
+              </a:rPr>
+              <a:t>, 2024)</a:t>
+            </a:r>
           </a:p>
         </p:txBody>
       </p:sp>
       <p:sp>
         <p:nvSpPr>
-          <p:cNvPr id="4" name="Slide Number Placeholder 3"/>
+          <p:cNvPr id="4" name="Tijdelijke aanduiding voor dianummer 3"/>
           <p:cNvSpPr>
             <a:spLocks noGrp="1"/>
           </p:cNvSpPr>
@@ -10796,18 +11028,18 @@
           <a:bodyPr/>
           <a:lstStyle/>
           <a:p>
-            <a:fld id="{06A0CF5B-C663-264F-AFCB-2A8BE296B50B}" type="slidenum">
-              <a:rPr lang="en-NL" smtClean="0"/>
-              <a:t>4</a:t>
+            <a:fld id="{8C61471B-461F-4E46-8ED6-2A9CE20CFF5E}" type="slidenum">
+              <a:rPr lang="nl-NL" smtClean="0"/>
+              <a:t>5</a:t>
             </a:fld>
-            <a:endParaRPr lang="en-NL"/>
+            <a:endParaRPr lang="nl-NL"/>
           </a:p>
         </p:txBody>
       </p:sp>
     </p:spTree>
     <p:extLst>
       <p:ext uri="{BB962C8B-B14F-4D97-AF65-F5344CB8AC3E}">
-        <p14:creationId xmlns:p14="http://schemas.microsoft.com/office/powerpoint/2010/main" val="2269310027"/>
+        <p14:creationId xmlns:p14="http://schemas.microsoft.com/office/powerpoint/2010/main" val="937400699"/>
       </p:ext>
     </p:extLst>
   </p:cSld>
@@ -10861,289 +11093,7 @@
           <a:bodyPr/>
           <a:lstStyle/>
           <a:p>
-            <a:pPr marL="0" indent="0">
-              <a:lnSpc>
-                <a:spcPct val="90000"/>
-              </a:lnSpc>
-              <a:buNone/>
-            </a:pPr>
-            <a:r>
-              <a:rPr lang="nl-NL" sz="1200" b="1" dirty="0">
-                <a:latin typeface="Calibri" panose="020F0502020204030204" pitchFamily="34" charset="0"/>
-                <a:cs typeface="Calibri" panose="020F0502020204030204" pitchFamily="34" charset="0"/>
-              </a:rPr>
-              <a:t>The AI Act </a:t>
-            </a:r>
-            <a:r>
-              <a:rPr lang="nl-NL" sz="1200" dirty="0">
-                <a:latin typeface="Calibri" panose="020F0502020204030204" pitchFamily="34" charset="0"/>
-                <a:cs typeface="Calibri" panose="020F0502020204030204" pitchFamily="34" charset="0"/>
-              </a:rPr>
-              <a:t>(</a:t>
-            </a:r>
-            <a:r>
-              <a:rPr lang="nl-NL" sz="1200" dirty="0" err="1">
-                <a:latin typeface="Calibri" panose="020F0502020204030204" pitchFamily="34" charset="0"/>
-                <a:cs typeface="Calibri" panose="020F0502020204030204" pitchFamily="34" charset="0"/>
-              </a:rPr>
-              <a:t>proposed</a:t>
-            </a:r>
-            <a:r>
-              <a:rPr lang="nl-NL" sz="1200" dirty="0">
-                <a:latin typeface="Calibri" panose="020F0502020204030204" pitchFamily="34" charset="0"/>
-                <a:cs typeface="Calibri" panose="020F0502020204030204" pitchFamily="34" charset="0"/>
-              </a:rPr>
-              <a:t> in December 2023, </a:t>
-            </a:r>
-            <a:r>
-              <a:rPr lang="nl-NL" sz="1200" dirty="0" err="1">
-                <a:latin typeface="Calibri" panose="020F0502020204030204" pitchFamily="34" charset="0"/>
-                <a:cs typeface="Calibri" panose="020F0502020204030204" pitchFamily="34" charset="0"/>
-              </a:rPr>
-              <a:t>approved</a:t>
-            </a:r>
-            <a:r>
-              <a:rPr lang="nl-NL" sz="1200" dirty="0">
-                <a:latin typeface="Calibri" panose="020F0502020204030204" pitchFamily="34" charset="0"/>
-                <a:cs typeface="Calibri" panose="020F0502020204030204" pitchFamily="34" charset="0"/>
-              </a:rPr>
-              <a:t> on </a:t>
-            </a:r>
-            <a:r>
-              <a:rPr lang="nl-NL" sz="1200" i="0" dirty="0" err="1">
-                <a:effectLst/>
-                <a:latin typeface="Calibri" panose="020F0502020204030204" pitchFamily="34" charset="0"/>
-                <a:cs typeface="Calibri" panose="020F0502020204030204" pitchFamily="34" charset="0"/>
-              </a:rPr>
-              <a:t>March</a:t>
-            </a:r>
-            <a:r>
-              <a:rPr lang="nl-NL" sz="1200" i="0" dirty="0">
-                <a:effectLst/>
-                <a:latin typeface="Calibri" panose="020F0502020204030204" pitchFamily="34" charset="0"/>
-                <a:cs typeface="Calibri" panose="020F0502020204030204" pitchFamily="34" charset="0"/>
-              </a:rPr>
-              <a:t> 18</a:t>
-            </a:r>
-          </a:p>
-          <a:p>
-            <a:pPr>
-              <a:lnSpc>
-                <a:spcPct val="90000"/>
-              </a:lnSpc>
-              <a:buFont typeface="Arial" panose="020B0604020202020204" pitchFamily="34" charset="0"/>
-              <a:buChar char="•"/>
-            </a:pPr>
-            <a:r>
-              <a:rPr lang="en-US" sz="1200" b="1" dirty="0"/>
-              <a:t>Purpose</a:t>
-            </a:r>
-            <a:r>
-              <a:rPr lang="en-US" sz="1200" dirty="0"/>
-              <a:t>: Ensures AI is safe, respects fundamental rights, and supports democracy, the rule of law, and environmental standards.</a:t>
-            </a:r>
-          </a:p>
-          <a:p>
-            <a:pPr>
-              <a:lnSpc>
-                <a:spcPct val="90000"/>
-              </a:lnSpc>
-              <a:buFont typeface="Arial" panose="020B0604020202020204" pitchFamily="34" charset="0"/>
-              <a:buChar char="•"/>
-            </a:pPr>
-            <a:r>
-              <a:rPr lang="en-US" sz="1200" b="1" dirty="0"/>
-              <a:t>Benefits &amp; Risks</a:t>
-            </a:r>
-            <a:r>
-              <a:rPr lang="en-US" sz="1200" dirty="0"/>
-              <a:t>: AI brings societal and economic benefits but also new safety and rights-related risks that could impact trust.</a:t>
-            </a:r>
-          </a:p>
-          <a:p>
-            <a:pPr>
-              <a:lnSpc>
-                <a:spcPct val="90000"/>
-              </a:lnSpc>
-            </a:pPr>
-            <a:r>
-              <a:rPr lang="en-US" sz="1200" b="1" dirty="0"/>
-              <a:t>Applicability</a:t>
-            </a:r>
-          </a:p>
-          <a:p>
-            <a:pPr>
-              <a:lnSpc>
-                <a:spcPct val="90000"/>
-              </a:lnSpc>
-              <a:buFont typeface="Arial" panose="020B0604020202020204" pitchFamily="34" charset="0"/>
-              <a:buChar char="•"/>
-            </a:pPr>
-            <a:r>
-              <a:rPr lang="en-US" sz="1200" dirty="0"/>
-              <a:t>Applies to </a:t>
-            </a:r>
-            <a:r>
-              <a:rPr lang="en-US" sz="1200" b="1" dirty="0"/>
-              <a:t>public &amp; private sectors</a:t>
-            </a:r>
-            <a:r>
-              <a:rPr lang="en-US" sz="1200" dirty="0"/>
-              <a:t> within and outside the EU if AI impacts people in the EU.</a:t>
-            </a:r>
-          </a:p>
-          <a:p>
-            <a:pPr>
-              <a:lnSpc>
-                <a:spcPct val="90000"/>
-              </a:lnSpc>
-              <a:buFont typeface="Arial" panose="020B0604020202020204" pitchFamily="34" charset="0"/>
-              <a:buChar char="•"/>
-            </a:pPr>
-            <a:r>
-              <a:rPr lang="en-US" sz="1200" dirty="0"/>
-              <a:t>Exemptions: Research, military/defense, and non-market prototypes.</a:t>
-            </a:r>
-          </a:p>
-          <a:p>
-            <a:pPr>
-              <a:lnSpc>
-                <a:spcPct val="90000"/>
-              </a:lnSpc>
-            </a:pPr>
-            <a:r>
-              <a:rPr lang="en-US" sz="1200" b="1" dirty="0"/>
-              <a:t>Risk Categories</a:t>
-            </a:r>
-          </a:p>
-          <a:p>
-            <a:pPr>
-              <a:lnSpc>
-                <a:spcPct val="90000"/>
-              </a:lnSpc>
-              <a:buFont typeface="+mj-lt"/>
-              <a:buAutoNum type="arabicPeriod"/>
-            </a:pPr>
-            <a:r>
-              <a:rPr lang="en-US" sz="1200" b="1" dirty="0"/>
-              <a:t>Unacceptable Risk</a:t>
-            </a:r>
-            <a:r>
-              <a:rPr lang="en-US" sz="1200" dirty="0"/>
-              <a:t>: Banned uses (e.g., social scoring, exploitative manipulation).</a:t>
-            </a:r>
-          </a:p>
-          <a:p>
-            <a:pPr>
-              <a:lnSpc>
-                <a:spcPct val="90000"/>
-              </a:lnSpc>
-              <a:buFont typeface="+mj-lt"/>
-              <a:buAutoNum type="arabicPeriod"/>
-            </a:pPr>
-            <a:r>
-              <a:rPr lang="en-US" sz="1200" b="1" dirty="0"/>
-              <a:t>High-Risk</a:t>
-            </a:r>
-            <a:r>
-              <a:rPr lang="en-US" sz="1200" dirty="0"/>
-              <a:t>: Systems impacting rights and safety (e.g., job screening, law enforcement).</a:t>
-            </a:r>
-          </a:p>
-          <a:p>
-            <a:pPr>
-              <a:lnSpc>
-                <a:spcPct val="90000"/>
-              </a:lnSpc>
-              <a:buFont typeface="+mj-lt"/>
-              <a:buAutoNum type="arabicPeriod"/>
-            </a:pPr>
-            <a:r>
-              <a:rPr lang="en-US" sz="1200" b="1" dirty="0"/>
-              <a:t>Transparency Risk</a:t>
-            </a:r>
-            <a:r>
-              <a:rPr lang="en-US" sz="1200" dirty="0"/>
-              <a:t>: Disclosures required for manipulation-prone applications.</a:t>
-            </a:r>
-          </a:p>
-          <a:p>
-            <a:pPr>
-              <a:lnSpc>
-                <a:spcPct val="90000"/>
-              </a:lnSpc>
-              <a:buFont typeface="+mj-lt"/>
-              <a:buAutoNum type="arabicPeriod"/>
-            </a:pPr>
-            <a:r>
-              <a:rPr lang="en-US" sz="1200" b="1" dirty="0"/>
-              <a:t>Minimal Risk</a:t>
-            </a:r>
-            <a:r>
-              <a:rPr lang="en-US" sz="1200" dirty="0"/>
-              <a:t>: General use with voluntary standards adherence.</a:t>
-            </a:r>
-          </a:p>
-          <a:p>
-            <a:pPr>
-              <a:lnSpc>
-                <a:spcPct val="90000"/>
-              </a:lnSpc>
-            </a:pPr>
-            <a:r>
-              <a:rPr lang="en-US" sz="1200" b="1" dirty="0"/>
-              <a:t>Compliance</a:t>
-            </a:r>
-          </a:p>
-          <a:p>
-            <a:pPr>
-              <a:lnSpc>
-                <a:spcPct val="90000"/>
-              </a:lnSpc>
-              <a:buFont typeface="Arial" panose="020B0604020202020204" pitchFamily="34" charset="0"/>
-              <a:buChar char="•"/>
-            </a:pPr>
-            <a:r>
-              <a:rPr lang="en-US" sz="1200" b="1" dirty="0"/>
-              <a:t>High-Risk Obligations</a:t>
-            </a:r>
-            <a:r>
-              <a:rPr lang="en-US" sz="1200" dirty="0"/>
-              <a:t>: Conformity assessments, data quality, transparency, cybersecurity.</a:t>
-            </a:r>
-          </a:p>
-          <a:p>
-            <a:pPr>
-              <a:lnSpc>
-                <a:spcPct val="90000"/>
-              </a:lnSpc>
-              <a:buFont typeface="Arial" panose="020B0604020202020204" pitchFamily="34" charset="0"/>
-              <a:buChar char="•"/>
-            </a:pPr>
-            <a:r>
-              <a:rPr lang="en-US" sz="1200" b="1" dirty="0"/>
-              <a:t>Systemic Risks</a:t>
-            </a:r>
-            <a:r>
-              <a:rPr lang="en-US" sz="1200" dirty="0"/>
-              <a:t>: Rules for general-purpose AI, including labeling requirements for generative outputs.</a:t>
-            </a:r>
-          </a:p>
-          <a:p>
-            <a:pPr marL="0" indent="0">
-              <a:lnSpc>
-                <a:spcPct val="90000"/>
-              </a:lnSpc>
-              <a:buNone/>
-            </a:pPr>
-            <a:r>
-              <a:rPr lang="nl-NL" sz="1200" i="0" dirty="0">
-                <a:effectLst/>
-                <a:latin typeface="Calibri" panose="020F0502020204030204" pitchFamily="34" charset="0"/>
-                <a:cs typeface="Calibri" panose="020F0502020204030204" pitchFamily="34" charset="0"/>
-              </a:rPr>
-              <a:t>, 2024)</a:t>
-            </a:r>
+            <a:endParaRPr lang="nl-NL" dirty="0"/>
           </a:p>
         </p:txBody>
       </p:sp>
@@ -11173,7 +11123,7 @@
     </p:spTree>
     <p:extLst>
       <p:ext uri="{BB962C8B-B14F-4D97-AF65-F5344CB8AC3E}">
-        <p14:creationId xmlns:p14="http://schemas.microsoft.com/office/powerpoint/2010/main" val="937400699"/>
+        <p14:creationId xmlns:p14="http://schemas.microsoft.com/office/powerpoint/2010/main" val="1896459539"/>
       </p:ext>
     </p:extLst>
   </p:cSld>
@@ -11257,7 +11207,7 @@
     </p:spTree>
     <p:extLst>
       <p:ext uri="{BB962C8B-B14F-4D97-AF65-F5344CB8AC3E}">
-        <p14:creationId xmlns:p14="http://schemas.microsoft.com/office/powerpoint/2010/main" val="1896459539"/>
+        <p14:creationId xmlns:p14="http://schemas.microsoft.com/office/powerpoint/2010/main" val="3062068912"/>
       </p:ext>
     </p:extLst>
   </p:cSld>
@@ -11286,7 +11236,7 @@
       </p:grpSpPr>
       <p:sp>
         <p:nvSpPr>
-          <p:cNvPr id="2" name="Tijdelijke aanduiding voor dia-afbeelding 1"/>
+          <p:cNvPr id="2" name="Slide Image Placeholder 1"/>
           <p:cNvSpPr>
             <a:spLocks noGrp="1" noRot="1" noChangeAspect="1"/>
           </p:cNvSpPr>
@@ -11298,7 +11248,7 @@
       </p:sp>
       <p:sp>
         <p:nvSpPr>
-          <p:cNvPr id="3" name="Tijdelijke aanduiding voor notities 2"/>
+          <p:cNvPr id="3" name="Notes Placeholder 2"/>
           <p:cNvSpPr>
             <a:spLocks noGrp="1"/>
           </p:cNvSpPr>
@@ -11311,13 +11261,13 @@
           <a:bodyPr/>
           <a:lstStyle/>
           <a:p>
-            <a:endParaRPr lang="nl-NL" dirty="0"/>
+            <a:endParaRPr lang="en-GB" dirty="0"/>
           </a:p>
         </p:txBody>
       </p:sp>
       <p:sp>
         <p:nvSpPr>
-          <p:cNvPr id="4" name="Tijdelijke aanduiding voor dianummer 3"/>
+          <p:cNvPr id="4" name="Slide Number Placeholder 3"/>
           <p:cNvSpPr>
             <a:spLocks noGrp="1"/>
           </p:cNvSpPr>
@@ -11330,18 +11280,18 @@
           <a:bodyPr/>
           <a:lstStyle/>
           <a:p>
-            <a:fld id="{8C61471B-461F-4E46-8ED6-2A9CE20CFF5E}" type="slidenum">
-              <a:rPr lang="nl-NL" smtClean="0"/>
-              <a:t>8</a:t>
+            <a:fld id="{06A0CF5B-C663-264F-AFCB-2A8BE296B50B}" type="slidenum">
+              <a:rPr lang="en-NL" smtClean="0"/>
+              <a:t>10</a:t>
             </a:fld>
-            <a:endParaRPr lang="nl-NL"/>
+            <a:endParaRPr lang="en-NL"/>
           </a:p>
         </p:txBody>
       </p:sp>
     </p:spTree>
     <p:extLst>
       <p:ext uri="{BB962C8B-B14F-4D97-AF65-F5344CB8AC3E}">
-        <p14:creationId xmlns:p14="http://schemas.microsoft.com/office/powerpoint/2010/main" val="3062068912"/>
+        <p14:creationId xmlns:p14="http://schemas.microsoft.com/office/powerpoint/2010/main" val="1610972531"/>
       </p:ext>
     </p:extLst>
   </p:cSld>
@@ -11555,6 +11505,90 @@
     <p:extLst>
       <p:ext uri="{BB962C8B-B14F-4D97-AF65-F5344CB8AC3E}">
         <p14:creationId xmlns:p14="http://schemas.microsoft.com/office/powerpoint/2010/main" val="3702392288"/>
+      </p:ext>
+    </p:extLst>
+  </p:cSld>
+  <p:clrMapOvr>
+    <a:masterClrMapping/>
+  </p:clrMapOvr>
+</p:notes>
+</file>
+
+<file path=ppt/notesSlides/notesSlide9.xml><?xml version="1.0" encoding="utf-8"?>
+<p:notes xmlns:a="http://schemas.openxmlformats.org/drawingml/2006/main" xmlns:r="http://schemas.openxmlformats.org/officeDocument/2006/relationships" xmlns:p="http://schemas.openxmlformats.org/presentationml/2006/main">
+  <p:cSld>
+    <p:spTree>
+      <p:nvGrpSpPr>
+        <p:cNvPr id="1" name=""/>
+        <p:cNvGrpSpPr/>
+        <p:nvPr/>
+      </p:nvGrpSpPr>
+      <p:grpSpPr>
+        <a:xfrm>
+          <a:off x="0" y="0"/>
+          <a:ext cx="0" cy="0"/>
+          <a:chOff x="0" y="0"/>
+          <a:chExt cx="0" cy="0"/>
+        </a:xfrm>
+      </p:grpSpPr>
+      <p:sp>
+        <p:nvSpPr>
+          <p:cNvPr id="2" name="Slide Image Placeholder 1"/>
+          <p:cNvSpPr>
+            <a:spLocks noGrp="1" noRot="1" noChangeAspect="1"/>
+          </p:cNvSpPr>
+          <p:nvPr>
+            <p:ph type="sldImg"/>
+          </p:nvPr>
+        </p:nvSpPr>
+        <p:spPr/>
+      </p:sp>
+      <p:sp>
+        <p:nvSpPr>
+          <p:cNvPr id="3" name="Notes Placeholder 2"/>
+          <p:cNvSpPr>
+            <a:spLocks noGrp="1"/>
+          </p:cNvSpPr>
+          <p:nvPr>
+            <p:ph type="body" idx="1"/>
+          </p:nvPr>
+        </p:nvSpPr>
+        <p:spPr/>
+        <p:txBody>
+          <a:bodyPr/>
+          <a:lstStyle/>
+          <a:p>
+            <a:endParaRPr lang="en-GB" dirty="0"/>
+          </a:p>
+        </p:txBody>
+      </p:sp>
+      <p:sp>
+        <p:nvSpPr>
+          <p:cNvPr id="4" name="Slide Number Placeholder 3"/>
+          <p:cNvSpPr>
+            <a:spLocks noGrp="1"/>
+          </p:cNvSpPr>
+          <p:nvPr>
+            <p:ph type="sldNum" sz="quarter" idx="5"/>
+          </p:nvPr>
+        </p:nvSpPr>
+        <p:spPr/>
+        <p:txBody>
+          <a:bodyPr/>
+          <a:lstStyle/>
+          <a:p>
+            <a:fld id="{06A0CF5B-C663-264F-AFCB-2A8BE296B50B}" type="slidenum">
+              <a:rPr lang="en-NL" smtClean="0"/>
+              <a:t>13</a:t>
+            </a:fld>
+            <a:endParaRPr lang="en-NL"/>
+          </a:p>
+        </p:txBody>
+      </p:sp>
+    </p:spTree>
+    <p:extLst>
+      <p:ext uri="{BB962C8B-B14F-4D97-AF65-F5344CB8AC3E}">
+        <p14:creationId xmlns:p14="http://schemas.microsoft.com/office/powerpoint/2010/main" val="1191204463"/>
       </p:ext>
     </p:extLst>
   </p:cSld>
@@ -11729,7 +11763,7 @@
           <a:p>
             <a:fld id="{EA730EFB-AB28-4A68-9CF2-24FEA7CF3D98}" type="datetimeFigureOut">
               <a:rPr lang="en-US" smtClean="0"/>
-              <a:t>11/22/24</a:t>
+              <a:t>11/22/2024</a:t>
             </a:fld>
             <a:endParaRPr lang="en-US"/>
           </a:p>
@@ -11941,7 +11975,7 @@
           <a:p>
             <a:fld id="{EA730EFB-AB28-4A68-9CF2-24FEA7CF3D98}" type="datetimeFigureOut">
               <a:rPr lang="en-US" smtClean="0"/>
-              <a:t>11/22/24</a:t>
+              <a:t>11/22/2024</a:t>
             </a:fld>
             <a:endParaRPr lang="en-US"/>
           </a:p>
@@ -12179,7 +12213,7 @@
           <a:p>
             <a:fld id="{EA730EFB-AB28-4A68-9CF2-24FEA7CF3D98}" type="datetimeFigureOut">
               <a:rPr lang="en-US" smtClean="0"/>
-              <a:t>11/22/24</a:t>
+              <a:t>11/22/2024</a:t>
             </a:fld>
             <a:endParaRPr lang="en-US"/>
           </a:p>
@@ -12410,7 +12444,7 @@
           <a:p>
             <a:fld id="{EA730EFB-AB28-4A68-9CF2-24FEA7CF3D98}" type="datetimeFigureOut">
               <a:rPr lang="en-US" smtClean="0"/>
-              <a:t>11/22/24</a:t>
+              <a:t>11/22/2024</a:t>
             </a:fld>
             <a:endParaRPr lang="en-US"/>
           </a:p>
@@ -12831,7 +12865,7 @@
           <a:p>
             <a:fld id="{EA730EFB-AB28-4A68-9CF2-24FEA7CF3D98}" type="datetimeFigureOut">
               <a:rPr lang="en-US" smtClean="0"/>
-              <a:t>11/22/24</a:t>
+              <a:t>11/22/2024</a:t>
             </a:fld>
             <a:endParaRPr lang="en-US"/>
           </a:p>
@@ -13031,7 +13065,7 @@
           <a:p>
             <a:fld id="{EA730EFB-AB28-4A68-9CF2-24FEA7CF3D98}" type="datetimeFigureOut">
               <a:rPr lang="en-US" smtClean="0"/>
-              <a:t>11/22/24</a:t>
+              <a:t>11/22/2024</a:t>
             </a:fld>
             <a:endParaRPr lang="en-US"/>
           </a:p>
@@ -13501,7 +13535,7 @@
           <a:p>
             <a:fld id="{EA730EFB-AB28-4A68-9CF2-24FEA7CF3D98}" type="datetimeFigureOut">
               <a:rPr lang="en-US" smtClean="0"/>
-              <a:t>11/22/24</a:t>
+              <a:t>11/22/2024</a:t>
             </a:fld>
             <a:endParaRPr lang="en-US"/>
           </a:p>
@@ -13739,7 +13773,7 @@
           <a:p>
             <a:fld id="{EA730EFB-AB28-4A68-9CF2-24FEA7CF3D98}" type="datetimeFigureOut">
               <a:rPr lang="en-US" smtClean="0"/>
-              <a:t>11/22/24</a:t>
+              <a:t>11/22/2024</a:t>
             </a:fld>
             <a:endParaRPr lang="en-US"/>
           </a:p>
@@ -14045,7 +14079,7 @@
           <a:p>
             <a:fld id="{EA730EFB-AB28-4A68-9CF2-24FEA7CF3D98}" type="datetimeFigureOut">
               <a:rPr lang="en-US" smtClean="0"/>
-              <a:t>11/22/24</a:t>
+              <a:t>11/22/2024</a:t>
             </a:fld>
             <a:endParaRPr lang="en-US"/>
           </a:p>
@@ -14332,7 +14366,7 @@
           <a:p>
             <a:fld id="{EA730EFB-AB28-4A68-9CF2-24FEA7CF3D98}" type="datetimeFigureOut">
               <a:rPr lang="en-US" smtClean="0"/>
-              <a:t>11/22/24</a:t>
+              <a:t>11/22/2024</a:t>
             </a:fld>
             <a:endParaRPr lang="en-US"/>
           </a:p>
@@ -14544,7 +14578,7 @@
           <a:p>
             <a:fld id="{EA730EFB-AB28-4A68-9CF2-24FEA7CF3D98}" type="datetimeFigureOut">
               <a:rPr lang="en-US" smtClean="0"/>
-              <a:t>11/22/24</a:t>
+              <a:t>11/22/2024</a:t>
             </a:fld>
             <a:endParaRPr lang="en-US"/>
           </a:p>
@@ -14756,7 +14790,7 @@
           <a:p>
             <a:fld id="{EA730EFB-AB28-4A68-9CF2-24FEA7CF3D98}" type="datetimeFigureOut">
               <a:rPr lang="en-US" smtClean="0"/>
-              <a:t>11/22/24</a:t>
+              <a:t>11/22/2024</a:t>
             </a:fld>
             <a:endParaRPr lang="en-US"/>
           </a:p>
@@ -14962,7 +14996,7 @@
           <a:p>
             <a:fld id="{EA730EFB-AB28-4A68-9CF2-24FEA7CF3D98}" type="datetimeFigureOut">
               <a:rPr lang="en-US" smtClean="0"/>
-              <a:t>11/22/24</a:t>
+              <a:t>11/22/2024</a:t>
             </a:fld>
             <a:endParaRPr lang="en-US"/>
           </a:p>
@@ -15174,7 +15208,7 @@
           <a:p>
             <a:fld id="{EA730EFB-AB28-4A68-9CF2-24FEA7CF3D98}" type="datetimeFigureOut">
               <a:rPr lang="en-US" smtClean="0"/>
-              <a:t>11/22/24</a:t>
+              <a:t>11/22/2024</a:t>
             </a:fld>
             <a:endParaRPr lang="en-US"/>
           </a:p>
@@ -15424,7 +15458,7 @@
           <a:p>
             <a:fld id="{EA730EFB-AB28-4A68-9CF2-24FEA7CF3D98}" type="datetimeFigureOut">
               <a:rPr lang="en-US" smtClean="0"/>
-              <a:t>11/22/24</a:t>
+              <a:t>11/22/2024</a:t>
             </a:fld>
             <a:endParaRPr lang="en-US"/>
           </a:p>
@@ -15883,14 +15917,19 @@
                 <a:latin typeface="Calibri" panose="020F0502020204030204" pitchFamily="34" charset="0"/>
                 <a:cs typeface="Calibri" panose="020F0502020204030204" pitchFamily="34" charset="0"/>
               </a:rPr>
-              <a:t>List at least two potential risks or vulnerabilities that could arise from using an AI coding assistant in this project.</a:t>
-            </a:r>
-          </a:p>
-          <a:p>
-            <a:pPr marL="342900" indent="-342900" algn="l">
-              <a:buFont typeface="+mj-lt"/>
-              <a:buAutoNum type="arabicPeriod"/>
-            </a:pPr>
+              <a:t>List at least </a:t>
+            </a:r>
+            <a:r>
+              <a:rPr lang="en-US" sz="1800" b="0" i="1" dirty="0">
+                <a:solidFill>
+                  <a:schemeClr val="tx1"/>
+                </a:solidFill>
+                <a:effectLst/>
+                <a:latin typeface="Calibri" panose="020F0502020204030204" pitchFamily="34" charset="0"/>
+                <a:cs typeface="Calibri" panose="020F0502020204030204" pitchFamily="34" charset="0"/>
+              </a:rPr>
+              <a:t>two potential risks or vulnerabilities </a:t>
+            </a:r>
             <a:r>
               <a:rPr lang="en-US" sz="1800" b="0" i="0" dirty="0">
                 <a:solidFill>
@@ -15900,7 +15939,7 @@
                 <a:latin typeface="Calibri" panose="020F0502020204030204" pitchFamily="34" charset="0"/>
                 <a:cs typeface="Calibri" panose="020F0502020204030204" pitchFamily="34" charset="0"/>
               </a:rPr>
-              <a:t>For each risk identified, propose a specific mitigation strategy. Explain how this strategy addresses the risk and aligns with the best practices discussed in the lesson.</a:t>
+              <a:t>that could arise from using an AI coding assistant in this project.</a:t>
             </a:r>
           </a:p>
           <a:p>
@@ -15917,7 +15956,68 @@
                 <a:latin typeface="Calibri" panose="020F0502020204030204" pitchFamily="34" charset="0"/>
                 <a:cs typeface="Calibri" panose="020F0502020204030204" pitchFamily="34" charset="0"/>
               </a:rPr>
-              <a:t>Draft a set of at least 5 ethical guidelines for your team to follow when using the AI coding assistant. These should cover areas such as </a:t>
+              <a:t>For each risk identified, propose a </a:t>
+            </a:r>
+            <a:r>
+              <a:rPr lang="en-US" sz="1800" b="0" i="1" dirty="0">
+                <a:solidFill>
+                  <a:schemeClr val="tx1"/>
+                </a:solidFill>
+                <a:effectLst/>
+                <a:latin typeface="Calibri" panose="020F0502020204030204" pitchFamily="34" charset="0"/>
+                <a:cs typeface="Calibri" panose="020F0502020204030204" pitchFamily="34" charset="0"/>
+              </a:rPr>
+              <a:t>specific mitigation strategy</a:t>
+            </a:r>
+            <a:r>
+              <a:rPr lang="en-US" sz="1800" b="0" i="0" dirty="0">
+                <a:solidFill>
+                  <a:schemeClr val="tx1"/>
+                </a:solidFill>
+                <a:effectLst/>
+                <a:latin typeface="Calibri" panose="020F0502020204030204" pitchFamily="34" charset="0"/>
+                <a:cs typeface="Calibri" panose="020F0502020204030204" pitchFamily="34" charset="0"/>
+              </a:rPr>
+              <a:t>. Explain how this strategy addresses the risk and aligns with the best practices discussed in the lesson.</a:t>
+            </a:r>
+          </a:p>
+          <a:p>
+            <a:pPr marL="342900" indent="-342900" algn="l">
+              <a:buFont typeface="+mj-lt"/>
+              <a:buAutoNum type="arabicPeriod"/>
+            </a:pPr>
+            <a:r>
+              <a:rPr lang="en-US" sz="1800" b="0" i="0" dirty="0">
+                <a:solidFill>
+                  <a:schemeClr val="tx1"/>
+                </a:solidFill>
+                <a:effectLst/>
+                <a:latin typeface="Calibri" panose="020F0502020204030204" pitchFamily="34" charset="0"/>
+                <a:cs typeface="Calibri" panose="020F0502020204030204" pitchFamily="34" charset="0"/>
+              </a:rPr>
+              <a:t>Draft a set of at least </a:t>
+            </a:r>
+            <a:r>
+              <a:rPr lang="en-US" sz="1800" b="0" i="1" dirty="0">
+                <a:solidFill>
+                  <a:schemeClr val="tx1"/>
+                </a:solidFill>
+                <a:effectLst/>
+                <a:latin typeface="Calibri" panose="020F0502020204030204" pitchFamily="34" charset="0"/>
+                <a:cs typeface="Calibri" panose="020F0502020204030204" pitchFamily="34" charset="0"/>
+              </a:rPr>
+              <a:t>five ethical guidelines </a:t>
+            </a:r>
+            <a:r>
+              <a:rPr lang="en-US" sz="1800" b="0" i="0" dirty="0">
+                <a:solidFill>
+                  <a:schemeClr val="tx1"/>
+                </a:solidFill>
+                <a:effectLst/>
+                <a:latin typeface="Calibri" panose="020F0502020204030204" pitchFamily="34" charset="0"/>
+                <a:cs typeface="Calibri" panose="020F0502020204030204" pitchFamily="34" charset="0"/>
+              </a:rPr>
+              <a:t>for your team to follow when using the AI coding assistant. These should cover areas such as </a:t>
             </a:r>
             <a:r>
               <a:rPr lang="en-US" sz="1800" b="0" i="1" dirty="0">
@@ -15956,14 +16056,19 @@
                 <a:latin typeface="Calibri" panose="020F0502020204030204" pitchFamily="34" charset="0"/>
                 <a:cs typeface="Calibri" panose="020F0502020204030204" pitchFamily="34" charset="0"/>
               </a:rPr>
-              <a:t>Outline a security protocol that includes at least three specific measures to protect sensitive data and ensure the integrity of the AI-assisted development process.</a:t>
-            </a:r>
-          </a:p>
-          <a:p>
-            <a:pPr marL="342900" indent="-342900" algn="l">
-              <a:buFont typeface="+mj-lt"/>
-              <a:buAutoNum type="arabicPeriod"/>
-            </a:pPr>
+              <a:t>Outline a security protocol that includes at least </a:t>
+            </a:r>
+            <a:r>
+              <a:rPr lang="en-US" sz="1800" b="0" i="1" dirty="0">
+                <a:solidFill>
+                  <a:schemeClr val="tx1"/>
+                </a:solidFill>
+                <a:effectLst/>
+                <a:latin typeface="Calibri" panose="020F0502020204030204" pitchFamily="34" charset="0"/>
+                <a:cs typeface="Calibri" panose="020F0502020204030204" pitchFamily="34" charset="0"/>
+              </a:rPr>
+              <a:t>three specific measures</a:t>
+            </a:r>
             <a:r>
               <a:rPr lang="en-US" sz="1800" b="0" i="0" dirty="0">
                 <a:solidFill>
@@ -15973,7 +16078,46 @@
                 <a:latin typeface="Calibri" panose="020F0502020204030204" pitchFamily="34" charset="0"/>
                 <a:cs typeface="Calibri" panose="020F0502020204030204" pitchFamily="34" charset="0"/>
               </a:rPr>
-              <a:t>Design a collaborative code review process that leverages the strengths of both human developers and the AI assistant while mitigating potential risks.</a:t>
+              <a:t> to protect sensitive data and ensure the integrity of the AI-assisted development process.</a:t>
+            </a:r>
+          </a:p>
+          <a:p>
+            <a:pPr marL="342900" indent="-342900" algn="l">
+              <a:buFont typeface="+mj-lt"/>
+              <a:buAutoNum type="arabicPeriod"/>
+            </a:pPr>
+            <a:r>
+              <a:rPr lang="en-US" sz="1800" b="0" i="0" dirty="0">
+                <a:solidFill>
+                  <a:schemeClr val="tx1"/>
+                </a:solidFill>
+                <a:effectLst/>
+                <a:latin typeface="Calibri" panose="020F0502020204030204" pitchFamily="34" charset="0"/>
+                <a:cs typeface="Calibri" panose="020F0502020204030204" pitchFamily="34" charset="0"/>
+              </a:rPr>
+              <a:t>Design a </a:t>
+            </a:r>
+            <a:r>
+              <a:rPr lang="en-US" sz="1800" b="0" i="1" dirty="0">
+                <a:solidFill>
+                  <a:schemeClr val="tx1"/>
+                </a:solidFill>
+                <a:effectLst/>
+                <a:latin typeface="Calibri" panose="020F0502020204030204" pitchFamily="34" charset="0"/>
+                <a:cs typeface="Calibri" panose="020F0502020204030204" pitchFamily="34" charset="0"/>
+              </a:rPr>
+              <a:t>collaborative code review process </a:t>
+            </a:r>
+            <a:r>
+              <a:rPr lang="en-US" sz="1800" b="0" i="0" dirty="0">
+                <a:solidFill>
+                  <a:schemeClr val="tx1"/>
+                </a:solidFill>
+                <a:effectLst/>
+                <a:latin typeface="Calibri" panose="020F0502020204030204" pitchFamily="34" charset="0"/>
+                <a:cs typeface="Calibri" panose="020F0502020204030204" pitchFamily="34" charset="0"/>
+              </a:rPr>
+              <a:t>that leverages the strengths of both human developers and the AI assistant while mitigating potential risks.</a:t>
             </a:r>
           </a:p>
           <a:p>
@@ -16041,6 +16185,2915 @@
 </file>
 
 <file path=ppt/slides/slide10.xml><?xml version="1.0" encoding="utf-8"?>
+<p:sld xmlns:a="http://schemas.openxmlformats.org/drawingml/2006/main" xmlns:r="http://schemas.openxmlformats.org/officeDocument/2006/relationships" xmlns:p="http://schemas.openxmlformats.org/presentationml/2006/main">
+  <p:cSld>
+    <p:spTree>
+      <p:nvGrpSpPr>
+        <p:cNvPr id="1" name=""/>
+        <p:cNvGrpSpPr/>
+        <p:nvPr/>
+      </p:nvGrpSpPr>
+      <p:grpSpPr>
+        <a:xfrm>
+          <a:off x="0" y="0"/>
+          <a:ext cx="0" cy="0"/>
+          <a:chOff x="0" y="0"/>
+          <a:chExt cx="0" cy="0"/>
+        </a:xfrm>
+      </p:grpSpPr>
+      <p:sp>
+        <p:nvSpPr>
+          <p:cNvPr id="2" name="Title 1">
+            <a:extLst>
+              <a:ext uri="{FF2B5EF4-FFF2-40B4-BE49-F238E27FC236}">
+                <a16:creationId xmlns:a16="http://schemas.microsoft.com/office/drawing/2014/main" id="{1294FEDA-CE1F-9009-C570-B9CC00123EC5}"/>
+              </a:ext>
+            </a:extLst>
+          </p:cNvPr>
+          <p:cNvSpPr>
+            <a:spLocks noGrp="1"/>
+          </p:cNvSpPr>
+          <p:nvPr>
+            <p:ph type="title"/>
+          </p:nvPr>
+        </p:nvSpPr>
+        <p:spPr/>
+        <p:txBody>
+          <a:bodyPr/>
+          <a:lstStyle/>
+          <a:p>
+            <a:r>
+              <a:rPr lang="en-NL" dirty="0"/>
+              <a:t>Data security</a:t>
+            </a:r>
+          </a:p>
+        </p:txBody>
+      </p:sp>
+      <p:sp>
+        <p:nvSpPr>
+          <p:cNvPr id="3" name="Content Placeholder 2">
+            <a:extLst>
+              <a:ext uri="{FF2B5EF4-FFF2-40B4-BE49-F238E27FC236}">
+                <a16:creationId xmlns:a16="http://schemas.microsoft.com/office/drawing/2014/main" id="{495775B5-487E-B1D4-F639-E082594AA0BF}"/>
+              </a:ext>
+            </a:extLst>
+          </p:cNvPr>
+          <p:cNvSpPr>
+            <a:spLocks noGrp="1"/>
+          </p:cNvSpPr>
+          <p:nvPr>
+            <p:ph idx="1"/>
+          </p:nvPr>
+        </p:nvSpPr>
+        <p:spPr>
+          <a:xfrm>
+            <a:off x="1139252" y="1690688"/>
+            <a:ext cx="10214548" cy="4351338"/>
+          </a:xfrm>
+        </p:spPr>
+        <p:txBody>
+          <a:bodyPr/>
+          <a:lstStyle/>
+          <a:p>
+            <a:r>
+              <a:rPr lang="en-GB" sz="2400" dirty="0">
+                <a:latin typeface="Calibri" panose="020F0502020204030204" pitchFamily="34" charset="0"/>
+                <a:cs typeface="Calibri" panose="020F0502020204030204" pitchFamily="34" charset="0"/>
+              </a:rPr>
+              <a:t>Adversarial attacks</a:t>
+            </a:r>
+          </a:p>
+          <a:p>
+            <a:pPr lvl="1"/>
+            <a:r>
+              <a:rPr lang="en-GB" sz="2000" dirty="0">
+                <a:latin typeface="Calibri" panose="020F0502020204030204" pitchFamily="34" charset="0"/>
+                <a:cs typeface="Calibri" panose="020F0502020204030204" pitchFamily="34" charset="0"/>
+              </a:rPr>
+              <a:t>Injecting malicious code </a:t>
+            </a:r>
+          </a:p>
+          <a:p>
+            <a:pPr lvl="1"/>
+            <a:r>
+              <a:rPr lang="en-GB" sz="2000" dirty="0">
+                <a:latin typeface="Calibri" panose="020F0502020204030204" pitchFamily="34" charset="0"/>
+                <a:cs typeface="Calibri" panose="020F0502020204030204" pitchFamily="34" charset="0"/>
+              </a:rPr>
+              <a:t>Mis-trained AI assistants could recommend this malicious code</a:t>
+            </a:r>
+          </a:p>
+          <a:p>
+            <a:pPr lvl="1"/>
+            <a:endParaRPr lang="en-US" dirty="0">
+              <a:latin typeface="Calibri" panose="020F0502020204030204" pitchFamily="34" charset="0"/>
+              <a:cs typeface="Calibri" panose="020F0502020204030204" pitchFamily="34" charset="0"/>
+            </a:endParaRPr>
+          </a:p>
+          <a:p>
+            <a:pPr algn="l"/>
+            <a:r>
+              <a:rPr lang="en-GB" sz="2400" dirty="0">
+                <a:latin typeface="Calibri" panose="020F0502020204030204" pitchFamily="34" charset="0"/>
+                <a:cs typeface="Calibri" panose="020F0502020204030204" pitchFamily="34" charset="0"/>
+              </a:rPr>
+              <a:t>Code vulnerabilities</a:t>
+            </a:r>
+          </a:p>
+          <a:p>
+            <a:pPr lvl="1"/>
+            <a:r>
+              <a:rPr lang="en-GB" sz="2000" dirty="0">
+                <a:latin typeface="Calibri" panose="020F0502020204030204" pitchFamily="34" charset="0"/>
+                <a:cs typeface="Calibri" panose="020F0502020204030204" pitchFamily="34" charset="0"/>
+              </a:rPr>
+              <a:t>Trained on both secure and insecure code </a:t>
+            </a:r>
+            <a:r>
+              <a:rPr lang="en-GB" sz="2000" dirty="0">
+                <a:latin typeface="Calibri" panose="020F0502020204030204" pitchFamily="34" charset="0"/>
+                <a:cs typeface="Calibri" panose="020F0502020204030204" pitchFamily="34" charset="0"/>
+                <a:sym typeface="Wingdings" panose="05000000000000000000" pitchFamily="2" charset="2"/>
+              </a:rPr>
+              <a:t> </a:t>
+            </a:r>
+            <a:r>
+              <a:rPr lang="en-GB" sz="2000" dirty="0">
+                <a:latin typeface="Calibri" panose="020F0502020204030204" pitchFamily="34" charset="0"/>
+                <a:cs typeface="Calibri" panose="020F0502020204030204" pitchFamily="34" charset="0"/>
+              </a:rPr>
+              <a:t>may suggest insecure coding practices</a:t>
+            </a:r>
+          </a:p>
+          <a:p>
+            <a:pPr lvl="1"/>
+            <a:r>
+              <a:rPr lang="en-GB" sz="2000" dirty="0">
+                <a:latin typeface="Calibri" panose="020F0502020204030204" pitchFamily="34" charset="0"/>
+                <a:cs typeface="Calibri" panose="020F0502020204030204" pitchFamily="34" charset="0"/>
+              </a:rPr>
+              <a:t>Users might over-rely on AI assistants and write less secure code</a:t>
+            </a:r>
+            <a:endParaRPr lang="nl-NL" sz="2000" dirty="0">
+              <a:latin typeface="Calibri" panose="020F0502020204030204" pitchFamily="34" charset="0"/>
+              <a:cs typeface="Calibri" panose="020F0502020204030204" pitchFamily="34" charset="0"/>
+            </a:endParaRPr>
+          </a:p>
+          <a:p>
+            <a:pPr lvl="1"/>
+            <a:endParaRPr lang="en-GB" sz="2400" dirty="0">
+              <a:latin typeface="Calibri" panose="020F0502020204030204" pitchFamily="34" charset="0"/>
+              <a:cs typeface="Calibri" panose="020F0502020204030204" pitchFamily="34" charset="0"/>
+            </a:endParaRPr>
+          </a:p>
+          <a:p>
+            <a:r>
+              <a:rPr lang="en-GB" sz="2400" dirty="0">
+                <a:latin typeface="Calibri" panose="020F0502020204030204" pitchFamily="34" charset="0"/>
+                <a:cs typeface="Calibri" panose="020F0502020204030204" pitchFamily="34" charset="0"/>
+              </a:rPr>
+              <a:t>Dependence on external code</a:t>
+            </a:r>
+          </a:p>
+          <a:p>
+            <a:pPr lvl="1"/>
+            <a:r>
+              <a:rPr lang="en-GB" sz="2000" dirty="0">
+                <a:latin typeface="Calibri" panose="020F0502020204030204" pitchFamily="34" charset="0"/>
+                <a:cs typeface="Calibri" panose="020F0502020204030204" pitchFamily="34" charset="0"/>
+              </a:rPr>
+              <a:t>AI assistants often draw on external libraries </a:t>
+            </a:r>
+            <a:r>
+              <a:rPr lang="en-GB" sz="2000" dirty="0">
+                <a:latin typeface="Calibri" panose="020F0502020204030204" pitchFamily="34" charset="0"/>
+                <a:cs typeface="Calibri" panose="020F0502020204030204" pitchFamily="34" charset="0"/>
+                <a:sym typeface="Wingdings" panose="05000000000000000000" pitchFamily="2" charset="2"/>
+              </a:rPr>
+              <a:t> </a:t>
+            </a:r>
+            <a:r>
+              <a:rPr lang="en-GB" sz="2000" dirty="0">
+                <a:latin typeface="Calibri" panose="020F0502020204030204" pitchFamily="34" charset="0"/>
+                <a:cs typeface="Calibri" panose="020F0502020204030204" pitchFamily="34" charset="0"/>
+              </a:rPr>
+              <a:t>could introduce hidden vulnerabilities into the code base</a:t>
+            </a:r>
+          </a:p>
+          <a:p>
+            <a:endParaRPr lang="en-NL" sz="2400" dirty="0">
+              <a:latin typeface="Calibri" panose="020F0502020204030204" pitchFamily="34" charset="0"/>
+              <a:cs typeface="Calibri" panose="020F0502020204030204" pitchFamily="34" charset="0"/>
+            </a:endParaRPr>
+          </a:p>
+        </p:txBody>
+      </p:sp>
+    </p:spTree>
+    <p:extLst>
+      <p:ext uri="{BB962C8B-B14F-4D97-AF65-F5344CB8AC3E}">
+        <p14:creationId xmlns:p14="http://schemas.microsoft.com/office/powerpoint/2010/main" val="2783365076"/>
+      </p:ext>
+    </p:extLst>
+  </p:cSld>
+  <p:clrMapOvr>
+    <a:masterClrMapping/>
+  </p:clrMapOvr>
+</p:sld>
+</file>
+
+<file path=ppt/slides/slide11.xml><?xml version="1.0" encoding="utf-8"?>
+<p:sld xmlns:a="http://schemas.openxmlformats.org/drawingml/2006/main" xmlns:r="http://schemas.openxmlformats.org/officeDocument/2006/relationships" xmlns:p="http://schemas.openxmlformats.org/presentationml/2006/main">
+  <p:cSld>
+    <p:spTree>
+      <p:nvGrpSpPr>
+        <p:cNvPr id="1" name=""/>
+        <p:cNvGrpSpPr/>
+        <p:nvPr/>
+      </p:nvGrpSpPr>
+      <p:grpSpPr>
+        <a:xfrm>
+          <a:off x="0" y="0"/>
+          <a:ext cx="0" cy="0"/>
+          <a:chOff x="0" y="0"/>
+          <a:chExt cx="0" cy="0"/>
+        </a:xfrm>
+      </p:grpSpPr>
+      <p:sp>
+        <p:nvSpPr>
+          <p:cNvPr id="2" name="Title 1">
+            <a:extLst>
+              <a:ext uri="{FF2B5EF4-FFF2-40B4-BE49-F238E27FC236}">
+                <a16:creationId xmlns:a16="http://schemas.microsoft.com/office/drawing/2014/main" id="{4DF9EAD2-A125-1101-C650-89CECB457ED1}"/>
+              </a:ext>
+            </a:extLst>
+          </p:cNvPr>
+          <p:cNvSpPr>
+            <a:spLocks noGrp="1"/>
+          </p:cNvSpPr>
+          <p:nvPr>
+            <p:ph type="title"/>
+          </p:nvPr>
+        </p:nvSpPr>
+        <p:spPr/>
+        <p:txBody>
+          <a:bodyPr/>
+          <a:lstStyle/>
+          <a:p>
+            <a:r>
+              <a:rPr lang="en-US" i="0" dirty="0">
+                <a:effectLst/>
+                <a:latin typeface="Calibri" panose="020F0502020204030204" pitchFamily="34" charset="0"/>
+                <a:cs typeface="Calibri" panose="020F0502020204030204" pitchFamily="34" charset="0"/>
+              </a:rPr>
+              <a:t>Security measures</a:t>
+            </a:r>
+            <a:endParaRPr lang="en-NL" dirty="0">
+              <a:latin typeface="Calibri" panose="020F0502020204030204" pitchFamily="34" charset="0"/>
+              <a:cs typeface="Calibri" panose="020F0502020204030204" pitchFamily="34" charset="0"/>
+            </a:endParaRPr>
+          </a:p>
+        </p:txBody>
+      </p:sp>
+      <p:sp>
+        <p:nvSpPr>
+          <p:cNvPr id="3" name="Content Placeholder 2">
+            <a:extLst>
+              <a:ext uri="{FF2B5EF4-FFF2-40B4-BE49-F238E27FC236}">
+                <a16:creationId xmlns:a16="http://schemas.microsoft.com/office/drawing/2014/main" id="{3ABDCE8F-564C-D314-6A94-2B1C690A2813}"/>
+              </a:ext>
+            </a:extLst>
+          </p:cNvPr>
+          <p:cNvSpPr>
+            <a:spLocks noGrp="1"/>
+          </p:cNvSpPr>
+          <p:nvPr>
+            <p:ph idx="1"/>
+          </p:nvPr>
+        </p:nvSpPr>
+        <p:spPr>
+          <a:xfrm>
+            <a:off x="1079292" y="1735685"/>
+            <a:ext cx="10274508" cy="4351338"/>
+          </a:xfrm>
+        </p:spPr>
+        <p:txBody>
+          <a:bodyPr/>
+          <a:lstStyle/>
+          <a:p>
+            <a:pPr algn="l">
+              <a:buFont typeface="Arial" panose="020B0604020202020204" pitchFamily="34" charset="0"/>
+              <a:buChar char="•"/>
+            </a:pPr>
+            <a:r>
+              <a:rPr lang="en-US" sz="2400" b="1" i="0" dirty="0">
+                <a:effectLst/>
+                <a:latin typeface="Mulish"/>
+              </a:rPr>
+              <a:t>Access controls and data encryption</a:t>
+            </a:r>
+            <a:r>
+              <a:rPr lang="en-US" sz="2400" b="0" i="0" dirty="0">
+                <a:effectLst/>
+                <a:latin typeface="Mulish"/>
+              </a:rPr>
+              <a:t> to protect sensitive code bases </a:t>
+            </a:r>
+          </a:p>
+          <a:p>
+            <a:pPr lvl="1"/>
+            <a:r>
+              <a:rPr lang="en-US" sz="1800" dirty="0">
+                <a:latin typeface="Mulish"/>
+              </a:rPr>
+              <a:t>P</a:t>
+            </a:r>
+            <a:r>
+              <a:rPr lang="en-US" sz="1800" b="0" i="0" dirty="0">
+                <a:effectLst/>
+                <a:latin typeface="Mulish"/>
+              </a:rPr>
+              <a:t>revents unauthorized access </a:t>
+            </a:r>
+            <a:r>
+              <a:rPr lang="en-US" sz="1800" b="0" i="0" dirty="0">
+                <a:effectLst/>
+                <a:latin typeface="Mulish"/>
+                <a:sym typeface="Wingdings" pitchFamily="2" charset="2"/>
+              </a:rPr>
+              <a:t></a:t>
+            </a:r>
+            <a:r>
+              <a:rPr lang="en-US" sz="1800" b="0" i="0" dirty="0">
+                <a:effectLst/>
+                <a:latin typeface="Mulish"/>
+              </a:rPr>
+              <a:t> reducing the risk of data breaches or malicious tampering.</a:t>
+            </a:r>
+          </a:p>
+          <a:p>
+            <a:pPr lvl="1"/>
+            <a:endParaRPr lang="en-US" sz="1800" b="0" i="0" dirty="0">
+              <a:effectLst/>
+              <a:latin typeface="Mulish"/>
+            </a:endParaRPr>
+          </a:p>
+          <a:p>
+            <a:pPr algn="l">
+              <a:buFont typeface="Arial" panose="020B0604020202020204" pitchFamily="34" charset="0"/>
+              <a:buChar char="•"/>
+            </a:pPr>
+            <a:r>
+              <a:rPr lang="en-US" sz="2400" i="0" dirty="0">
+                <a:effectLst/>
+                <a:latin typeface="Mulish"/>
+              </a:rPr>
+              <a:t>Continuous monitoring and updates</a:t>
+            </a:r>
+          </a:p>
+          <a:p>
+            <a:pPr lvl="1"/>
+            <a:r>
+              <a:rPr lang="en-US" sz="1800" b="0" i="0" dirty="0">
+                <a:effectLst/>
+                <a:latin typeface="Mulish"/>
+              </a:rPr>
+              <a:t>Automate updates and ensure that the latest security practices are consistently applied </a:t>
+            </a:r>
+            <a:r>
+              <a:rPr lang="en-US" sz="1800" b="0" i="0" dirty="0">
+                <a:effectLst/>
+                <a:latin typeface="Mulish"/>
+                <a:sym typeface="Wingdings" pitchFamily="2" charset="2"/>
+              </a:rPr>
+              <a:t> minimize the introduction of vulnerabilities</a:t>
+            </a:r>
+          </a:p>
+          <a:p>
+            <a:pPr lvl="1"/>
+            <a:endParaRPr lang="en-US" sz="1800" b="0" i="0" dirty="0">
+              <a:effectLst/>
+              <a:latin typeface="Mulish"/>
+            </a:endParaRPr>
+          </a:p>
+          <a:p>
+            <a:pPr algn="l">
+              <a:buFont typeface="Arial" panose="020B0604020202020204" pitchFamily="34" charset="0"/>
+              <a:buChar char="•"/>
+            </a:pPr>
+            <a:r>
+              <a:rPr lang="en-US" sz="2400" i="0" dirty="0">
+                <a:effectLst/>
+                <a:latin typeface="Mulish"/>
+              </a:rPr>
+              <a:t>Collaborative Oversight</a:t>
+            </a:r>
+          </a:p>
+          <a:p>
+            <a:pPr lvl="1"/>
+            <a:r>
+              <a:rPr lang="en-US" sz="1800" dirty="0">
+                <a:latin typeface="Mulish"/>
+              </a:rPr>
+              <a:t>R</a:t>
+            </a:r>
+            <a:r>
+              <a:rPr lang="en-US" sz="1800" b="0" i="0" dirty="0">
+                <a:effectLst/>
+                <a:latin typeface="Mulish"/>
+              </a:rPr>
+              <a:t>egular code reviews can promote collective responsibility, enhancing code quality through diverse perspectives</a:t>
+            </a:r>
+          </a:p>
+          <a:p>
+            <a:endParaRPr lang="en-NL" sz="2000" dirty="0"/>
+          </a:p>
+        </p:txBody>
+      </p:sp>
+    </p:spTree>
+    <p:extLst>
+      <p:ext uri="{BB962C8B-B14F-4D97-AF65-F5344CB8AC3E}">
+        <p14:creationId xmlns:p14="http://schemas.microsoft.com/office/powerpoint/2010/main" val="2416683460"/>
+      </p:ext>
+    </p:extLst>
+  </p:cSld>
+  <p:clrMapOvr>
+    <a:masterClrMapping/>
+  </p:clrMapOvr>
+</p:sld>
+</file>
+
+<file path=ppt/slides/slide12.xml><?xml version="1.0" encoding="utf-8"?>
+<p:sld xmlns:a="http://schemas.openxmlformats.org/drawingml/2006/main" xmlns:r="http://schemas.openxmlformats.org/officeDocument/2006/relationships" xmlns:p="http://schemas.openxmlformats.org/presentationml/2006/main">
+  <p:cSld>
+    <p:spTree>
+      <p:nvGrpSpPr>
+        <p:cNvPr id="1" name=""/>
+        <p:cNvGrpSpPr/>
+        <p:nvPr/>
+      </p:nvGrpSpPr>
+      <p:grpSpPr>
+        <a:xfrm>
+          <a:off x="0" y="0"/>
+          <a:ext cx="0" cy="0"/>
+          <a:chOff x="0" y="0"/>
+          <a:chExt cx="0" cy="0"/>
+        </a:xfrm>
+      </p:grpSpPr>
+      <p:sp>
+        <p:nvSpPr>
+          <p:cNvPr id="2" name="Title 1">
+            <a:extLst>
+              <a:ext uri="{FF2B5EF4-FFF2-40B4-BE49-F238E27FC236}">
+                <a16:creationId xmlns:a16="http://schemas.microsoft.com/office/drawing/2014/main" id="{DA6A6E9D-6221-8E4A-BEBE-1EE9A2015982}"/>
+              </a:ext>
+            </a:extLst>
+          </p:cNvPr>
+          <p:cNvSpPr>
+            <a:spLocks noGrp="1"/>
+          </p:cNvSpPr>
+          <p:nvPr>
+            <p:ph type="title"/>
+          </p:nvPr>
+        </p:nvSpPr>
+        <p:spPr/>
+        <p:txBody>
+          <a:bodyPr/>
+          <a:lstStyle/>
+          <a:p>
+            <a:r>
+              <a:rPr lang="en-US" dirty="0">
+                <a:latin typeface="Calibri" panose="020F0502020204030204" pitchFamily="34" charset="0"/>
+                <a:cs typeface="Calibri" panose="020F0502020204030204" pitchFamily="34" charset="0"/>
+              </a:rPr>
+              <a:t>Key</a:t>
+            </a:r>
+            <a:r>
+              <a:rPr lang="en-US" dirty="0"/>
+              <a:t> </a:t>
+            </a:r>
+            <a:r>
+              <a:rPr lang="en-US" dirty="0">
+                <a:latin typeface="Calibri" panose="020F0502020204030204" pitchFamily="34" charset="0"/>
+                <a:cs typeface="Calibri" panose="020F0502020204030204" pitchFamily="34" charset="0"/>
+              </a:rPr>
+              <a:t>takeaways</a:t>
+            </a:r>
+          </a:p>
+        </p:txBody>
+      </p:sp>
+      <p:sp>
+        <p:nvSpPr>
+          <p:cNvPr id="3" name="Content Placeholder 2">
+            <a:extLst>
+              <a:ext uri="{FF2B5EF4-FFF2-40B4-BE49-F238E27FC236}">
+                <a16:creationId xmlns:a16="http://schemas.microsoft.com/office/drawing/2014/main" id="{684F6158-DC56-2742-9B0B-28B0612BD6B7}"/>
+              </a:ext>
+            </a:extLst>
+          </p:cNvPr>
+          <p:cNvSpPr>
+            <a:spLocks noGrp="1"/>
+          </p:cNvSpPr>
+          <p:nvPr>
+            <p:ph idx="1"/>
+          </p:nvPr>
+        </p:nvSpPr>
+        <p:spPr>
+          <a:xfrm>
+            <a:off x="1079292" y="1825625"/>
+            <a:ext cx="10274508" cy="4351338"/>
+          </a:xfrm>
+        </p:spPr>
+        <p:txBody>
+          <a:bodyPr/>
+          <a:lstStyle/>
+          <a:p>
+            <a:r>
+              <a:rPr lang="en-US" sz="2400" dirty="0">
+                <a:latin typeface="Calibri" panose="020F0502020204030204" pitchFamily="34" charset="0"/>
+                <a:cs typeface="Calibri" panose="020F0502020204030204" pitchFamily="34" charset="0"/>
+              </a:rPr>
+              <a:t>Code generation and optimization using Chat, Command, and Autocomplete functions of </a:t>
+            </a:r>
+            <a:r>
+              <a:rPr lang="en-US" sz="2400" dirty="0" err="1">
+                <a:latin typeface="Calibri" panose="020F0502020204030204" pitchFamily="34" charset="0"/>
+                <a:cs typeface="Calibri" panose="020F0502020204030204" pitchFamily="34" charset="0"/>
+              </a:rPr>
+              <a:t>Codeium</a:t>
+            </a:r>
+            <a:endParaRPr lang="en-US" sz="2400" dirty="0">
+              <a:latin typeface="Calibri" panose="020F0502020204030204" pitchFamily="34" charset="0"/>
+              <a:cs typeface="Calibri" panose="020F0502020204030204" pitchFamily="34" charset="0"/>
+            </a:endParaRPr>
+          </a:p>
+          <a:p>
+            <a:r>
+              <a:rPr lang="en-US" sz="2400" dirty="0">
+                <a:latin typeface="Calibri" panose="020F0502020204030204" pitchFamily="34" charset="0"/>
+                <a:cs typeface="Calibri" panose="020F0502020204030204" pitchFamily="34" charset="0"/>
+              </a:rPr>
+              <a:t>Follow best practices (e.g., always review generated code) and be cautious with sensitive data</a:t>
+            </a:r>
+          </a:p>
+          <a:p>
+            <a:r>
+              <a:rPr lang="en-US" sz="2400" dirty="0">
+                <a:latin typeface="Calibri" panose="020F0502020204030204" pitchFamily="34" charset="0"/>
+                <a:cs typeface="Calibri" panose="020F0502020204030204" pitchFamily="34" charset="0"/>
+              </a:rPr>
+              <a:t>Be aware of potential biases in AI-generated code and ensure ethical coding practices</a:t>
+            </a:r>
+          </a:p>
+          <a:p>
+            <a:r>
+              <a:rPr lang="en-US" sz="2400" b="1" dirty="0">
+                <a:latin typeface="Calibri" panose="020F0502020204030204" pitchFamily="34" charset="0"/>
+                <a:cs typeface="Calibri" panose="020F0502020204030204" pitchFamily="34" charset="0"/>
+              </a:rPr>
+              <a:t>Use AI as a tool to augment, not replace, your coding skills!</a:t>
+            </a:r>
+          </a:p>
+          <a:p>
+            <a:endParaRPr lang="en-US" sz="2400" dirty="0">
+              <a:latin typeface="Calibri" panose="020F0502020204030204" pitchFamily="34" charset="0"/>
+              <a:cs typeface="Calibri" panose="020F0502020204030204" pitchFamily="34" charset="0"/>
+            </a:endParaRPr>
+          </a:p>
+        </p:txBody>
+      </p:sp>
+      <p:sp>
+        <p:nvSpPr>
+          <p:cNvPr id="5" name="TextBox 4">
+            <a:extLst>
+              <a:ext uri="{FF2B5EF4-FFF2-40B4-BE49-F238E27FC236}">
+                <a16:creationId xmlns:a16="http://schemas.microsoft.com/office/drawing/2014/main" id="{611BDD0A-6107-BAC5-534E-A9C1C60BEFF1}"/>
+              </a:ext>
+            </a:extLst>
+          </p:cNvPr>
+          <p:cNvSpPr txBox="1"/>
+          <p:nvPr/>
+        </p:nvSpPr>
+        <p:spPr>
+          <a:xfrm>
+            <a:off x="4200993" y="5715298"/>
+            <a:ext cx="6093500" cy="461665"/>
+          </a:xfrm>
+          <a:prstGeom prst="rect">
+            <a:avLst/>
+          </a:prstGeom>
+          <a:noFill/>
+        </p:spPr>
+        <p:txBody>
+          <a:bodyPr wrap="square">
+            <a:spAutoFit/>
+          </a:bodyPr>
+          <a:lstStyle/>
+          <a:p>
+            <a:r>
+              <a:rPr lang="en-US" sz="2400" dirty="0">
+                <a:latin typeface="Calibri" panose="020F0502020204030204" pitchFamily="34" charset="0"/>
+                <a:cs typeface="Calibri" panose="020F0502020204030204" pitchFamily="34" charset="0"/>
+              </a:rPr>
+              <a:t>What are your questions?</a:t>
+            </a:r>
+          </a:p>
+        </p:txBody>
+      </p:sp>
+    </p:spTree>
+    <p:extLst>
+      <p:ext uri="{BB962C8B-B14F-4D97-AF65-F5344CB8AC3E}">
+        <p14:creationId xmlns:p14="http://schemas.microsoft.com/office/powerpoint/2010/main" val="4387399"/>
+      </p:ext>
+    </p:extLst>
+  </p:cSld>
+  <p:clrMapOvr>
+    <a:masterClrMapping/>
+  </p:clrMapOvr>
+</p:sld>
+</file>
+
+<file path=ppt/slides/slide13.xml><?xml version="1.0" encoding="utf-8"?>
+<p:sld xmlns:a="http://schemas.openxmlformats.org/drawingml/2006/main" xmlns:r="http://schemas.openxmlformats.org/officeDocument/2006/relationships" xmlns:p="http://schemas.openxmlformats.org/presentationml/2006/main">
+  <p:cSld>
+    <p:spTree>
+      <p:nvGrpSpPr>
+        <p:cNvPr id="1" name=""/>
+        <p:cNvGrpSpPr/>
+        <p:nvPr/>
+      </p:nvGrpSpPr>
+      <p:grpSpPr>
+        <a:xfrm>
+          <a:off x="0" y="0"/>
+          <a:ext cx="0" cy="0"/>
+          <a:chOff x="0" y="0"/>
+          <a:chExt cx="0" cy="0"/>
+        </a:xfrm>
+      </p:grpSpPr>
+      <p:sp>
+        <p:nvSpPr>
+          <p:cNvPr id="2" name="Title 1">
+            <a:extLst>
+              <a:ext uri="{FF2B5EF4-FFF2-40B4-BE49-F238E27FC236}">
+                <a16:creationId xmlns:a16="http://schemas.microsoft.com/office/drawing/2014/main" id="{41C2AA6A-9F95-C8EC-D1FC-F604A9ABB330}"/>
+              </a:ext>
+            </a:extLst>
+          </p:cNvPr>
+          <p:cNvSpPr>
+            <a:spLocks noGrp="1"/>
+          </p:cNvSpPr>
+          <p:nvPr>
+            <p:ph type="title"/>
+          </p:nvPr>
+        </p:nvSpPr>
+        <p:spPr>
+          <a:xfrm>
+            <a:off x="6089483" y="1890437"/>
+            <a:ext cx="6096000" cy="1215301"/>
+          </a:xfrm>
+        </p:spPr>
+        <p:txBody>
+          <a:bodyPr/>
+          <a:lstStyle/>
+          <a:p>
+            <a:pPr algn="ctr"/>
+            <a:r>
+              <a:rPr lang="en-NL" dirty="0"/>
+              <a:t>Giulia Crocioni</a:t>
+            </a:r>
+            <a:br>
+              <a:rPr lang="en-NL" dirty="0"/>
+            </a:br>
+            <a:r>
+              <a:rPr lang="en-NL" sz="2400" b="0" dirty="0"/>
+              <a:t>g.crocioni@esciencecenter.nl</a:t>
+            </a:r>
+            <a:endParaRPr lang="en-NL" b="0" dirty="0"/>
+          </a:p>
+        </p:txBody>
+      </p:sp>
+      <p:sp>
+        <p:nvSpPr>
+          <p:cNvPr id="3" name="Content Placeholder 2">
+            <a:extLst>
+              <a:ext uri="{FF2B5EF4-FFF2-40B4-BE49-F238E27FC236}">
+                <a16:creationId xmlns:a16="http://schemas.microsoft.com/office/drawing/2014/main" id="{2DE63D19-C4DD-8EC2-4BA6-95C90E92C98C}"/>
+              </a:ext>
+            </a:extLst>
+          </p:cNvPr>
+          <p:cNvSpPr>
+            <a:spLocks noGrp="1"/>
+          </p:cNvSpPr>
+          <p:nvPr>
+            <p:ph idx="1"/>
+          </p:nvPr>
+        </p:nvSpPr>
+        <p:spPr>
+          <a:xfrm>
+            <a:off x="1257161" y="2853445"/>
+            <a:ext cx="3797439" cy="1712507"/>
+          </a:xfrm>
+        </p:spPr>
+        <p:txBody>
+          <a:bodyPr anchor="ctr"/>
+          <a:lstStyle/>
+          <a:p>
+            <a:pPr algn="ctr"/>
+            <a:r>
+              <a:rPr lang="nl-NL" sz="3600" dirty="0" err="1"/>
+              <a:t>Thank</a:t>
+            </a:r>
+            <a:r>
+              <a:rPr lang="nl-NL" sz="3600" dirty="0"/>
+              <a:t> </a:t>
+            </a:r>
+            <a:r>
+              <a:rPr lang="nl-NL" sz="3600" dirty="0" err="1"/>
+              <a:t>you</a:t>
+            </a:r>
+            <a:r>
+              <a:rPr lang="nl-NL" sz="3600" dirty="0"/>
+              <a:t> </a:t>
+            </a:r>
+            <a:r>
+              <a:rPr lang="nl-NL" sz="3600" dirty="0" err="1"/>
+              <a:t>for</a:t>
+            </a:r>
+            <a:r>
+              <a:rPr lang="nl-NL" sz="3600" dirty="0"/>
+              <a:t> </a:t>
+            </a:r>
+            <a:r>
+              <a:rPr lang="nl-NL" sz="3600" dirty="0" err="1"/>
+              <a:t>participating</a:t>
+            </a:r>
+            <a:r>
+              <a:rPr lang="nl-NL" sz="3600" dirty="0"/>
+              <a:t>!</a:t>
+            </a:r>
+          </a:p>
+        </p:txBody>
+      </p:sp>
+      <p:sp>
+        <p:nvSpPr>
+          <p:cNvPr id="4" name="Title 1">
+            <a:extLst>
+              <a:ext uri="{FF2B5EF4-FFF2-40B4-BE49-F238E27FC236}">
+                <a16:creationId xmlns:a16="http://schemas.microsoft.com/office/drawing/2014/main" id="{38A58CB1-EDC2-72B1-28D8-658495100D57}"/>
+              </a:ext>
+            </a:extLst>
+          </p:cNvPr>
+          <p:cNvSpPr txBox="1">
+            <a:spLocks/>
+          </p:cNvSpPr>
+          <p:nvPr/>
+        </p:nvSpPr>
+        <p:spPr>
+          <a:xfrm>
+            <a:off x="6089483" y="5247681"/>
+            <a:ext cx="6095999" cy="1215302"/>
+          </a:xfrm>
+          <a:prstGeom prst="rect">
+            <a:avLst/>
+          </a:prstGeom>
+        </p:spPr>
+        <p:txBody>
+          <a:bodyPr vert="horz" lIns="91440" tIns="45720" rIns="91440" bIns="45720" rtlCol="0" anchor="ctr">
+            <a:noAutofit/>
+          </a:bodyPr>
+          <a:lstStyle>
+            <a:lvl1pPr algn="l" defTabSz="914400" rtl="0" eaLnBrk="1" latinLnBrk="0" hangingPunct="1">
+              <a:lnSpc>
+                <a:spcPct val="90000"/>
+              </a:lnSpc>
+              <a:spcBef>
+                <a:spcPct val="0"/>
+              </a:spcBef>
+              <a:buNone/>
+              <a:defRPr sz="3200" b="1" kern="1200">
+                <a:solidFill>
+                  <a:schemeClr val="tx1"/>
+                </a:solidFill>
+                <a:latin typeface="+mj-lt"/>
+                <a:ea typeface="+mj-ea"/>
+                <a:cs typeface="+mj-cs"/>
+              </a:defRPr>
+            </a:lvl1pPr>
+          </a:lstStyle>
+          <a:p>
+            <a:pPr algn="ctr"/>
+            <a:r>
+              <a:rPr lang="en-NL" dirty="0"/>
+              <a:t>Olga Minaeva</a:t>
+            </a:r>
+          </a:p>
+          <a:p>
+            <a:pPr algn="ctr"/>
+            <a:r>
+              <a:rPr lang="en-NL" sz="2400" b="0" dirty="0"/>
+              <a:t>o.minaeva@nwo-i.nl</a:t>
+            </a:r>
+          </a:p>
+        </p:txBody>
+      </p:sp>
+      <p:pic>
+        <p:nvPicPr>
+          <p:cNvPr id="6" name="Picture 5" descr="A person in a green blouse&#10;&#10;Description automatically generated">
+            <a:extLst>
+              <a:ext uri="{FF2B5EF4-FFF2-40B4-BE49-F238E27FC236}">
+                <a16:creationId xmlns:a16="http://schemas.microsoft.com/office/drawing/2014/main" id="{DEA87B52-FB2E-BCD1-C763-B151AF738273}"/>
+              </a:ext>
+            </a:extLst>
+          </p:cNvPr>
+          <p:cNvPicPr>
+            <a:picLocks noChangeAspect="1"/>
+          </p:cNvPicPr>
+          <p:nvPr/>
+        </p:nvPicPr>
+        <p:blipFill>
+          <a:blip r:embed="rId3">
+            <a:extLst>
+              <a:ext uri="{28A0092B-C50C-407E-A947-70E740481C1C}">
+                <a14:useLocalDpi xmlns:a14="http://schemas.microsoft.com/office/drawing/2010/main" val="0"/>
+              </a:ext>
+            </a:extLst>
+          </a:blip>
+          <a:srcRect l="7113" t="3203" r="11614" b="32944"/>
+          <a:stretch/>
+        </p:blipFill>
+        <p:spPr>
+          <a:xfrm>
+            <a:off x="8342731" y="184903"/>
+            <a:ext cx="1589505" cy="1513573"/>
+          </a:xfrm>
+          <a:prstGeom prst="ellipse">
+            <a:avLst/>
+          </a:prstGeom>
+        </p:spPr>
+      </p:pic>
+      <p:pic>
+        <p:nvPicPr>
+          <p:cNvPr id="8" name="Picture 7" descr="A person smiling at the camera&#10;&#10;Description automatically generated">
+            <a:extLst>
+              <a:ext uri="{FF2B5EF4-FFF2-40B4-BE49-F238E27FC236}">
+                <a16:creationId xmlns:a16="http://schemas.microsoft.com/office/drawing/2014/main" id="{189F01FB-4925-5F74-8A8C-1A58EC14D183}"/>
+              </a:ext>
+            </a:extLst>
+          </p:cNvPr>
+          <p:cNvPicPr>
+            <a:picLocks noChangeAspect="1"/>
+          </p:cNvPicPr>
+          <p:nvPr/>
+        </p:nvPicPr>
+        <p:blipFill>
+          <a:blip r:embed="rId4">
+            <a:extLst>
+              <a:ext uri="{28A0092B-C50C-407E-A947-70E740481C1C}">
+                <a14:useLocalDpi xmlns:a14="http://schemas.microsoft.com/office/drawing/2010/main" val="0"/>
+              </a:ext>
+            </a:extLst>
+          </a:blip>
+          <a:stretch>
+            <a:fillRect/>
+          </a:stretch>
+        </p:blipFill>
+        <p:spPr>
+          <a:xfrm>
+            <a:off x="8342731" y="3381957"/>
+            <a:ext cx="1589505" cy="1589505"/>
+          </a:xfrm>
+          <a:prstGeom prst="ellipse">
+            <a:avLst/>
+          </a:prstGeom>
+        </p:spPr>
+      </p:pic>
+      <p:pic>
+        <p:nvPicPr>
+          <p:cNvPr id="1026" name="Picture 2" descr="Project management Applied and Engineering Sciences (AES) | NWO">
+            <a:extLst>
+              <a:ext uri="{FF2B5EF4-FFF2-40B4-BE49-F238E27FC236}">
+                <a16:creationId xmlns:a16="http://schemas.microsoft.com/office/drawing/2014/main" id="{F5263F05-A432-357C-40BB-9D40501F07B3}"/>
+              </a:ext>
+            </a:extLst>
+          </p:cNvPr>
+          <p:cNvPicPr>
+            <a:picLocks noChangeAspect="1" noChangeArrowheads="1"/>
+          </p:cNvPicPr>
+          <p:nvPr/>
+        </p:nvPicPr>
+        <p:blipFill>
+          <a:blip r:embed="rId5">
+            <a:extLst>
+              <a:ext uri="{28A0092B-C50C-407E-A947-70E740481C1C}">
+                <a14:useLocalDpi xmlns:a14="http://schemas.microsoft.com/office/drawing/2010/main" val="0"/>
+              </a:ext>
+            </a:extLst>
+          </a:blip>
+          <a:srcRect/>
+          <a:stretch>
+            <a:fillRect/>
+          </a:stretch>
+        </p:blipFill>
+        <p:spPr bwMode="auto">
+          <a:xfrm>
+            <a:off x="4754261" y="0"/>
+            <a:ext cx="1341739" cy="2171717"/>
+          </a:xfrm>
+          <a:prstGeom prst="rect">
+            <a:avLst/>
+          </a:prstGeom>
+          <a:noFill/>
+          <a:extLst>
+            <a:ext uri="{909E8E84-426E-40DD-AFC4-6F175D3DCCD1}">
+              <a14:hiddenFill xmlns:a14="http://schemas.microsoft.com/office/drawing/2010/main">
+                <a:solidFill>
+                  <a:srgbClr val="FFFFFF"/>
+                </a:solidFill>
+              </a14:hiddenFill>
+            </a:ext>
+          </a:extLst>
+        </p:spPr>
+      </p:pic>
+    </p:spTree>
+    <p:extLst>
+      <p:ext uri="{BB962C8B-B14F-4D97-AF65-F5344CB8AC3E}">
+        <p14:creationId xmlns:p14="http://schemas.microsoft.com/office/powerpoint/2010/main" val="1257098110"/>
+      </p:ext>
+    </p:extLst>
+  </p:cSld>
+  <p:clrMapOvr>
+    <a:masterClrMapping/>
+  </p:clrMapOvr>
+</p:sld>
+</file>
+
+<file path=ppt/slides/slide2.xml><?xml version="1.0" encoding="utf-8"?>
+<p:sld xmlns:a="http://schemas.openxmlformats.org/drawingml/2006/main" xmlns:r="http://schemas.openxmlformats.org/officeDocument/2006/relationships" xmlns:p="http://schemas.openxmlformats.org/presentationml/2006/main">
+  <p:cSld>
+    <p:spTree>
+      <p:nvGrpSpPr>
+        <p:cNvPr id="1" name=""/>
+        <p:cNvGrpSpPr/>
+        <p:nvPr/>
+      </p:nvGrpSpPr>
+      <p:grpSpPr>
+        <a:xfrm>
+          <a:off x="0" y="0"/>
+          <a:ext cx="0" cy="0"/>
+          <a:chOff x="0" y="0"/>
+          <a:chExt cx="0" cy="0"/>
+        </a:xfrm>
+      </p:grpSpPr>
+      <p:sp>
+        <p:nvSpPr>
+          <p:cNvPr id="2" name="Title 1">
+            <a:extLst>
+              <a:ext uri="{FF2B5EF4-FFF2-40B4-BE49-F238E27FC236}">
+                <a16:creationId xmlns:a16="http://schemas.microsoft.com/office/drawing/2014/main" id="{C7BD283A-B6D4-A246-8704-3CAC4A00A1B1}"/>
+              </a:ext>
+            </a:extLst>
+          </p:cNvPr>
+          <p:cNvSpPr>
+            <a:spLocks noGrp="1"/>
+          </p:cNvSpPr>
+          <p:nvPr>
+            <p:ph type="title"/>
+          </p:nvPr>
+        </p:nvSpPr>
+        <p:spPr/>
+        <p:txBody>
+          <a:bodyPr/>
+          <a:lstStyle/>
+          <a:p>
+            <a:r>
+              <a:rPr lang="en-US" b="1" dirty="0">
+                <a:latin typeface="Calibri" panose="020F0502020204030204" pitchFamily="34" charset="0"/>
+                <a:cs typeface="Calibri" panose="020F0502020204030204" pitchFamily="34" charset="0"/>
+              </a:rPr>
+              <a:t>Ethical </a:t>
+            </a:r>
+            <a:r>
+              <a:rPr lang="en-US" dirty="0">
+                <a:latin typeface="Calibri" panose="020F0502020204030204" pitchFamily="34" charset="0"/>
+                <a:cs typeface="Calibri" panose="020F0502020204030204" pitchFamily="34" charset="0"/>
+              </a:rPr>
+              <a:t>c</a:t>
+            </a:r>
+            <a:r>
+              <a:rPr lang="en-US" b="1" dirty="0">
+                <a:latin typeface="Calibri" panose="020F0502020204030204" pitchFamily="34" charset="0"/>
+                <a:cs typeface="Calibri" panose="020F0502020204030204" pitchFamily="34" charset="0"/>
+              </a:rPr>
+              <a:t>onsiderations</a:t>
+            </a:r>
+          </a:p>
+        </p:txBody>
+      </p:sp>
+      <p:pic>
+        <p:nvPicPr>
+          <p:cNvPr id="8194" name="Picture 2" descr="Ian Bremmer en LinkedIn: ai datasets = critical for machine learning  research &amp; development yet… | 19 comentarios">
+            <a:extLst>
+              <a:ext uri="{FF2B5EF4-FFF2-40B4-BE49-F238E27FC236}">
+                <a16:creationId xmlns:a16="http://schemas.microsoft.com/office/drawing/2014/main" id="{D09D53B5-8856-59C8-4087-DAE03D5F932B}"/>
+              </a:ext>
+            </a:extLst>
+          </p:cNvPr>
+          <p:cNvPicPr>
+            <a:picLocks noChangeAspect="1" noChangeArrowheads="1"/>
+          </p:cNvPicPr>
+          <p:nvPr/>
+        </p:nvPicPr>
+        <p:blipFill>
+          <a:blip r:embed="rId3">
+            <a:extLst>
+              <a:ext uri="{28A0092B-C50C-407E-A947-70E740481C1C}">
+                <a14:useLocalDpi xmlns:a14="http://schemas.microsoft.com/office/drawing/2010/main" val="0"/>
+              </a:ext>
+            </a:extLst>
+          </a:blip>
+          <a:srcRect/>
+          <a:stretch>
+            <a:fillRect/>
+          </a:stretch>
+        </p:blipFill>
+        <p:spPr bwMode="auto">
+          <a:xfrm>
+            <a:off x="5246806" y="1445067"/>
+            <a:ext cx="6945194" cy="4384154"/>
+          </a:xfrm>
+          <a:prstGeom prst="rect">
+            <a:avLst/>
+          </a:prstGeom>
+          <a:noFill/>
+          <a:extLst>
+            <a:ext uri="{909E8E84-426E-40DD-AFC4-6F175D3DCCD1}">
+              <a14:hiddenFill xmlns:a14="http://schemas.microsoft.com/office/drawing/2010/main">
+                <a:solidFill>
+                  <a:srgbClr val="FFFFFF"/>
+                </a:solidFill>
+              </a14:hiddenFill>
+            </a:ext>
+          </a:extLst>
+        </p:spPr>
+      </p:pic>
+      <p:sp>
+        <p:nvSpPr>
+          <p:cNvPr id="3" name="Content Placeholder 2">
+            <a:extLst>
+              <a:ext uri="{FF2B5EF4-FFF2-40B4-BE49-F238E27FC236}">
+                <a16:creationId xmlns:a16="http://schemas.microsoft.com/office/drawing/2014/main" id="{C61809C2-7D14-0447-80CE-F974F548B374}"/>
+              </a:ext>
+            </a:extLst>
+          </p:cNvPr>
+          <p:cNvSpPr>
+            <a:spLocks noGrp="1"/>
+          </p:cNvSpPr>
+          <p:nvPr>
+            <p:ph idx="1"/>
+          </p:nvPr>
+        </p:nvSpPr>
+        <p:spPr>
+          <a:xfrm>
+            <a:off x="509666" y="1825624"/>
+            <a:ext cx="5754656" cy="5030212"/>
+          </a:xfrm>
+        </p:spPr>
+        <p:txBody>
+          <a:bodyPr>
+            <a:normAutofit/>
+          </a:bodyPr>
+          <a:lstStyle/>
+          <a:p>
+            <a:pPr lvl="1"/>
+            <a:r>
+              <a:rPr lang="en-US" b="1" dirty="0">
+                <a:latin typeface="Calibri" panose="020F0502020204030204" pitchFamily="34" charset="0"/>
+                <a:cs typeface="Calibri" panose="020F0502020204030204" pitchFamily="34" charset="0"/>
+              </a:rPr>
+              <a:t>AI-generated content is based on human choices, values, and flaws</a:t>
+            </a:r>
+          </a:p>
+          <a:p>
+            <a:pPr marL="457200" lvl="1" indent="0">
+              <a:buNone/>
+            </a:pPr>
+            <a:endParaRPr lang="en-US" dirty="0">
+              <a:latin typeface="Calibri" panose="020F0502020204030204" pitchFamily="34" charset="0"/>
+              <a:cs typeface="Calibri" panose="020F0502020204030204" pitchFamily="34" charset="0"/>
+            </a:endParaRPr>
+          </a:p>
+          <a:p>
+            <a:pPr lvl="1"/>
+            <a:r>
+              <a:rPr lang="en-US" dirty="0">
+                <a:latin typeface="Calibri" panose="020F0502020204030204" pitchFamily="34" charset="0"/>
+                <a:cs typeface="Calibri" panose="020F0502020204030204" pitchFamily="34" charset="0"/>
+              </a:rPr>
+              <a:t>Lack of diversity in training data</a:t>
+            </a:r>
+          </a:p>
+          <a:p>
+            <a:pPr lvl="1">
+              <a:buFont typeface="Wingdings" pitchFamily="2" charset="2"/>
+              <a:buChar char="à"/>
+            </a:pPr>
+            <a:endParaRPr lang="en-US" dirty="0">
+              <a:latin typeface="Calibri" panose="020F0502020204030204" pitchFamily="34" charset="0"/>
+              <a:cs typeface="Calibri" panose="020F0502020204030204" pitchFamily="34" charset="0"/>
+            </a:endParaRPr>
+          </a:p>
+          <a:p>
+            <a:pPr lvl="1"/>
+            <a:r>
+              <a:rPr lang="en-GB" b="0" i="0" dirty="0">
+                <a:solidFill>
+                  <a:srgbClr val="383838"/>
+                </a:solidFill>
+                <a:effectLst/>
+                <a:latin typeface="Mulish"/>
+              </a:rPr>
+              <a:t>The “black box” nature of AI coding assistants</a:t>
+            </a:r>
+            <a:endParaRPr lang="en-US" dirty="0">
+              <a:latin typeface="Calibri" panose="020F0502020204030204" pitchFamily="34" charset="0"/>
+              <a:cs typeface="Calibri" panose="020F0502020204030204" pitchFamily="34" charset="0"/>
+            </a:endParaRPr>
+          </a:p>
+          <a:p>
+            <a:pPr lvl="1"/>
+            <a:endParaRPr lang="en-US" dirty="0">
+              <a:latin typeface="Calibri" panose="020F0502020204030204" pitchFamily="34" charset="0"/>
+              <a:cs typeface="Calibri" panose="020F0502020204030204" pitchFamily="34" charset="0"/>
+            </a:endParaRPr>
+          </a:p>
+        </p:txBody>
+      </p:sp>
+    </p:spTree>
+    <p:extLst>
+      <p:ext uri="{BB962C8B-B14F-4D97-AF65-F5344CB8AC3E}">
+        <p14:creationId xmlns:p14="http://schemas.microsoft.com/office/powerpoint/2010/main" val="1262838397"/>
+      </p:ext>
+    </p:extLst>
+  </p:cSld>
+  <p:clrMapOvr>
+    <a:masterClrMapping/>
+  </p:clrMapOvr>
+</p:sld>
+</file>
+
+<file path=ppt/slides/slide3.xml><?xml version="1.0" encoding="utf-8"?>
+<p:sld xmlns:a="http://schemas.openxmlformats.org/drawingml/2006/main" xmlns:r="http://schemas.openxmlformats.org/officeDocument/2006/relationships" xmlns:p="http://schemas.openxmlformats.org/presentationml/2006/main">
+  <p:cSld>
+    <p:spTree>
+      <p:nvGrpSpPr>
+        <p:cNvPr id="1" name=""/>
+        <p:cNvGrpSpPr/>
+        <p:nvPr/>
+      </p:nvGrpSpPr>
+      <p:grpSpPr>
+        <a:xfrm>
+          <a:off x="0" y="0"/>
+          <a:ext cx="0" cy="0"/>
+          <a:chOff x="0" y="0"/>
+          <a:chExt cx="0" cy="0"/>
+        </a:xfrm>
+      </p:grpSpPr>
+      <p:sp>
+        <p:nvSpPr>
+          <p:cNvPr id="2" name="Title 1">
+            <a:extLst>
+              <a:ext uri="{FF2B5EF4-FFF2-40B4-BE49-F238E27FC236}">
+                <a16:creationId xmlns:a16="http://schemas.microsoft.com/office/drawing/2014/main" id="{C7BD283A-B6D4-A246-8704-3CAC4A00A1B1}"/>
+              </a:ext>
+            </a:extLst>
+          </p:cNvPr>
+          <p:cNvSpPr>
+            <a:spLocks noGrp="1"/>
+          </p:cNvSpPr>
+          <p:nvPr>
+            <p:ph type="title"/>
+          </p:nvPr>
+        </p:nvSpPr>
+        <p:spPr/>
+        <p:txBody>
+          <a:bodyPr/>
+          <a:lstStyle/>
+          <a:p>
+            <a:r>
+              <a:rPr lang="en-US" b="1" dirty="0">
+                <a:latin typeface="Calibri" panose="020F0502020204030204" pitchFamily="34" charset="0"/>
+                <a:cs typeface="Calibri" panose="020F0502020204030204" pitchFamily="34" charset="0"/>
+              </a:rPr>
+              <a:t>Ethical </a:t>
+            </a:r>
+            <a:r>
+              <a:rPr lang="en-US" dirty="0">
+                <a:latin typeface="Calibri" panose="020F0502020204030204" pitchFamily="34" charset="0"/>
+                <a:cs typeface="Calibri" panose="020F0502020204030204" pitchFamily="34" charset="0"/>
+              </a:rPr>
+              <a:t>c</a:t>
+            </a:r>
+            <a:r>
+              <a:rPr lang="en-US" b="1" dirty="0">
+                <a:latin typeface="Calibri" panose="020F0502020204030204" pitchFamily="34" charset="0"/>
+                <a:cs typeface="Calibri" panose="020F0502020204030204" pitchFamily="34" charset="0"/>
+              </a:rPr>
+              <a:t>onsiderations</a:t>
+            </a:r>
+          </a:p>
+        </p:txBody>
+      </p:sp>
+      <p:sp>
+        <p:nvSpPr>
+          <p:cNvPr id="3" name="Content Placeholder 2">
+            <a:extLst>
+              <a:ext uri="{FF2B5EF4-FFF2-40B4-BE49-F238E27FC236}">
+                <a16:creationId xmlns:a16="http://schemas.microsoft.com/office/drawing/2014/main" id="{C61809C2-7D14-0447-80CE-F974F548B374}"/>
+              </a:ext>
+            </a:extLst>
+          </p:cNvPr>
+          <p:cNvSpPr>
+            <a:spLocks noGrp="1"/>
+          </p:cNvSpPr>
+          <p:nvPr>
+            <p:ph idx="1"/>
+          </p:nvPr>
+        </p:nvSpPr>
+        <p:spPr>
+          <a:xfrm>
+            <a:off x="400049" y="1755776"/>
+            <a:ext cx="7874000" cy="5030212"/>
+          </a:xfrm>
+        </p:spPr>
+        <p:txBody>
+          <a:bodyPr>
+            <a:normAutofit/>
+          </a:bodyPr>
+          <a:lstStyle/>
+          <a:p>
+            <a:pPr lvl="1"/>
+            <a:r>
+              <a:rPr lang="en-US" dirty="0">
+                <a:latin typeface="Calibri" panose="020F0502020204030204" pitchFamily="34" charset="0"/>
+                <a:cs typeface="Calibri" panose="020F0502020204030204" pitchFamily="34" charset="0"/>
+              </a:rPr>
+              <a:t>Environmental costs of </a:t>
+            </a:r>
+            <a:r>
+              <a:rPr lang="en-US" dirty="0" err="1">
+                <a:latin typeface="Calibri" panose="020F0502020204030204" pitchFamily="34" charset="0"/>
+                <a:cs typeface="Calibri" panose="020F0502020204030204" pitchFamily="34" charset="0"/>
+              </a:rPr>
+              <a:t>GenAI</a:t>
+            </a:r>
+            <a:r>
+              <a:rPr lang="en-US" dirty="0">
+                <a:latin typeface="Calibri" panose="020F0502020204030204" pitchFamily="34" charset="0"/>
+                <a:cs typeface="Calibri" panose="020F0502020204030204" pitchFamily="34" charset="0"/>
+              </a:rPr>
+              <a:t> (energy and water use)</a:t>
+            </a:r>
+          </a:p>
+          <a:p>
+            <a:pPr lvl="2"/>
+            <a:endParaRPr lang="en-US" dirty="0">
+              <a:latin typeface="Calibri" panose="020F0502020204030204" pitchFamily="34" charset="0"/>
+              <a:cs typeface="Calibri" panose="020F0502020204030204" pitchFamily="34" charset="0"/>
+            </a:endParaRPr>
+          </a:p>
+          <a:p>
+            <a:pPr lvl="2"/>
+            <a:r>
+              <a:rPr lang="en-US" dirty="0">
+                <a:latin typeface="Calibri" panose="020F0502020204030204" pitchFamily="34" charset="0"/>
+                <a:cs typeface="Calibri" panose="020F0502020204030204" pitchFamily="34" charset="0"/>
+              </a:rPr>
+              <a:t>by 2027, the annual electricity </a:t>
+            </a:r>
+            <a:br>
+              <a:rPr lang="en-US" dirty="0">
+                <a:latin typeface="Calibri" panose="020F0502020204030204" pitchFamily="34" charset="0"/>
+                <a:cs typeface="Calibri" panose="020F0502020204030204" pitchFamily="34" charset="0"/>
+              </a:rPr>
+            </a:br>
+            <a:r>
+              <a:rPr lang="en-US" dirty="0">
+                <a:latin typeface="Calibri" panose="020F0502020204030204" pitchFamily="34" charset="0"/>
+                <a:cs typeface="Calibri" panose="020F0502020204030204" pitchFamily="34" charset="0"/>
+              </a:rPr>
+              <a:t>usage of AI servers could equal </a:t>
+            </a:r>
+            <a:br>
+              <a:rPr lang="en-US" dirty="0">
+                <a:latin typeface="Calibri" panose="020F0502020204030204" pitchFamily="34" charset="0"/>
+                <a:cs typeface="Calibri" panose="020F0502020204030204" pitchFamily="34" charset="0"/>
+              </a:rPr>
+            </a:br>
+            <a:r>
+              <a:rPr lang="en-US" dirty="0">
+                <a:latin typeface="Calibri" panose="020F0502020204030204" pitchFamily="34" charset="0"/>
+                <a:cs typeface="Calibri" panose="020F0502020204030204" pitchFamily="34" charset="0"/>
+              </a:rPr>
+              <a:t>the annual electricity usage of </a:t>
+            </a:r>
+            <a:br>
+              <a:rPr lang="en-US" dirty="0">
+                <a:latin typeface="Calibri" panose="020F0502020204030204" pitchFamily="34" charset="0"/>
+                <a:cs typeface="Calibri" panose="020F0502020204030204" pitchFamily="34" charset="0"/>
+              </a:rPr>
+            </a:br>
+            <a:r>
+              <a:rPr lang="en-US" dirty="0">
+                <a:latin typeface="Calibri" panose="020F0502020204030204" pitchFamily="34" charset="0"/>
+                <a:cs typeface="Calibri" panose="020F0502020204030204" pitchFamily="34" charset="0"/>
+              </a:rPr>
+              <a:t>the Netherlands or Sweden.</a:t>
+            </a:r>
+            <a:r>
+              <a:rPr lang="en-US" baseline="30000" dirty="0">
+                <a:latin typeface="Calibri" panose="020F0502020204030204" pitchFamily="34" charset="0"/>
+                <a:cs typeface="Calibri" panose="020F0502020204030204" pitchFamily="34" charset="0"/>
+              </a:rPr>
+              <a:t>1</a:t>
+            </a:r>
+          </a:p>
+          <a:p>
+            <a:pPr lvl="2"/>
+            <a:endParaRPr lang="en-US" dirty="0">
+              <a:latin typeface="Calibri" panose="020F0502020204030204" pitchFamily="34" charset="0"/>
+              <a:cs typeface="Calibri" panose="020F0502020204030204" pitchFamily="34" charset="0"/>
+            </a:endParaRPr>
+          </a:p>
+          <a:p>
+            <a:pPr lvl="2"/>
+            <a:r>
+              <a:rPr lang="en-US" dirty="0">
+                <a:latin typeface="Calibri" panose="020F0502020204030204" pitchFamily="34" charset="0"/>
+                <a:cs typeface="Calibri" panose="020F0502020204030204" pitchFamily="34" charset="0"/>
+              </a:rPr>
+              <a:t>LLM could use up to 500 ml of </a:t>
+            </a:r>
+            <a:br>
+              <a:rPr lang="en-US" dirty="0">
+                <a:latin typeface="Calibri" panose="020F0502020204030204" pitchFamily="34" charset="0"/>
+                <a:cs typeface="Calibri" panose="020F0502020204030204" pitchFamily="34" charset="0"/>
+              </a:rPr>
+            </a:br>
+            <a:r>
+              <a:rPr lang="en-US" dirty="0">
+                <a:latin typeface="Calibri" panose="020F0502020204030204" pitchFamily="34" charset="0"/>
+                <a:cs typeface="Calibri" panose="020F0502020204030204" pitchFamily="34" charset="0"/>
+              </a:rPr>
+              <a:t>water per 5-50 prompts.</a:t>
+            </a:r>
+            <a:r>
+              <a:rPr lang="en-US" baseline="30000" dirty="0">
+                <a:latin typeface="Calibri" panose="020F0502020204030204" pitchFamily="34" charset="0"/>
+                <a:cs typeface="Calibri" panose="020F0502020204030204" pitchFamily="34" charset="0"/>
+              </a:rPr>
+              <a:t>2</a:t>
+            </a:r>
+            <a:endParaRPr lang="en-US" sz="1600" baseline="30000" dirty="0">
+              <a:latin typeface="Calibri" panose="020F0502020204030204" pitchFamily="34" charset="0"/>
+              <a:cs typeface="Calibri" panose="020F0502020204030204" pitchFamily="34" charset="0"/>
+            </a:endParaRPr>
+          </a:p>
+          <a:p>
+            <a:pPr lvl="1"/>
+            <a:endParaRPr lang="en-US" dirty="0">
+              <a:latin typeface="Calibri" panose="020F0502020204030204" pitchFamily="34" charset="0"/>
+              <a:cs typeface="Calibri" panose="020F0502020204030204" pitchFamily="34" charset="0"/>
+            </a:endParaRPr>
+          </a:p>
+        </p:txBody>
+      </p:sp>
+      <p:sp>
+        <p:nvSpPr>
+          <p:cNvPr id="5" name="TextBox 4">
+            <a:extLst>
+              <a:ext uri="{FF2B5EF4-FFF2-40B4-BE49-F238E27FC236}">
+                <a16:creationId xmlns:a16="http://schemas.microsoft.com/office/drawing/2014/main" id="{C74CBA0E-F2E1-3B5E-2582-3D78E650B5D4}"/>
+              </a:ext>
+            </a:extLst>
+          </p:cNvPr>
+          <p:cNvSpPr txBox="1"/>
+          <p:nvPr/>
+        </p:nvSpPr>
+        <p:spPr>
+          <a:xfrm>
+            <a:off x="228599" y="6440338"/>
+            <a:ext cx="11734801" cy="415498"/>
+          </a:xfrm>
+          <a:prstGeom prst="rect">
+            <a:avLst/>
+          </a:prstGeom>
+          <a:noFill/>
+        </p:spPr>
+        <p:txBody>
+          <a:bodyPr wrap="square">
+            <a:spAutoFit/>
+          </a:bodyPr>
+          <a:lstStyle/>
+          <a:p>
+            <a:r>
+              <a:rPr lang="en-NL" sz="1050" dirty="0">
+                <a:latin typeface="Calibri" panose="020F0502020204030204" pitchFamily="34" charset="0"/>
+                <a:cs typeface="Calibri" panose="020F0502020204030204" pitchFamily="34" charset="0"/>
+                <a:hlinkClick r:id="rId2">
+                  <a:extLst>
+                    <a:ext uri="{A12FA001-AC4F-418D-AE19-62706E023703}">
+                      <ahyp:hlinkClr xmlns:ahyp="http://schemas.microsoft.com/office/drawing/2018/hyperlinkcolor" val="tx"/>
+                    </a:ext>
+                  </a:extLst>
+                </a:hlinkClick>
+              </a:rPr>
+              <a:t>1.  https://www.nytimes.com/2023/10/10/climate/ai-could-soon-need-as-much-electricity-as-an-entire-country.html</a:t>
+            </a:r>
+            <a:endParaRPr lang="en-NL" sz="1050" dirty="0">
+              <a:latin typeface="Calibri" panose="020F0502020204030204" pitchFamily="34" charset="0"/>
+              <a:cs typeface="Calibri" panose="020F0502020204030204" pitchFamily="34" charset="0"/>
+            </a:endParaRPr>
+          </a:p>
+          <a:p>
+            <a:r>
+              <a:rPr lang="en-US" sz="1050" dirty="0">
+                <a:latin typeface="Calibri" panose="020F0502020204030204" pitchFamily="34" charset="0"/>
+                <a:cs typeface="Calibri" panose="020F0502020204030204" pitchFamily="34" charset="0"/>
+              </a:rPr>
+              <a:t>2.  https://</a:t>
+            </a:r>
+            <a:r>
+              <a:rPr lang="en-US" sz="1050" dirty="0" err="1">
+                <a:latin typeface="Calibri" panose="020F0502020204030204" pitchFamily="34" charset="0"/>
+                <a:cs typeface="Calibri" panose="020F0502020204030204" pitchFamily="34" charset="0"/>
+              </a:rPr>
+              <a:t>fortune.com</a:t>
+            </a:r>
+            <a:r>
+              <a:rPr lang="en-US" sz="1050" dirty="0">
+                <a:latin typeface="Calibri" panose="020F0502020204030204" pitchFamily="34" charset="0"/>
+                <a:cs typeface="Calibri" panose="020F0502020204030204" pitchFamily="34" charset="0"/>
+              </a:rPr>
+              <a:t>/2023/09/09/ai-</a:t>
+            </a:r>
+            <a:r>
+              <a:rPr lang="en-US" sz="1050" dirty="0" err="1">
+                <a:latin typeface="Calibri" panose="020F0502020204030204" pitchFamily="34" charset="0"/>
+                <a:cs typeface="Calibri" panose="020F0502020204030204" pitchFamily="34" charset="0"/>
+              </a:rPr>
+              <a:t>chatgpt</a:t>
+            </a:r>
+            <a:r>
+              <a:rPr lang="en-US" sz="1050" dirty="0">
+                <a:latin typeface="Calibri" panose="020F0502020204030204" pitchFamily="34" charset="0"/>
+                <a:cs typeface="Calibri" panose="020F0502020204030204" pitchFamily="34" charset="0"/>
+              </a:rPr>
+              <a:t>-usage-fuels-spike-in-</a:t>
+            </a:r>
+            <a:r>
+              <a:rPr lang="en-US" sz="1050" dirty="0" err="1">
+                <a:latin typeface="Calibri" panose="020F0502020204030204" pitchFamily="34" charset="0"/>
+                <a:cs typeface="Calibri" panose="020F0502020204030204" pitchFamily="34" charset="0"/>
+              </a:rPr>
+              <a:t>microsoft</a:t>
+            </a:r>
+            <a:r>
+              <a:rPr lang="en-US" sz="1050" dirty="0">
+                <a:latin typeface="Calibri" panose="020F0502020204030204" pitchFamily="34" charset="0"/>
+                <a:cs typeface="Calibri" panose="020F0502020204030204" pitchFamily="34" charset="0"/>
+              </a:rPr>
+              <a:t>-water-consumption/?</a:t>
+            </a:r>
+            <a:r>
+              <a:rPr lang="en-US" sz="1050" dirty="0" err="1">
+                <a:latin typeface="Calibri" panose="020F0502020204030204" pitchFamily="34" charset="0"/>
+                <a:cs typeface="Calibri" panose="020F0502020204030204" pitchFamily="34" charset="0"/>
+              </a:rPr>
+              <a:t>utm_source</a:t>
+            </a:r>
+            <a:r>
+              <a:rPr lang="en-US" sz="1050" dirty="0">
+                <a:latin typeface="Calibri" panose="020F0502020204030204" pitchFamily="34" charset="0"/>
+                <a:cs typeface="Calibri" panose="020F0502020204030204" pitchFamily="34" charset="0"/>
+              </a:rPr>
+              <a:t>=</a:t>
+            </a:r>
+            <a:r>
+              <a:rPr lang="en-US" sz="1050" dirty="0" err="1">
+                <a:latin typeface="Calibri" panose="020F0502020204030204" pitchFamily="34" charset="0"/>
+                <a:cs typeface="Calibri" panose="020F0502020204030204" pitchFamily="34" charset="0"/>
+              </a:rPr>
+              <a:t>www.joinsuperhuman.ai&amp;utm_medium</a:t>
+            </a:r>
+            <a:r>
+              <a:rPr lang="en-US" sz="1050" dirty="0">
+                <a:latin typeface="Calibri" panose="020F0502020204030204" pitchFamily="34" charset="0"/>
+                <a:cs typeface="Calibri" panose="020F0502020204030204" pitchFamily="34" charset="0"/>
+              </a:rPr>
+              <a:t>=</a:t>
+            </a:r>
+            <a:r>
+              <a:rPr lang="en-US" sz="1050" dirty="0" err="1">
+                <a:latin typeface="Calibri" panose="020F0502020204030204" pitchFamily="34" charset="0"/>
+                <a:cs typeface="Calibri" panose="020F0502020204030204" pitchFamily="34" charset="0"/>
+              </a:rPr>
+              <a:t>newsletter&amp;utm_campaign</a:t>
+            </a:r>
+            <a:r>
+              <a:rPr lang="en-US" sz="1050" dirty="0">
+                <a:latin typeface="Calibri" panose="020F0502020204030204" pitchFamily="34" charset="0"/>
+                <a:cs typeface="Calibri" panose="020F0502020204030204" pitchFamily="34" charset="0"/>
+              </a:rPr>
+              <a:t>=ai-needs-a-lot-of-water</a:t>
+            </a:r>
+            <a:endParaRPr lang="en-NL" sz="1050" dirty="0">
+              <a:latin typeface="Calibri" panose="020F0502020204030204" pitchFamily="34" charset="0"/>
+              <a:cs typeface="Calibri" panose="020F0502020204030204" pitchFamily="34" charset="0"/>
+            </a:endParaRPr>
+          </a:p>
+        </p:txBody>
+      </p:sp>
+      <p:pic>
+        <p:nvPicPr>
+          <p:cNvPr id="1026" name="Picture 2">
+            <a:extLst>
+              <a:ext uri="{FF2B5EF4-FFF2-40B4-BE49-F238E27FC236}">
+                <a16:creationId xmlns:a16="http://schemas.microsoft.com/office/drawing/2014/main" id="{B1C93AF6-C2B9-574D-2AA1-96411BFD3B82}"/>
+              </a:ext>
+            </a:extLst>
+          </p:cNvPr>
+          <p:cNvPicPr>
+            <a:picLocks noChangeAspect="1" noChangeArrowheads="1"/>
+          </p:cNvPicPr>
+          <p:nvPr/>
+        </p:nvPicPr>
+        <p:blipFill rotWithShape="1">
+          <a:blip r:embed="rId3">
+            <a:extLst>
+              <a:ext uri="{28A0092B-C50C-407E-A947-70E740481C1C}">
+                <a14:useLocalDpi xmlns:a14="http://schemas.microsoft.com/office/drawing/2010/main" val="0"/>
+              </a:ext>
+            </a:extLst>
+          </a:blip>
+          <a:srcRect b="2639"/>
+          <a:stretch/>
+        </p:blipFill>
+        <p:spPr bwMode="auto">
+          <a:xfrm>
+            <a:off x="4876800" y="2291191"/>
+            <a:ext cx="7086600" cy="3882521"/>
+          </a:xfrm>
+          <a:prstGeom prst="rect">
+            <a:avLst/>
+          </a:prstGeom>
+          <a:noFill/>
+          <a:extLst>
+            <a:ext uri="{909E8E84-426E-40DD-AFC4-6F175D3DCCD1}">
+              <a14:hiddenFill xmlns:a14="http://schemas.microsoft.com/office/drawing/2010/main">
+                <a:solidFill>
+                  <a:srgbClr val="FFFFFF"/>
+                </a:solidFill>
+              </a14:hiddenFill>
+            </a:ext>
+          </a:extLst>
+        </p:spPr>
+      </p:pic>
+      <p:sp>
+        <p:nvSpPr>
+          <p:cNvPr id="6" name="TextBox 5">
+            <a:extLst>
+              <a:ext uri="{FF2B5EF4-FFF2-40B4-BE49-F238E27FC236}">
+                <a16:creationId xmlns:a16="http://schemas.microsoft.com/office/drawing/2014/main" id="{9115ACB8-BDE9-7A91-CBDC-48C62A9E765C}"/>
+              </a:ext>
+            </a:extLst>
+          </p:cNvPr>
+          <p:cNvSpPr txBox="1"/>
+          <p:nvPr/>
+        </p:nvSpPr>
+        <p:spPr>
+          <a:xfrm>
+            <a:off x="5143499" y="6123543"/>
+            <a:ext cx="7315199" cy="369332"/>
+          </a:xfrm>
+          <a:prstGeom prst="rect">
+            <a:avLst/>
+          </a:prstGeom>
+          <a:noFill/>
+        </p:spPr>
+        <p:txBody>
+          <a:bodyPr wrap="square">
+            <a:spAutoFit/>
+          </a:bodyPr>
+          <a:lstStyle/>
+          <a:p>
+            <a:r>
+              <a:rPr lang="en-US" sz="900" dirty="0"/>
+              <a:t>Screenshot: “The AI Index 2023 Annual Report,” AI Index Steering Committee, Institute for Human-Centered AI, Stanford University, Stanford, CA</a:t>
+            </a:r>
+            <a:br>
+              <a:rPr lang="en-US" sz="900" dirty="0"/>
+            </a:br>
+            <a:endParaRPr lang="en-US" sz="900" dirty="0"/>
+          </a:p>
+        </p:txBody>
+      </p:sp>
+    </p:spTree>
+    <p:extLst>
+      <p:ext uri="{BB962C8B-B14F-4D97-AF65-F5344CB8AC3E}">
+        <p14:creationId xmlns:p14="http://schemas.microsoft.com/office/powerpoint/2010/main" val="3383005718"/>
+      </p:ext>
+    </p:extLst>
+  </p:cSld>
+  <p:clrMapOvr>
+    <a:masterClrMapping/>
+  </p:clrMapOvr>
+</p:sld>
+</file>
+
+<file path=ppt/slides/slide4.xml><?xml version="1.0" encoding="utf-8"?>
+<p:sld xmlns:a="http://schemas.openxmlformats.org/drawingml/2006/main" xmlns:r="http://schemas.openxmlformats.org/officeDocument/2006/relationships" xmlns:p="http://schemas.openxmlformats.org/presentationml/2006/main">
+  <p:cSld>
+    <p:spTree>
+      <p:nvGrpSpPr>
+        <p:cNvPr id="1" name=""/>
+        <p:cNvGrpSpPr/>
+        <p:nvPr/>
+      </p:nvGrpSpPr>
+      <p:grpSpPr>
+        <a:xfrm>
+          <a:off x="0" y="0"/>
+          <a:ext cx="0" cy="0"/>
+          <a:chOff x="0" y="0"/>
+          <a:chExt cx="0" cy="0"/>
+        </a:xfrm>
+      </p:grpSpPr>
+      <p:sp>
+        <p:nvSpPr>
+          <p:cNvPr id="2" name="Title 1">
+            <a:extLst>
+              <a:ext uri="{FF2B5EF4-FFF2-40B4-BE49-F238E27FC236}">
+                <a16:creationId xmlns:a16="http://schemas.microsoft.com/office/drawing/2014/main" id="{9EAFBDFE-8BA1-0F05-5CC3-B35CFDA65A15}"/>
+              </a:ext>
+            </a:extLst>
+          </p:cNvPr>
+          <p:cNvSpPr>
+            <a:spLocks noGrp="1"/>
+          </p:cNvSpPr>
+          <p:nvPr>
+            <p:ph type="title"/>
+          </p:nvPr>
+        </p:nvSpPr>
+        <p:spPr/>
+        <p:txBody>
+          <a:bodyPr/>
+          <a:lstStyle/>
+          <a:p>
+            <a:r>
+              <a:rPr lang="en-US" i="0" dirty="0">
+                <a:effectLst/>
+                <a:latin typeface="Calibri" panose="020F0502020204030204" pitchFamily="34" charset="0"/>
+                <a:cs typeface="Calibri" panose="020F0502020204030204" pitchFamily="34" charset="0"/>
+              </a:rPr>
+              <a:t>Best practices for ethical use of AI assistants</a:t>
+            </a:r>
+            <a:endParaRPr lang="en-NL" dirty="0">
+              <a:latin typeface="Calibri" panose="020F0502020204030204" pitchFamily="34" charset="0"/>
+              <a:cs typeface="Calibri" panose="020F0502020204030204" pitchFamily="34" charset="0"/>
+            </a:endParaRPr>
+          </a:p>
+        </p:txBody>
+      </p:sp>
+      <p:sp>
+        <p:nvSpPr>
+          <p:cNvPr id="3" name="Content Placeholder 2">
+            <a:extLst>
+              <a:ext uri="{FF2B5EF4-FFF2-40B4-BE49-F238E27FC236}">
+                <a16:creationId xmlns:a16="http://schemas.microsoft.com/office/drawing/2014/main" id="{5DC2C934-BDE5-D7DA-DBD2-875DF3EE4A63}"/>
+              </a:ext>
+            </a:extLst>
+          </p:cNvPr>
+          <p:cNvSpPr>
+            <a:spLocks noGrp="1"/>
+          </p:cNvSpPr>
+          <p:nvPr>
+            <p:ph idx="1"/>
+          </p:nvPr>
+        </p:nvSpPr>
+        <p:spPr>
+          <a:xfrm>
+            <a:off x="1124262" y="1825625"/>
+            <a:ext cx="10229538" cy="4351338"/>
+          </a:xfrm>
+        </p:spPr>
+        <p:txBody>
+          <a:bodyPr/>
+          <a:lstStyle/>
+          <a:p>
+            <a:pPr algn="l">
+              <a:buFont typeface="Arial" panose="020B0604020202020204" pitchFamily="34" charset="0"/>
+              <a:buChar char="•"/>
+            </a:pPr>
+            <a:r>
+              <a:rPr lang="en-US" sz="2400" b="1" i="0" dirty="0">
+                <a:effectLst/>
+                <a:latin typeface="Mulish"/>
+              </a:rPr>
+              <a:t>Vigilant evaluation of results </a:t>
+            </a:r>
+            <a:r>
+              <a:rPr lang="en-US" sz="2400" b="0" i="0" dirty="0">
+                <a:effectLst/>
+                <a:latin typeface="Mulish"/>
+              </a:rPr>
+              <a:t>to identify and reduce potential biases</a:t>
+            </a:r>
+          </a:p>
+          <a:p>
+            <a:pPr algn="l">
+              <a:buFont typeface="Arial" panose="020B0604020202020204" pitchFamily="34" charset="0"/>
+              <a:buChar char="•"/>
+            </a:pPr>
+            <a:endParaRPr lang="en-US" sz="2400" b="0" i="0" dirty="0">
+              <a:effectLst/>
+              <a:latin typeface="Mulish"/>
+            </a:endParaRPr>
+          </a:p>
+          <a:p>
+            <a:r>
+              <a:rPr lang="en-US" sz="2400" i="0" dirty="0">
+                <a:effectLst/>
+                <a:latin typeface="Mulish"/>
+              </a:rPr>
+              <a:t>Transparency and accountability in AI use</a:t>
+            </a:r>
+          </a:p>
+          <a:p>
+            <a:pPr lvl="1"/>
+            <a:r>
+              <a:rPr lang="en-US" sz="2000" dirty="0">
+                <a:latin typeface="Mulish"/>
+              </a:rPr>
+              <a:t>A</a:t>
+            </a:r>
+            <a:r>
+              <a:rPr lang="en-US" sz="2000" i="0" dirty="0">
+                <a:effectLst/>
+                <a:latin typeface="Mulish"/>
+              </a:rPr>
+              <a:t>cknowledge and cite AI-generated output in your work</a:t>
+            </a:r>
+          </a:p>
+          <a:p>
+            <a:pPr lvl="1"/>
+            <a:endParaRPr lang="en-US" b="1" i="0" dirty="0">
+              <a:effectLst/>
+              <a:latin typeface="Mulish"/>
+            </a:endParaRPr>
+          </a:p>
+          <a:p>
+            <a:r>
+              <a:rPr lang="en-US" sz="2400" i="0" dirty="0">
+                <a:effectLst/>
+                <a:latin typeface="Mulish"/>
+              </a:rPr>
+              <a:t>Following clear AI guidelines</a:t>
+            </a:r>
+          </a:p>
+          <a:p>
+            <a:endParaRPr lang="en-NL" sz="2400" dirty="0"/>
+          </a:p>
+        </p:txBody>
+      </p:sp>
+    </p:spTree>
+    <p:extLst>
+      <p:ext uri="{BB962C8B-B14F-4D97-AF65-F5344CB8AC3E}">
+        <p14:creationId xmlns:p14="http://schemas.microsoft.com/office/powerpoint/2010/main" val="2437986861"/>
+      </p:ext>
+    </p:extLst>
+  </p:cSld>
+  <p:clrMapOvr>
+    <a:masterClrMapping/>
+  </p:clrMapOvr>
+</p:sld>
+</file>
+
+<file path=ppt/slides/slide5.xml><?xml version="1.0" encoding="utf-8"?>
+<p:sld xmlns:a="http://schemas.openxmlformats.org/drawingml/2006/main" xmlns:r="http://schemas.openxmlformats.org/officeDocument/2006/relationships" xmlns:p="http://schemas.openxmlformats.org/presentationml/2006/main">
+  <p:cSld>
+    <p:bg>
+      <p:bgPr>
+        <a:blipFill dpi="0" rotWithShape="1">
+          <a:blip r:embed="rId4">
+            <a:lum/>
+          </a:blip>
+          <a:srcRect/>
+          <a:stretch>
+            <a:fillRect/>
+          </a:stretch>
+        </a:blipFill>
+        <a:effectLst/>
+      </p:bgPr>
+    </p:bg>
+    <p:spTree>
+      <p:nvGrpSpPr>
+        <p:cNvPr id="1" name=""/>
+        <p:cNvGrpSpPr/>
+        <p:nvPr/>
+      </p:nvGrpSpPr>
+      <p:grpSpPr>
+        <a:xfrm>
+          <a:off x="0" y="0"/>
+          <a:ext cx="0" cy="0"/>
+          <a:chOff x="0" y="0"/>
+          <a:chExt cx="0" cy="0"/>
+        </a:xfrm>
+      </p:grpSpPr>
+      <p:sp>
+        <p:nvSpPr>
+          <p:cNvPr id="2" name="Titel 1">
+            <a:extLst>
+              <a:ext uri="{FF2B5EF4-FFF2-40B4-BE49-F238E27FC236}">
+                <a16:creationId xmlns:a16="http://schemas.microsoft.com/office/drawing/2014/main" id="{56566744-5168-6191-FF6B-EFD35558EFC5}"/>
+              </a:ext>
+            </a:extLst>
+          </p:cNvPr>
+          <p:cNvSpPr>
+            <a:spLocks noGrp="1"/>
+          </p:cNvSpPr>
+          <p:nvPr>
+            <p:ph type="title"/>
+          </p:nvPr>
+        </p:nvSpPr>
+        <p:spPr>
+          <a:xfrm>
+            <a:off x="761802" y="487321"/>
+            <a:ext cx="10760054" cy="1228299"/>
+          </a:xfrm>
+        </p:spPr>
+        <p:txBody>
+          <a:bodyPr>
+            <a:normAutofit/>
+          </a:bodyPr>
+          <a:lstStyle/>
+          <a:p>
+            <a:r>
+              <a:rPr lang="en-US" sz="4000" b="1" i="0" dirty="0">
+                <a:effectLst/>
+                <a:latin typeface="Calibri" panose="020F0502020204030204" pitchFamily="34" charset="0"/>
+                <a:cs typeface="Calibri" panose="020F0502020204030204" pitchFamily="34" charset="0"/>
+              </a:rPr>
+              <a:t>Current AI regulations in the EU </a:t>
+            </a:r>
+            <a:endParaRPr lang="nl-NL" sz="4000" b="1" dirty="0">
+              <a:latin typeface="Calibri" panose="020F0502020204030204" pitchFamily="34" charset="0"/>
+              <a:cs typeface="Calibri" panose="020F0502020204030204" pitchFamily="34" charset="0"/>
+            </a:endParaRPr>
+          </a:p>
+        </p:txBody>
+      </p:sp>
+      <p:sp>
+        <p:nvSpPr>
+          <p:cNvPr id="3" name="Tijdelijke aanduiding voor inhoud 2">
+            <a:extLst>
+              <a:ext uri="{FF2B5EF4-FFF2-40B4-BE49-F238E27FC236}">
+                <a16:creationId xmlns:a16="http://schemas.microsoft.com/office/drawing/2014/main" id="{4E89BAE0-5915-9ED0-6508-69532D5E5357}"/>
+              </a:ext>
+            </a:extLst>
+          </p:cNvPr>
+          <p:cNvSpPr>
+            <a:spLocks noGrp="1"/>
+          </p:cNvSpPr>
+          <p:nvPr>
+            <p:ph idx="1"/>
+          </p:nvPr>
+        </p:nvSpPr>
+        <p:spPr>
+          <a:xfrm>
+            <a:off x="761802" y="1468540"/>
+            <a:ext cx="6451798" cy="4627460"/>
+          </a:xfrm>
+        </p:spPr>
+        <p:txBody>
+          <a:bodyPr anchor="ctr">
+            <a:normAutofit/>
+          </a:bodyPr>
+          <a:lstStyle/>
+          <a:p>
+            <a:pPr marL="0" indent="0">
+              <a:lnSpc>
+                <a:spcPct val="110000"/>
+              </a:lnSpc>
+              <a:buNone/>
+            </a:pPr>
+            <a:r>
+              <a:rPr lang="nl-NL" b="1" dirty="0">
+                <a:latin typeface="Calibri" panose="020F0502020204030204" pitchFamily="34" charset="0"/>
+                <a:cs typeface="Calibri" panose="020F0502020204030204" pitchFamily="34" charset="0"/>
+              </a:rPr>
+              <a:t>The AI Act </a:t>
+            </a:r>
+            <a:r>
+              <a:rPr lang="nl-NL" dirty="0">
+                <a:latin typeface="Calibri" panose="020F0502020204030204" pitchFamily="34" charset="0"/>
+                <a:cs typeface="Calibri" panose="020F0502020204030204" pitchFamily="34" charset="0"/>
+              </a:rPr>
+              <a:t>(August 2024)</a:t>
+            </a:r>
+            <a:endParaRPr lang="nl-NL" i="0" dirty="0">
+              <a:effectLst/>
+              <a:latin typeface="Calibri" panose="020F0502020204030204" pitchFamily="34" charset="0"/>
+              <a:cs typeface="Calibri" panose="020F0502020204030204" pitchFamily="34" charset="0"/>
+            </a:endParaRPr>
+          </a:p>
+          <a:p>
+            <a:pPr>
+              <a:lnSpc>
+                <a:spcPct val="110000"/>
+              </a:lnSpc>
+              <a:buFont typeface="Arial" panose="020B0604020202020204" pitchFamily="34" charset="0"/>
+              <a:buChar char="•"/>
+            </a:pPr>
+            <a:endParaRPr lang="en-US" sz="2400" b="1" dirty="0">
+              <a:latin typeface="Calibri" panose="020F0502020204030204" pitchFamily="34" charset="0"/>
+              <a:cs typeface="Calibri" panose="020F0502020204030204" pitchFamily="34" charset="0"/>
+            </a:endParaRPr>
+          </a:p>
+          <a:p>
+            <a:pPr>
+              <a:lnSpc>
+                <a:spcPct val="110000"/>
+              </a:lnSpc>
+              <a:buFont typeface="Arial" panose="020B0604020202020204" pitchFamily="34" charset="0"/>
+              <a:buChar char="•"/>
+            </a:pPr>
+            <a:r>
+              <a:rPr lang="en-US" sz="2400" b="1" dirty="0">
+                <a:latin typeface="Calibri" panose="020F0502020204030204" pitchFamily="34" charset="0"/>
+                <a:cs typeface="Calibri" panose="020F0502020204030204" pitchFamily="34" charset="0"/>
+              </a:rPr>
+              <a:t>Purpose</a:t>
+            </a:r>
+            <a:r>
+              <a:rPr lang="en-US" sz="2400" dirty="0">
+                <a:latin typeface="Calibri" panose="020F0502020204030204" pitchFamily="34" charset="0"/>
+                <a:cs typeface="Calibri" panose="020F0502020204030204" pitchFamily="34" charset="0"/>
+              </a:rPr>
+              <a:t>: Ensures AI is safe, respects fundamental rights, and supports democracy, the rule of law, and environmental standards.</a:t>
+            </a:r>
+          </a:p>
+          <a:p>
+            <a:pPr>
+              <a:lnSpc>
+                <a:spcPct val="110000"/>
+              </a:lnSpc>
+              <a:buFont typeface="Arial" panose="020B0604020202020204" pitchFamily="34" charset="0"/>
+              <a:buChar char="•"/>
+            </a:pPr>
+            <a:endParaRPr lang="en-US" sz="2400" dirty="0">
+              <a:latin typeface="Calibri" panose="020F0502020204030204" pitchFamily="34" charset="0"/>
+              <a:cs typeface="Calibri" panose="020F0502020204030204" pitchFamily="34" charset="0"/>
+            </a:endParaRPr>
+          </a:p>
+          <a:p>
+            <a:pPr>
+              <a:lnSpc>
+                <a:spcPct val="110000"/>
+              </a:lnSpc>
+              <a:buFont typeface="Arial" panose="020B0604020202020204" pitchFamily="34" charset="0"/>
+              <a:buChar char="•"/>
+            </a:pPr>
+            <a:r>
+              <a:rPr lang="en-US" sz="2400" dirty="0">
+                <a:latin typeface="Calibri" panose="020F0502020204030204" pitchFamily="34" charset="0"/>
+                <a:cs typeface="Calibri" panose="020F0502020204030204" pitchFamily="34" charset="0"/>
+              </a:rPr>
+              <a:t>Exemptions: </a:t>
+            </a:r>
+            <a:r>
+              <a:rPr lang="en-US" sz="2400" b="1" dirty="0">
+                <a:latin typeface="Calibri" panose="020F0502020204030204" pitchFamily="34" charset="0"/>
+                <a:cs typeface="Calibri" panose="020F0502020204030204" pitchFamily="34" charset="0"/>
+              </a:rPr>
+              <a:t>Research</a:t>
+            </a:r>
+            <a:r>
+              <a:rPr lang="en-US" sz="2400" dirty="0">
+                <a:latin typeface="Calibri" panose="020F0502020204030204" pitchFamily="34" charset="0"/>
+                <a:cs typeface="Calibri" panose="020F0502020204030204" pitchFamily="34" charset="0"/>
+              </a:rPr>
+              <a:t>, military/defense, and non-market prototypes.</a:t>
+            </a:r>
+          </a:p>
+        </p:txBody>
+      </p:sp>
+      <p:graphicFrame>
+        <p:nvGraphicFramePr>
+          <p:cNvPr id="5" name="Tijdelijke aanduiding voor inhoud 2">
+            <a:extLst>
+              <a:ext uri="{FF2B5EF4-FFF2-40B4-BE49-F238E27FC236}">
+                <a16:creationId xmlns:a16="http://schemas.microsoft.com/office/drawing/2014/main" id="{84C945FE-9724-D8F1-AF26-C868790948A9}"/>
+              </a:ext>
+            </a:extLst>
+          </p:cNvPr>
+          <p:cNvGraphicFramePr>
+            <a:graphicFrameLocks/>
+          </p:cNvGraphicFramePr>
+          <p:nvPr>
+            <p:extLst>
+              <p:ext uri="{D42A27DB-BD31-4B8C-83A1-F6EECF244321}">
+                <p14:modId xmlns:p14="http://schemas.microsoft.com/office/powerpoint/2010/main" val="3303034818"/>
+              </p:ext>
+            </p:extLst>
+          </p:nvPr>
+        </p:nvGraphicFramePr>
+        <p:xfrm>
+          <a:off x="6578600" y="1854200"/>
+          <a:ext cx="5917105" cy="5003801"/>
+        </p:xfrm>
+        <a:graphic>
+          <a:graphicData uri="http://schemas.openxmlformats.org/drawingml/2006/diagram">
+            <dgm:relIds xmlns:dgm="http://schemas.openxmlformats.org/drawingml/2006/diagram" xmlns:r="http://schemas.openxmlformats.org/officeDocument/2006/relationships" r:dm="rId5" r:lo="rId6" r:qs="rId7" r:cs="rId8"/>
+          </a:graphicData>
+        </a:graphic>
+      </p:graphicFrame>
+      <p:sp>
+        <p:nvSpPr>
+          <p:cNvPr id="6" name="TextBox 5">
+            <a:extLst>
+              <a:ext uri="{FF2B5EF4-FFF2-40B4-BE49-F238E27FC236}">
+                <a16:creationId xmlns:a16="http://schemas.microsoft.com/office/drawing/2014/main" id="{3763920F-9068-23D9-9ED8-1C305ED24643}"/>
+              </a:ext>
+            </a:extLst>
+          </p:cNvPr>
+          <p:cNvSpPr txBox="1"/>
+          <p:nvPr/>
+        </p:nvSpPr>
+        <p:spPr>
+          <a:xfrm>
+            <a:off x="8229052" y="1229500"/>
+            <a:ext cx="2616200" cy="478080"/>
+          </a:xfrm>
+          <a:prstGeom prst="rect">
+            <a:avLst/>
+          </a:prstGeom>
+          <a:noFill/>
+        </p:spPr>
+        <p:txBody>
+          <a:bodyPr wrap="square">
+            <a:spAutoFit/>
+          </a:bodyPr>
+          <a:lstStyle/>
+          <a:p>
+            <a:pPr marL="0" indent="0">
+              <a:lnSpc>
+                <a:spcPct val="110000"/>
+              </a:lnSpc>
+              <a:buNone/>
+            </a:pPr>
+            <a:r>
+              <a:rPr lang="en-US" sz="2400" b="1" dirty="0"/>
+              <a:t>Risk Categories</a:t>
+            </a:r>
+          </a:p>
+        </p:txBody>
+      </p:sp>
+    </p:spTree>
+    <p:extLst>
+      <p:ext uri="{BB962C8B-B14F-4D97-AF65-F5344CB8AC3E}">
+        <p14:creationId xmlns:p14="http://schemas.microsoft.com/office/powerpoint/2010/main" val="2610888888"/>
+      </p:ext>
+    </p:extLst>
+  </p:cSld>
+  <p:clrMapOvr>
+    <a:overrideClrMapping bg1="lt1" tx1="dk1" bg2="lt2" tx2="dk2" accent1="accent1" accent2="accent2" accent3="accent3" accent4="accent4" accent5="accent5" accent6="accent6" hlink="hlink" folHlink="folHlink"/>
+  </p:clrMapOvr>
+</p:sld>
+</file>
+
+<file path=ppt/slides/slide6.xml><?xml version="1.0" encoding="utf-8"?>
+<p:sld xmlns:a="http://schemas.openxmlformats.org/drawingml/2006/main" xmlns:r="http://schemas.openxmlformats.org/officeDocument/2006/relationships" xmlns:p="http://schemas.openxmlformats.org/presentationml/2006/main">
+  <p:cSld>
+    <p:spTree>
+      <p:nvGrpSpPr>
+        <p:cNvPr id="1" name=""/>
+        <p:cNvGrpSpPr/>
+        <p:nvPr/>
+      </p:nvGrpSpPr>
+      <p:grpSpPr>
+        <a:xfrm>
+          <a:off x="0" y="0"/>
+          <a:ext cx="0" cy="0"/>
+          <a:chOff x="0" y="0"/>
+          <a:chExt cx="0" cy="0"/>
+        </a:xfrm>
+      </p:grpSpPr>
+      <p:sp>
+        <p:nvSpPr>
+          <p:cNvPr id="19" name="Titel 1">
+            <a:extLst>
+              <a:ext uri="{FF2B5EF4-FFF2-40B4-BE49-F238E27FC236}">
+                <a16:creationId xmlns:a16="http://schemas.microsoft.com/office/drawing/2014/main" id="{15EF9DEF-CDD6-4B9E-72F4-784E63048E9B}"/>
+              </a:ext>
+            </a:extLst>
+          </p:cNvPr>
+          <p:cNvSpPr>
+            <a:spLocks noGrp="1"/>
+          </p:cNvSpPr>
+          <p:nvPr>
+            <p:ph type="title"/>
+          </p:nvPr>
+        </p:nvSpPr>
+        <p:spPr>
+          <a:xfrm>
+            <a:off x="669036" y="662482"/>
+            <a:ext cx="10684764" cy="1325563"/>
+          </a:xfrm>
+        </p:spPr>
+        <p:txBody>
+          <a:bodyPr/>
+          <a:lstStyle/>
+          <a:p>
+            <a:r>
+              <a:rPr lang="en-US" b="1" i="0" dirty="0">
+                <a:effectLst/>
+                <a:latin typeface="Calibri" panose="020F0502020204030204" pitchFamily="34" charset="0"/>
+                <a:cs typeface="Calibri" panose="020F0502020204030204" pitchFamily="34" charset="0"/>
+              </a:rPr>
+              <a:t>Current AI regulations in the EU</a:t>
+            </a:r>
+            <a:endParaRPr lang="nl-NL" dirty="0">
+              <a:latin typeface="Calibri" panose="020F0502020204030204" pitchFamily="34" charset="0"/>
+              <a:cs typeface="Calibri" panose="020F0502020204030204" pitchFamily="34" charset="0"/>
+            </a:endParaRPr>
+          </a:p>
+        </p:txBody>
+      </p:sp>
+      <p:sp>
+        <p:nvSpPr>
+          <p:cNvPr id="20" name="Tijdelijke aanduiding voor inhoud 2">
+            <a:extLst>
+              <a:ext uri="{FF2B5EF4-FFF2-40B4-BE49-F238E27FC236}">
+                <a16:creationId xmlns:a16="http://schemas.microsoft.com/office/drawing/2014/main" id="{85601BDC-E3AA-2362-7F2F-DAB0A65F54B9}"/>
+              </a:ext>
+            </a:extLst>
+          </p:cNvPr>
+          <p:cNvSpPr>
+            <a:spLocks noGrp="1"/>
+          </p:cNvSpPr>
+          <p:nvPr>
+            <p:ph idx="1"/>
+          </p:nvPr>
+        </p:nvSpPr>
+        <p:spPr>
+          <a:xfrm>
+            <a:off x="669036" y="1995237"/>
+            <a:ext cx="10684764" cy="1090570"/>
+          </a:xfrm>
+        </p:spPr>
+        <p:txBody>
+          <a:bodyPr/>
+          <a:lstStyle/>
+          <a:p>
+            <a:pPr>
+              <a:spcBef>
+                <a:spcPts val="1200"/>
+              </a:spcBef>
+            </a:pPr>
+            <a:r>
+              <a:rPr lang="en-US" sz="2400" dirty="0">
+                <a:latin typeface="Calibri" panose="020F0502020204030204" pitchFamily="34" charset="0"/>
+                <a:cs typeface="Calibri" panose="020F0502020204030204" pitchFamily="34" charset="0"/>
+              </a:rPr>
+              <a:t>Living guidelines on </a:t>
+            </a:r>
+            <a:r>
+              <a:rPr lang="en-US" sz="2400" b="1" dirty="0">
+                <a:latin typeface="Calibri" panose="020F0502020204030204" pitchFamily="34" charset="0"/>
+                <a:cs typeface="Calibri" panose="020F0502020204030204" pitchFamily="34" charset="0"/>
+              </a:rPr>
+              <a:t>the responsible use of generative AI </a:t>
+            </a:r>
+            <a:br>
+              <a:rPr lang="en-US" sz="2400" b="1" dirty="0">
+                <a:latin typeface="Calibri" panose="020F0502020204030204" pitchFamily="34" charset="0"/>
+                <a:cs typeface="Calibri" panose="020F0502020204030204" pitchFamily="34" charset="0"/>
+              </a:rPr>
+            </a:br>
+            <a:r>
+              <a:rPr lang="en-US" sz="2400" b="1" dirty="0">
+                <a:latin typeface="Calibri" panose="020F0502020204030204" pitchFamily="34" charset="0"/>
+                <a:cs typeface="Calibri" panose="020F0502020204030204" pitchFamily="34" charset="0"/>
+              </a:rPr>
+              <a:t>in research </a:t>
+            </a:r>
+            <a:r>
+              <a:rPr lang="en-US" sz="2400" dirty="0">
+                <a:latin typeface="Calibri" panose="020F0502020204030204" pitchFamily="34" charset="0"/>
+                <a:cs typeface="Calibri" panose="020F0502020204030204" pitchFamily="34" charset="0"/>
+              </a:rPr>
+              <a:t>by the European Commission (March 2024)</a:t>
+            </a:r>
+            <a:endParaRPr lang="en-US" sz="2400" b="0" i="0" dirty="0">
+              <a:effectLst/>
+              <a:latin typeface="Calibri" panose="020F0502020204030204" pitchFamily="34" charset="0"/>
+              <a:cs typeface="Calibri" panose="020F0502020204030204" pitchFamily="34" charset="0"/>
+            </a:endParaRPr>
+          </a:p>
+          <a:p>
+            <a:pPr lvl="1"/>
+            <a:endParaRPr lang="en-US" dirty="0">
+              <a:latin typeface="Calibri" panose="020F0502020204030204" pitchFamily="34" charset="0"/>
+              <a:cs typeface="Calibri" panose="020F0502020204030204" pitchFamily="34" charset="0"/>
+            </a:endParaRPr>
+          </a:p>
+          <a:p>
+            <a:endParaRPr lang="nl-NL" dirty="0">
+              <a:latin typeface="Calibri" panose="020F0502020204030204" pitchFamily="34" charset="0"/>
+              <a:cs typeface="Calibri" panose="020F0502020204030204" pitchFamily="34" charset="0"/>
+            </a:endParaRPr>
+          </a:p>
+        </p:txBody>
+      </p:sp>
+      <p:pic>
+        <p:nvPicPr>
+          <p:cNvPr id="21" name="Afbeelding 20">
+            <a:extLst>
+              <a:ext uri="{FF2B5EF4-FFF2-40B4-BE49-F238E27FC236}">
+                <a16:creationId xmlns:a16="http://schemas.microsoft.com/office/drawing/2014/main" id="{05F4C1F3-9137-226C-3E8F-598FBD772413}"/>
+              </a:ext>
+            </a:extLst>
+          </p:cNvPr>
+          <p:cNvPicPr>
+            <a:picLocks noChangeAspect="1"/>
+          </p:cNvPicPr>
+          <p:nvPr/>
+        </p:nvPicPr>
+        <p:blipFill>
+          <a:blip r:embed="rId3"/>
+          <a:stretch>
+            <a:fillRect/>
+          </a:stretch>
+        </p:blipFill>
+        <p:spPr>
+          <a:xfrm>
+            <a:off x="8432951" y="0"/>
+            <a:ext cx="3759049" cy="5305413"/>
+          </a:xfrm>
+          <a:prstGeom prst="rect">
+            <a:avLst/>
+          </a:prstGeom>
+        </p:spPr>
+      </p:pic>
+      <p:graphicFrame>
+        <p:nvGraphicFramePr>
+          <p:cNvPr id="22" name="Tijdelijke aanduiding voor inhoud 2">
+            <a:extLst>
+              <a:ext uri="{FF2B5EF4-FFF2-40B4-BE49-F238E27FC236}">
+                <a16:creationId xmlns:a16="http://schemas.microsoft.com/office/drawing/2014/main" id="{019BE793-91DE-2F9B-5B3B-74FED57DD5F9}"/>
+              </a:ext>
+            </a:extLst>
+          </p:cNvPr>
+          <p:cNvGraphicFramePr/>
+          <p:nvPr>
+            <p:extLst>
+              <p:ext uri="{D42A27DB-BD31-4B8C-83A1-F6EECF244321}">
+                <p14:modId xmlns:p14="http://schemas.microsoft.com/office/powerpoint/2010/main" val="1460526971"/>
+              </p:ext>
+            </p:extLst>
+          </p:nvPr>
+        </p:nvGraphicFramePr>
+        <p:xfrm>
+          <a:off x="471613" y="2903836"/>
+          <a:ext cx="8041765" cy="3856193"/>
+        </p:xfrm>
+        <a:graphic>
+          <a:graphicData uri="http://schemas.openxmlformats.org/drawingml/2006/diagram">
+            <dgm:relIds xmlns:dgm="http://schemas.openxmlformats.org/drawingml/2006/diagram" xmlns:r="http://schemas.openxmlformats.org/officeDocument/2006/relationships" r:dm="rId4" r:lo="rId5" r:qs="rId6" r:cs="rId7"/>
+          </a:graphicData>
+        </a:graphic>
+      </p:graphicFrame>
+    </p:spTree>
+    <p:extLst>
+      <p:ext uri="{BB962C8B-B14F-4D97-AF65-F5344CB8AC3E}">
+        <p14:creationId xmlns:p14="http://schemas.microsoft.com/office/powerpoint/2010/main" val="1447331673"/>
+      </p:ext>
+    </p:extLst>
+  </p:cSld>
+  <p:clrMapOvr>
+    <a:masterClrMapping/>
+  </p:clrMapOvr>
+</p:sld>
+</file>
+
+<file path=ppt/slides/slide7.xml><?xml version="1.0" encoding="utf-8"?>
+<p:sld xmlns:a="http://schemas.openxmlformats.org/drawingml/2006/main" xmlns:r="http://schemas.openxmlformats.org/officeDocument/2006/relationships" xmlns:p="http://schemas.openxmlformats.org/presentationml/2006/main">
+  <p:cSld>
+    <p:spTree>
+      <p:nvGrpSpPr>
+        <p:cNvPr id="1" name=""/>
+        <p:cNvGrpSpPr/>
+        <p:nvPr/>
+      </p:nvGrpSpPr>
+      <p:grpSpPr>
+        <a:xfrm>
+          <a:off x="0" y="0"/>
+          <a:ext cx="0" cy="0"/>
+          <a:chOff x="0" y="0"/>
+          <a:chExt cx="0" cy="0"/>
+        </a:xfrm>
+      </p:grpSpPr>
+      <p:sp>
+        <p:nvSpPr>
+          <p:cNvPr id="19" name="Titel 1">
+            <a:extLst>
+              <a:ext uri="{FF2B5EF4-FFF2-40B4-BE49-F238E27FC236}">
+                <a16:creationId xmlns:a16="http://schemas.microsoft.com/office/drawing/2014/main" id="{15EF9DEF-CDD6-4B9E-72F4-784E63048E9B}"/>
+              </a:ext>
+            </a:extLst>
+          </p:cNvPr>
+          <p:cNvSpPr>
+            <a:spLocks noGrp="1"/>
+          </p:cNvSpPr>
+          <p:nvPr>
+            <p:ph type="title"/>
+          </p:nvPr>
+        </p:nvSpPr>
+        <p:spPr>
+          <a:xfrm>
+            <a:off x="669036" y="662482"/>
+            <a:ext cx="10684764" cy="1325563"/>
+          </a:xfrm>
+        </p:spPr>
+        <p:txBody>
+          <a:bodyPr/>
+          <a:lstStyle/>
+          <a:p>
+            <a:r>
+              <a:rPr lang="en-US" b="1" i="0" dirty="0">
+                <a:effectLst/>
+                <a:latin typeface="Calibri" panose="020F0502020204030204" pitchFamily="34" charset="0"/>
+                <a:cs typeface="Calibri" panose="020F0502020204030204" pitchFamily="34" charset="0"/>
+              </a:rPr>
+              <a:t>Current AI regulations in the EU</a:t>
+            </a:r>
+            <a:endParaRPr lang="nl-NL" dirty="0">
+              <a:latin typeface="Calibri" panose="020F0502020204030204" pitchFamily="34" charset="0"/>
+              <a:cs typeface="Calibri" panose="020F0502020204030204" pitchFamily="34" charset="0"/>
+            </a:endParaRPr>
+          </a:p>
+        </p:txBody>
+      </p:sp>
+      <p:sp>
+        <p:nvSpPr>
+          <p:cNvPr id="20" name="Tijdelijke aanduiding voor inhoud 2">
+            <a:extLst>
+              <a:ext uri="{FF2B5EF4-FFF2-40B4-BE49-F238E27FC236}">
+                <a16:creationId xmlns:a16="http://schemas.microsoft.com/office/drawing/2014/main" id="{85601BDC-E3AA-2362-7F2F-DAB0A65F54B9}"/>
+              </a:ext>
+            </a:extLst>
+          </p:cNvPr>
+          <p:cNvSpPr>
+            <a:spLocks noGrp="1"/>
+          </p:cNvSpPr>
+          <p:nvPr>
+            <p:ph idx="1"/>
+          </p:nvPr>
+        </p:nvSpPr>
+        <p:spPr>
+          <a:xfrm>
+            <a:off x="669036" y="1995237"/>
+            <a:ext cx="10684764" cy="1090570"/>
+          </a:xfrm>
+        </p:spPr>
+        <p:txBody>
+          <a:bodyPr/>
+          <a:lstStyle/>
+          <a:p>
+            <a:pPr>
+              <a:spcBef>
+                <a:spcPts val="1200"/>
+              </a:spcBef>
+            </a:pPr>
+            <a:r>
+              <a:rPr lang="en-US" sz="2400" dirty="0">
+                <a:latin typeface="Calibri" panose="020F0502020204030204" pitchFamily="34" charset="0"/>
+                <a:cs typeface="Calibri" panose="020F0502020204030204" pitchFamily="34" charset="0"/>
+              </a:rPr>
+              <a:t>Living guidelines on </a:t>
+            </a:r>
+            <a:r>
+              <a:rPr lang="en-US" sz="2400" b="1" dirty="0">
+                <a:latin typeface="Calibri" panose="020F0502020204030204" pitchFamily="34" charset="0"/>
+                <a:cs typeface="Calibri" panose="020F0502020204030204" pitchFamily="34" charset="0"/>
+              </a:rPr>
+              <a:t>the responsible use of generative AI </a:t>
+            </a:r>
+            <a:br>
+              <a:rPr lang="en-US" sz="2400" b="1" dirty="0">
+                <a:latin typeface="Calibri" panose="020F0502020204030204" pitchFamily="34" charset="0"/>
+                <a:cs typeface="Calibri" panose="020F0502020204030204" pitchFamily="34" charset="0"/>
+              </a:rPr>
+            </a:br>
+            <a:r>
+              <a:rPr lang="en-US" sz="2400" b="1" dirty="0">
+                <a:latin typeface="Calibri" panose="020F0502020204030204" pitchFamily="34" charset="0"/>
+                <a:cs typeface="Calibri" panose="020F0502020204030204" pitchFamily="34" charset="0"/>
+              </a:rPr>
+              <a:t>in research </a:t>
+            </a:r>
+            <a:r>
+              <a:rPr lang="en-US" sz="2400" dirty="0">
+                <a:latin typeface="Calibri" panose="020F0502020204030204" pitchFamily="34" charset="0"/>
+                <a:cs typeface="Calibri" panose="020F0502020204030204" pitchFamily="34" charset="0"/>
+              </a:rPr>
+              <a:t>by the European Commission (March 2024)</a:t>
+            </a:r>
+            <a:endParaRPr lang="en-US" sz="2400" b="0" i="0" dirty="0">
+              <a:effectLst/>
+              <a:latin typeface="Calibri" panose="020F0502020204030204" pitchFamily="34" charset="0"/>
+              <a:cs typeface="Calibri" panose="020F0502020204030204" pitchFamily="34" charset="0"/>
+            </a:endParaRPr>
+          </a:p>
+          <a:p>
+            <a:pPr lvl="1"/>
+            <a:endParaRPr lang="en-US" dirty="0">
+              <a:latin typeface="Calibri" panose="020F0502020204030204" pitchFamily="34" charset="0"/>
+              <a:cs typeface="Calibri" panose="020F0502020204030204" pitchFamily="34" charset="0"/>
+            </a:endParaRPr>
+          </a:p>
+          <a:p>
+            <a:endParaRPr lang="nl-NL" dirty="0">
+              <a:latin typeface="Calibri" panose="020F0502020204030204" pitchFamily="34" charset="0"/>
+              <a:cs typeface="Calibri" panose="020F0502020204030204" pitchFamily="34" charset="0"/>
+            </a:endParaRPr>
+          </a:p>
+        </p:txBody>
+      </p:sp>
+      <p:pic>
+        <p:nvPicPr>
+          <p:cNvPr id="21" name="Afbeelding 20">
+            <a:extLst>
+              <a:ext uri="{FF2B5EF4-FFF2-40B4-BE49-F238E27FC236}">
+                <a16:creationId xmlns:a16="http://schemas.microsoft.com/office/drawing/2014/main" id="{05F4C1F3-9137-226C-3E8F-598FBD772413}"/>
+              </a:ext>
+            </a:extLst>
+          </p:cNvPr>
+          <p:cNvPicPr>
+            <a:picLocks noChangeAspect="1"/>
+          </p:cNvPicPr>
+          <p:nvPr/>
+        </p:nvPicPr>
+        <p:blipFill>
+          <a:blip r:embed="rId3"/>
+          <a:stretch>
+            <a:fillRect/>
+          </a:stretch>
+        </p:blipFill>
+        <p:spPr>
+          <a:xfrm>
+            <a:off x="8432951" y="0"/>
+            <a:ext cx="3759049" cy="5305413"/>
+          </a:xfrm>
+          <a:prstGeom prst="rect">
+            <a:avLst/>
+          </a:prstGeom>
+        </p:spPr>
+      </p:pic>
+      <p:graphicFrame>
+        <p:nvGraphicFramePr>
+          <p:cNvPr id="23" name="Tijdelijke aanduiding voor inhoud 2">
+            <a:extLst>
+              <a:ext uri="{FF2B5EF4-FFF2-40B4-BE49-F238E27FC236}">
+                <a16:creationId xmlns:a16="http://schemas.microsoft.com/office/drawing/2014/main" id="{53C17F1A-B83B-CE45-2CCD-39610C86EA4E}"/>
+              </a:ext>
+            </a:extLst>
+          </p:cNvPr>
+          <p:cNvGraphicFramePr/>
+          <p:nvPr>
+            <p:extLst>
+              <p:ext uri="{D42A27DB-BD31-4B8C-83A1-F6EECF244321}">
+                <p14:modId xmlns:p14="http://schemas.microsoft.com/office/powerpoint/2010/main" val="3778041226"/>
+              </p:ext>
+            </p:extLst>
+          </p:nvPr>
+        </p:nvGraphicFramePr>
+        <p:xfrm>
+          <a:off x="669035" y="2640088"/>
+          <a:ext cx="7843593" cy="4036584"/>
+        </p:xfrm>
+        <a:graphic>
+          <a:graphicData uri="http://schemas.openxmlformats.org/drawingml/2006/diagram">
+            <dgm:relIds xmlns:dgm="http://schemas.openxmlformats.org/drawingml/2006/diagram" xmlns:r="http://schemas.openxmlformats.org/officeDocument/2006/relationships" r:dm="rId4" r:lo="rId5" r:qs="rId6" r:cs="rId7"/>
+          </a:graphicData>
+        </a:graphic>
+      </p:graphicFrame>
+    </p:spTree>
+    <p:extLst>
+      <p:ext uri="{BB962C8B-B14F-4D97-AF65-F5344CB8AC3E}">
+        <p14:creationId xmlns:p14="http://schemas.microsoft.com/office/powerpoint/2010/main" val="1598121060"/>
+      </p:ext>
+    </p:extLst>
+  </p:cSld>
+  <p:clrMapOvr>
+    <a:masterClrMapping/>
+  </p:clrMapOvr>
+  <p:timing>
+    <p:tnLst>
+      <p:par>
+        <p:cTn id="1" dur="indefinite" restart="never" nodeType="tmRoot">
+          <p:childTnLst>
+            <p:seq concurrent="1" nextAc="seek">
+              <p:cTn id="2" dur="indefinite" nodeType="mainSeq">
+                <p:childTnLst>
+                  <p:par>
+                    <p:cTn id="3" fill="hold">
+                      <p:stCondLst>
+                        <p:cond delay="indefinite"/>
+                      </p:stCondLst>
+                      <p:childTnLst>
+                        <p:par>
+                          <p:cTn id="4" fill="hold">
+                            <p:stCondLst>
+                              <p:cond delay="0"/>
+                            </p:stCondLst>
+                            <p:childTnLst>
+                              <p:par>
+                                <p:cTn id="5" presetID="1" presetClass="entr" presetSubtype="0" fill="hold" grpId="0" nodeType="clickEffect">
+                                  <p:stCondLst>
+                                    <p:cond delay="0"/>
+                                  </p:stCondLst>
+                                  <p:childTnLst>
+                                    <p:set>
+                                      <p:cBhvr>
+                                        <p:cTn id="6" dur="1" fill="hold">
+                                          <p:stCondLst>
+                                            <p:cond delay="0"/>
+                                          </p:stCondLst>
+                                        </p:cTn>
+                                        <p:tgtEl>
+                                          <p:spTgt spid="23"/>
+                                        </p:tgtEl>
+                                        <p:attrNameLst>
+                                          <p:attrName>style.visibility</p:attrName>
+                                        </p:attrNameLst>
+                                      </p:cBhvr>
+                                      <p:to>
+                                        <p:strVal val="visible"/>
+                                      </p:to>
+                                    </p:set>
+                                  </p:childTnLst>
+                                </p:cTn>
+                              </p:par>
+                            </p:childTnLst>
+                          </p:cTn>
+                        </p:par>
+                      </p:childTnLst>
+                    </p:cTn>
+                  </p:par>
+                </p:childTnLst>
+              </p:cTn>
+              <p:prevCondLst>
+                <p:cond evt="onPrev" delay="0">
+                  <p:tgtEl>
+                    <p:sldTgt/>
+                  </p:tgtEl>
+                </p:cond>
+              </p:prevCondLst>
+              <p:nextCondLst>
+                <p:cond evt="onNext" delay="0">
+                  <p:tgtEl>
+                    <p:sldTgt/>
+                  </p:tgtEl>
+                </p:cond>
+              </p:nextCondLst>
+            </p:seq>
+          </p:childTnLst>
+        </p:cTn>
+      </p:par>
+    </p:tnLst>
+    <p:bldLst>
+      <p:bldGraphic spid="23" grpId="0">
+        <p:bldAsOne/>
+      </p:bldGraphic>
+    </p:bldLst>
+  </p:timing>
+</p:sld>
+</file>
+
+<file path=ppt/slides/slide8.xml><?xml version="1.0" encoding="utf-8"?>
+<p:sld xmlns:a="http://schemas.openxmlformats.org/drawingml/2006/main" xmlns:r="http://schemas.openxmlformats.org/officeDocument/2006/relationships" xmlns:p="http://schemas.openxmlformats.org/presentationml/2006/main">
+  <p:cSld>
+    <p:spTree>
+      <p:nvGrpSpPr>
+        <p:cNvPr id="1" name=""/>
+        <p:cNvGrpSpPr/>
+        <p:nvPr/>
+      </p:nvGrpSpPr>
+      <p:grpSpPr>
+        <a:xfrm>
+          <a:off x="0" y="0"/>
+          <a:ext cx="0" cy="0"/>
+          <a:chOff x="0" y="0"/>
+          <a:chExt cx="0" cy="0"/>
+        </a:xfrm>
+      </p:grpSpPr>
+      <p:sp>
+        <p:nvSpPr>
+          <p:cNvPr id="2" name="Title 1">
+            <a:extLst>
+              <a:ext uri="{FF2B5EF4-FFF2-40B4-BE49-F238E27FC236}">
+                <a16:creationId xmlns:a16="http://schemas.microsoft.com/office/drawing/2014/main" id="{1294FEDA-CE1F-9009-C570-B9CC00123EC5}"/>
+              </a:ext>
+            </a:extLst>
+          </p:cNvPr>
+          <p:cNvSpPr>
+            <a:spLocks noGrp="1"/>
+          </p:cNvSpPr>
+          <p:nvPr>
+            <p:ph type="title"/>
+          </p:nvPr>
+        </p:nvSpPr>
+        <p:spPr/>
+        <p:txBody>
+          <a:bodyPr/>
+          <a:lstStyle/>
+          <a:p>
+            <a:r>
+              <a:rPr lang="en-NL" dirty="0"/>
+              <a:t>Data security</a:t>
+            </a:r>
+          </a:p>
+        </p:txBody>
+      </p:sp>
+      <p:sp>
+        <p:nvSpPr>
+          <p:cNvPr id="3" name="Content Placeholder 2">
+            <a:extLst>
+              <a:ext uri="{FF2B5EF4-FFF2-40B4-BE49-F238E27FC236}">
+                <a16:creationId xmlns:a16="http://schemas.microsoft.com/office/drawing/2014/main" id="{495775B5-487E-B1D4-F639-E082594AA0BF}"/>
+              </a:ext>
+            </a:extLst>
+          </p:cNvPr>
+          <p:cNvSpPr>
+            <a:spLocks noGrp="1"/>
+          </p:cNvSpPr>
+          <p:nvPr>
+            <p:ph idx="1"/>
+          </p:nvPr>
+        </p:nvSpPr>
+        <p:spPr>
+          <a:xfrm>
+            <a:off x="1139252" y="1690688"/>
+            <a:ext cx="10214548" cy="4351338"/>
+          </a:xfrm>
+        </p:spPr>
+        <p:txBody>
+          <a:bodyPr/>
+          <a:lstStyle/>
+          <a:p>
+            <a:r>
+              <a:rPr lang="en-US" sz="2400" dirty="0">
+                <a:latin typeface="Calibri" panose="020F0502020204030204" pitchFamily="34" charset="0"/>
+                <a:cs typeface="Calibri" panose="020F0502020204030204" pitchFamily="34" charset="0"/>
+              </a:rPr>
+              <a:t>R</a:t>
+            </a:r>
+            <a:r>
+              <a:rPr lang="en-US" sz="2400" b="0" i="0" dirty="0">
+                <a:effectLst/>
+                <a:latin typeface="Calibri" panose="020F0502020204030204" pitchFamily="34" charset="0"/>
+                <a:cs typeface="Calibri" panose="020F0502020204030204" pitchFamily="34" charset="0"/>
+              </a:rPr>
+              <a:t>andom and systematic errors can undermine reliability</a:t>
+            </a:r>
+          </a:p>
+          <a:p>
+            <a:pPr lvl="1">
+              <a:buFont typeface="Wingdings" pitchFamily="2" charset="2"/>
+              <a:buChar char="à"/>
+            </a:pPr>
+            <a:r>
+              <a:rPr lang="en-US" sz="2000" b="0" i="0" dirty="0">
+                <a:effectLst/>
+                <a:latin typeface="Calibri" panose="020F0502020204030204" pitchFamily="34" charset="0"/>
+                <a:cs typeface="Calibri" panose="020F0502020204030204" pitchFamily="34" charset="0"/>
+              </a:rPr>
+              <a:t>GitHub Copilot generated correct code only 46.3 percent of the time</a:t>
+            </a:r>
+          </a:p>
+          <a:p>
+            <a:pPr lvl="1">
+              <a:buFont typeface="Wingdings" pitchFamily="2" charset="2"/>
+              <a:buChar char="à"/>
+            </a:pPr>
+            <a:endParaRPr lang="en-US" sz="2000" dirty="0">
+              <a:latin typeface="Calibri" panose="020F0502020204030204" pitchFamily="34" charset="0"/>
+              <a:cs typeface="Calibri" panose="020F0502020204030204" pitchFamily="34" charset="0"/>
+            </a:endParaRPr>
+          </a:p>
+          <a:p>
+            <a:pPr lvl="1">
+              <a:buFont typeface="Wingdings" pitchFamily="2" charset="2"/>
+              <a:buChar char="à"/>
+            </a:pPr>
+            <a:endParaRPr lang="en-US" sz="2000" b="0" i="0" dirty="0">
+              <a:effectLst/>
+              <a:latin typeface="Calibri" panose="020F0502020204030204" pitchFamily="34" charset="0"/>
+              <a:cs typeface="Calibri" panose="020F0502020204030204" pitchFamily="34" charset="0"/>
+            </a:endParaRPr>
+          </a:p>
+          <a:p>
+            <a:pPr marL="0" indent="0">
+              <a:buNone/>
+            </a:pPr>
+            <a:endParaRPr lang="en-US" sz="2400" b="0" i="0" dirty="0">
+              <a:effectLst/>
+              <a:latin typeface="Calibri" panose="020F0502020204030204" pitchFamily="34" charset="0"/>
+              <a:cs typeface="Calibri" panose="020F0502020204030204" pitchFamily="34" charset="0"/>
+            </a:endParaRPr>
+          </a:p>
+          <a:p>
+            <a:r>
+              <a:rPr lang="en-US" sz="2400" i="0" dirty="0">
+                <a:effectLst/>
+                <a:latin typeface="Calibri" panose="020F0502020204030204" pitchFamily="34" charset="0"/>
+                <a:cs typeface="Calibri" panose="020F0502020204030204" pitchFamily="34" charset="0"/>
+              </a:rPr>
+              <a:t>Intellectual property issues</a:t>
+            </a:r>
+          </a:p>
+          <a:p>
+            <a:pPr lvl="1"/>
+            <a:r>
+              <a:rPr lang="en-US" sz="2000" dirty="0">
+                <a:latin typeface="Calibri" panose="020F0502020204030204" pitchFamily="34" charset="0"/>
+                <a:cs typeface="Calibri" panose="020F0502020204030204" pitchFamily="34" charset="0"/>
+              </a:rPr>
+              <a:t>B</a:t>
+            </a:r>
+            <a:r>
+              <a:rPr lang="en-US" sz="2000" b="0" i="0" dirty="0">
+                <a:effectLst/>
+                <a:latin typeface="Calibri" panose="020F0502020204030204" pitchFamily="34" charset="0"/>
+                <a:cs typeface="Calibri" panose="020F0502020204030204" pitchFamily="34" charset="0"/>
+              </a:rPr>
+              <a:t>lurred boundaries of authorship and ownership </a:t>
+            </a:r>
+            <a:r>
+              <a:rPr lang="en-US" sz="2000" b="0" i="0" dirty="0">
+                <a:effectLst/>
+                <a:latin typeface="Calibri" panose="020F0502020204030204" pitchFamily="34" charset="0"/>
+                <a:cs typeface="Calibri" panose="020F0502020204030204" pitchFamily="34" charset="0"/>
+                <a:sym typeface="Wingdings" pitchFamily="2" charset="2"/>
+              </a:rPr>
+              <a:t> </a:t>
+            </a:r>
+            <a:r>
+              <a:rPr lang="en-US" sz="2000" dirty="0">
+                <a:latin typeface="Calibri" panose="020F0502020204030204" pitchFamily="34" charset="0"/>
+                <a:cs typeface="Calibri" panose="020F0502020204030204" pitchFamily="34" charset="0"/>
+              </a:rPr>
+              <a:t>no clear-cut answers</a:t>
+            </a:r>
+          </a:p>
+          <a:p>
+            <a:pPr lvl="1"/>
+            <a:endParaRPr lang="en-US" sz="2000" dirty="0">
+              <a:latin typeface="Calibri" panose="020F0502020204030204" pitchFamily="34" charset="0"/>
+              <a:cs typeface="Calibri" panose="020F0502020204030204" pitchFamily="34" charset="0"/>
+            </a:endParaRPr>
+          </a:p>
+          <a:p>
+            <a:endParaRPr lang="en-NL" sz="2400" dirty="0">
+              <a:latin typeface="Calibri" panose="020F0502020204030204" pitchFamily="34" charset="0"/>
+              <a:cs typeface="Calibri" panose="020F0502020204030204" pitchFamily="34" charset="0"/>
+            </a:endParaRPr>
+          </a:p>
+        </p:txBody>
+      </p:sp>
+      <p:sp>
+        <p:nvSpPr>
+          <p:cNvPr id="5" name="TextBox 4">
+            <a:extLst>
+              <a:ext uri="{FF2B5EF4-FFF2-40B4-BE49-F238E27FC236}">
+                <a16:creationId xmlns:a16="http://schemas.microsoft.com/office/drawing/2014/main" id="{CF65336D-B507-B282-C2DB-B93C1BDDFD2E}"/>
+              </a:ext>
+            </a:extLst>
+          </p:cNvPr>
+          <p:cNvSpPr txBox="1"/>
+          <p:nvPr/>
+        </p:nvSpPr>
+        <p:spPr>
+          <a:xfrm>
+            <a:off x="1841500" y="2693085"/>
+            <a:ext cx="6096000" cy="646331"/>
+          </a:xfrm>
+          <a:prstGeom prst="rect">
+            <a:avLst/>
+          </a:prstGeom>
+        </p:spPr>
+        <p:style>
+          <a:lnRef idx="2">
+            <a:schemeClr val="accent1"/>
+          </a:lnRef>
+          <a:fillRef idx="1">
+            <a:schemeClr val="lt1"/>
+          </a:fillRef>
+          <a:effectRef idx="0">
+            <a:schemeClr val="accent1"/>
+          </a:effectRef>
+          <a:fontRef idx="minor">
+            <a:schemeClr val="dk1"/>
+          </a:fontRef>
+        </p:style>
+        <p:txBody>
+          <a:bodyPr wrap="square">
+            <a:spAutoFit/>
+          </a:bodyPr>
+          <a:lstStyle/>
+          <a:p>
+            <a:pPr algn="l"/>
+            <a:r>
+              <a:rPr lang="en-US" sz="1800" b="1" i="0" dirty="0">
+                <a:effectLst/>
+                <a:latin typeface="Mulish"/>
+              </a:rPr>
+              <a:t>Code review processes</a:t>
+            </a:r>
+            <a:r>
+              <a:rPr lang="en-US" sz="1800" b="0" i="0" dirty="0">
+                <a:effectLst/>
+                <a:latin typeface="Mulish"/>
+              </a:rPr>
+              <a:t> to evaluate AI-generated code for potential vulnerabilities and errors. </a:t>
+            </a:r>
+          </a:p>
+        </p:txBody>
+      </p:sp>
+      <p:sp>
+        <p:nvSpPr>
+          <p:cNvPr id="6" name="TextBox 5">
+            <a:extLst>
+              <a:ext uri="{FF2B5EF4-FFF2-40B4-BE49-F238E27FC236}">
+                <a16:creationId xmlns:a16="http://schemas.microsoft.com/office/drawing/2014/main" id="{D0E26276-2013-58AA-585F-DDBDCF8A973D}"/>
+              </a:ext>
+            </a:extLst>
+          </p:cNvPr>
+          <p:cNvSpPr txBox="1"/>
+          <p:nvPr/>
+        </p:nvSpPr>
+        <p:spPr>
+          <a:xfrm>
+            <a:off x="1854200" y="4797980"/>
+            <a:ext cx="6096000" cy="369332"/>
+          </a:xfrm>
+          <a:prstGeom prst="rect">
+            <a:avLst/>
+          </a:prstGeom>
+        </p:spPr>
+        <p:style>
+          <a:lnRef idx="2">
+            <a:schemeClr val="accent1"/>
+          </a:lnRef>
+          <a:fillRef idx="1">
+            <a:schemeClr val="lt1"/>
+          </a:fillRef>
+          <a:effectRef idx="0">
+            <a:schemeClr val="accent1"/>
+          </a:effectRef>
+          <a:fontRef idx="minor">
+            <a:schemeClr val="dk1"/>
+          </a:fontRef>
+        </p:style>
+        <p:txBody>
+          <a:bodyPr wrap="square">
+            <a:spAutoFit/>
+          </a:bodyPr>
+          <a:lstStyle/>
+          <a:p>
+            <a:r>
+              <a:rPr lang="en-US" dirty="0">
+                <a:latin typeface="Calibri" panose="020F0502020204030204" pitchFamily="34" charset="0"/>
+                <a:cs typeface="Calibri" panose="020F0502020204030204" pitchFamily="34" charset="0"/>
+              </a:rPr>
+              <a:t>Do not enter copyrighted materials </a:t>
+            </a:r>
+          </a:p>
+        </p:txBody>
+      </p:sp>
+    </p:spTree>
+    <p:extLst>
+      <p:ext uri="{BB962C8B-B14F-4D97-AF65-F5344CB8AC3E}">
+        <p14:creationId xmlns:p14="http://schemas.microsoft.com/office/powerpoint/2010/main" val="398656042"/>
+      </p:ext>
+    </p:extLst>
+  </p:cSld>
+  <p:clrMapOvr>
+    <a:masterClrMapping/>
+  </p:clrMapOvr>
+</p:sld>
+</file>
+
+<file path=ppt/slides/slide9.xml><?xml version="1.0" encoding="utf-8"?>
 <p:sld xmlns:a="http://schemas.openxmlformats.org/drawingml/2006/main" xmlns:r="http://schemas.openxmlformats.org/officeDocument/2006/relationships" xmlns:p="http://schemas.openxmlformats.org/presentationml/2006/main">
   <p:cSld>
     <p:spTree>
@@ -16852,3007 +19905,6 @@
     <p:extLst>
       <p:ext uri="{BB962C8B-B14F-4D97-AF65-F5344CB8AC3E}">
         <p14:creationId xmlns:p14="http://schemas.microsoft.com/office/powerpoint/2010/main" val="1320438759"/>
-      </p:ext>
-    </p:extLst>
-  </p:cSld>
-  <p:clrMapOvr>
-    <a:masterClrMapping/>
-  </p:clrMapOvr>
-</p:sld>
-</file>
-
-<file path=ppt/slides/slide11.xml><?xml version="1.0" encoding="utf-8"?>
-<p:sld xmlns:a="http://schemas.openxmlformats.org/drawingml/2006/main" xmlns:r="http://schemas.openxmlformats.org/officeDocument/2006/relationships" xmlns:p="http://schemas.openxmlformats.org/presentationml/2006/main">
-  <p:cSld>
-    <p:spTree>
-      <p:nvGrpSpPr>
-        <p:cNvPr id="1" name=""/>
-        <p:cNvGrpSpPr/>
-        <p:nvPr/>
-      </p:nvGrpSpPr>
-      <p:grpSpPr>
-        <a:xfrm>
-          <a:off x="0" y="0"/>
-          <a:ext cx="0" cy="0"/>
-          <a:chOff x="0" y="0"/>
-          <a:chExt cx="0" cy="0"/>
-        </a:xfrm>
-      </p:grpSpPr>
-      <p:sp>
-        <p:nvSpPr>
-          <p:cNvPr id="2" name="Title 1">
-            <a:extLst>
-              <a:ext uri="{FF2B5EF4-FFF2-40B4-BE49-F238E27FC236}">
-                <a16:creationId xmlns:a16="http://schemas.microsoft.com/office/drawing/2014/main" id="{4DF9EAD2-A125-1101-C650-89CECB457ED1}"/>
-              </a:ext>
-            </a:extLst>
-          </p:cNvPr>
-          <p:cNvSpPr>
-            <a:spLocks noGrp="1"/>
-          </p:cNvSpPr>
-          <p:nvPr>
-            <p:ph type="title"/>
-          </p:nvPr>
-        </p:nvSpPr>
-        <p:spPr/>
-        <p:txBody>
-          <a:bodyPr/>
-          <a:lstStyle/>
-          <a:p>
-            <a:r>
-              <a:rPr lang="en-US" i="0" dirty="0">
-                <a:effectLst/>
-                <a:latin typeface="Calibri" panose="020F0502020204030204" pitchFamily="34" charset="0"/>
-                <a:cs typeface="Calibri" panose="020F0502020204030204" pitchFamily="34" charset="0"/>
-              </a:rPr>
-              <a:t>Security measures</a:t>
-            </a:r>
-            <a:endParaRPr lang="en-NL" dirty="0">
-              <a:latin typeface="Calibri" panose="020F0502020204030204" pitchFamily="34" charset="0"/>
-              <a:cs typeface="Calibri" panose="020F0502020204030204" pitchFamily="34" charset="0"/>
-            </a:endParaRPr>
-          </a:p>
-        </p:txBody>
-      </p:sp>
-      <p:sp>
-        <p:nvSpPr>
-          <p:cNvPr id="3" name="Content Placeholder 2">
-            <a:extLst>
-              <a:ext uri="{FF2B5EF4-FFF2-40B4-BE49-F238E27FC236}">
-                <a16:creationId xmlns:a16="http://schemas.microsoft.com/office/drawing/2014/main" id="{3ABDCE8F-564C-D314-6A94-2B1C690A2813}"/>
-              </a:ext>
-            </a:extLst>
-          </p:cNvPr>
-          <p:cNvSpPr>
-            <a:spLocks noGrp="1"/>
-          </p:cNvSpPr>
-          <p:nvPr>
-            <p:ph idx="1"/>
-          </p:nvPr>
-        </p:nvSpPr>
-        <p:spPr>
-          <a:xfrm>
-            <a:off x="1079292" y="1735685"/>
-            <a:ext cx="10274508" cy="4351338"/>
-          </a:xfrm>
-        </p:spPr>
-        <p:txBody>
-          <a:bodyPr/>
-          <a:lstStyle/>
-          <a:p>
-            <a:pPr algn="l">
-              <a:buFont typeface="Arial" panose="020B0604020202020204" pitchFamily="34" charset="0"/>
-              <a:buChar char="•"/>
-            </a:pPr>
-            <a:r>
-              <a:rPr lang="en-US" sz="2400" b="1" i="0" dirty="0">
-                <a:effectLst/>
-                <a:latin typeface="Mulish"/>
-              </a:rPr>
-              <a:t>Access controls and data encryption</a:t>
-            </a:r>
-            <a:r>
-              <a:rPr lang="en-US" sz="2400" b="0" i="0" dirty="0">
-                <a:effectLst/>
-                <a:latin typeface="Mulish"/>
-              </a:rPr>
-              <a:t> to protect sensitive code bases </a:t>
-            </a:r>
-          </a:p>
-          <a:p>
-            <a:pPr lvl="1"/>
-            <a:r>
-              <a:rPr lang="en-US" sz="1800" dirty="0">
-                <a:latin typeface="Mulish"/>
-              </a:rPr>
-              <a:t>P</a:t>
-            </a:r>
-            <a:r>
-              <a:rPr lang="en-US" sz="1800" b="0" i="0" dirty="0">
-                <a:effectLst/>
-                <a:latin typeface="Mulish"/>
-              </a:rPr>
-              <a:t>revents unauthorized access </a:t>
-            </a:r>
-            <a:r>
-              <a:rPr lang="en-US" sz="1800" b="0" i="0" dirty="0">
-                <a:effectLst/>
-                <a:latin typeface="Mulish"/>
-                <a:sym typeface="Wingdings" pitchFamily="2" charset="2"/>
-              </a:rPr>
-              <a:t></a:t>
-            </a:r>
-            <a:r>
-              <a:rPr lang="en-US" sz="1800" b="0" i="0" dirty="0">
-                <a:effectLst/>
-                <a:latin typeface="Mulish"/>
-              </a:rPr>
-              <a:t> reducing the risk of data breaches or malicious tampering.</a:t>
-            </a:r>
-          </a:p>
-          <a:p>
-            <a:pPr lvl="1"/>
-            <a:endParaRPr lang="en-US" sz="1800" b="0" i="0" dirty="0">
-              <a:effectLst/>
-              <a:latin typeface="Mulish"/>
-            </a:endParaRPr>
-          </a:p>
-          <a:p>
-            <a:pPr algn="l">
-              <a:buFont typeface="Arial" panose="020B0604020202020204" pitchFamily="34" charset="0"/>
-              <a:buChar char="•"/>
-            </a:pPr>
-            <a:r>
-              <a:rPr lang="en-US" sz="2400" i="0" dirty="0">
-                <a:effectLst/>
-                <a:latin typeface="Mulish"/>
-              </a:rPr>
-              <a:t>Continuous monitoring and updates</a:t>
-            </a:r>
-          </a:p>
-          <a:p>
-            <a:pPr lvl="1"/>
-            <a:r>
-              <a:rPr lang="en-US" sz="1800" b="0" i="0" dirty="0">
-                <a:effectLst/>
-                <a:latin typeface="Mulish"/>
-              </a:rPr>
-              <a:t>Automate updates and ensure that the latest security practices are consistently applied </a:t>
-            </a:r>
-            <a:r>
-              <a:rPr lang="en-US" sz="1800" b="0" i="0" dirty="0">
-                <a:effectLst/>
-                <a:latin typeface="Mulish"/>
-                <a:sym typeface="Wingdings" pitchFamily="2" charset="2"/>
-              </a:rPr>
-              <a:t> minimize the introduction of vulnerabilities</a:t>
-            </a:r>
-          </a:p>
-          <a:p>
-            <a:pPr lvl="1"/>
-            <a:endParaRPr lang="en-US" sz="1800" b="0" i="0" dirty="0">
-              <a:effectLst/>
-              <a:latin typeface="Mulish"/>
-            </a:endParaRPr>
-          </a:p>
-          <a:p>
-            <a:pPr algn="l">
-              <a:buFont typeface="Arial" panose="020B0604020202020204" pitchFamily="34" charset="0"/>
-              <a:buChar char="•"/>
-            </a:pPr>
-            <a:r>
-              <a:rPr lang="en-US" sz="2400" i="0" dirty="0">
-                <a:effectLst/>
-                <a:latin typeface="Mulish"/>
-              </a:rPr>
-              <a:t>Collaborative Oversight</a:t>
-            </a:r>
-          </a:p>
-          <a:p>
-            <a:pPr lvl="1"/>
-            <a:r>
-              <a:rPr lang="en-US" sz="1800" dirty="0">
-                <a:latin typeface="Mulish"/>
-              </a:rPr>
-              <a:t>R</a:t>
-            </a:r>
-            <a:r>
-              <a:rPr lang="en-US" sz="1800" b="0" i="0" dirty="0">
-                <a:effectLst/>
-                <a:latin typeface="Mulish"/>
-              </a:rPr>
-              <a:t>egular code reviews can promote collective responsibility, enhancing code quality through diverse perspectives</a:t>
-            </a:r>
-          </a:p>
-          <a:p>
-            <a:endParaRPr lang="en-NL" sz="2000" dirty="0"/>
-          </a:p>
-        </p:txBody>
-      </p:sp>
-    </p:spTree>
-    <p:extLst>
-      <p:ext uri="{BB962C8B-B14F-4D97-AF65-F5344CB8AC3E}">
-        <p14:creationId xmlns:p14="http://schemas.microsoft.com/office/powerpoint/2010/main" val="2416683460"/>
-      </p:ext>
-    </p:extLst>
-  </p:cSld>
-  <p:clrMapOvr>
-    <a:masterClrMapping/>
-  </p:clrMapOvr>
-</p:sld>
-</file>
-
-<file path=ppt/slides/slide12.xml><?xml version="1.0" encoding="utf-8"?>
-<p:sld xmlns:a="http://schemas.openxmlformats.org/drawingml/2006/main" xmlns:r="http://schemas.openxmlformats.org/officeDocument/2006/relationships" xmlns:p="http://schemas.openxmlformats.org/presentationml/2006/main">
-  <p:cSld>
-    <p:spTree>
-      <p:nvGrpSpPr>
-        <p:cNvPr id="1" name=""/>
-        <p:cNvGrpSpPr/>
-        <p:nvPr/>
-      </p:nvGrpSpPr>
-      <p:grpSpPr>
-        <a:xfrm>
-          <a:off x="0" y="0"/>
-          <a:ext cx="0" cy="0"/>
-          <a:chOff x="0" y="0"/>
-          <a:chExt cx="0" cy="0"/>
-        </a:xfrm>
-      </p:grpSpPr>
-      <p:sp>
-        <p:nvSpPr>
-          <p:cNvPr id="2" name="Title 1">
-            <a:extLst>
-              <a:ext uri="{FF2B5EF4-FFF2-40B4-BE49-F238E27FC236}">
-                <a16:creationId xmlns:a16="http://schemas.microsoft.com/office/drawing/2014/main" id="{DA6A6E9D-6221-8E4A-BEBE-1EE9A2015982}"/>
-              </a:ext>
-            </a:extLst>
-          </p:cNvPr>
-          <p:cNvSpPr>
-            <a:spLocks noGrp="1"/>
-          </p:cNvSpPr>
-          <p:nvPr>
-            <p:ph type="title"/>
-          </p:nvPr>
-        </p:nvSpPr>
-        <p:spPr/>
-        <p:txBody>
-          <a:bodyPr/>
-          <a:lstStyle/>
-          <a:p>
-            <a:r>
-              <a:rPr lang="en-US" dirty="0"/>
-              <a:t>Key takeaways</a:t>
-            </a:r>
-          </a:p>
-        </p:txBody>
-      </p:sp>
-      <p:sp>
-        <p:nvSpPr>
-          <p:cNvPr id="3" name="Content Placeholder 2">
-            <a:extLst>
-              <a:ext uri="{FF2B5EF4-FFF2-40B4-BE49-F238E27FC236}">
-                <a16:creationId xmlns:a16="http://schemas.microsoft.com/office/drawing/2014/main" id="{684F6158-DC56-2742-9B0B-28B0612BD6B7}"/>
-              </a:ext>
-            </a:extLst>
-          </p:cNvPr>
-          <p:cNvSpPr>
-            <a:spLocks noGrp="1"/>
-          </p:cNvSpPr>
-          <p:nvPr>
-            <p:ph idx="1"/>
-          </p:nvPr>
-        </p:nvSpPr>
-        <p:spPr>
-          <a:xfrm>
-            <a:off x="1079292" y="1825625"/>
-            <a:ext cx="10274508" cy="4351338"/>
-          </a:xfrm>
-        </p:spPr>
-        <p:txBody>
-          <a:bodyPr/>
-          <a:lstStyle/>
-          <a:p>
-            <a:r>
-              <a:rPr lang="en-US" sz="2400" dirty="0">
-                <a:latin typeface="Calibri" panose="020F0502020204030204" pitchFamily="34" charset="0"/>
-                <a:cs typeface="Calibri" panose="020F0502020204030204" pitchFamily="34" charset="0"/>
-              </a:rPr>
-              <a:t>Code generation and optimization using Chat, Command, and Autocomplete functions of </a:t>
-            </a:r>
-            <a:r>
-              <a:rPr lang="en-US" sz="2400" dirty="0" err="1">
-                <a:latin typeface="Calibri" panose="020F0502020204030204" pitchFamily="34" charset="0"/>
-                <a:cs typeface="Calibri" panose="020F0502020204030204" pitchFamily="34" charset="0"/>
-              </a:rPr>
-              <a:t>Codeium</a:t>
-            </a:r>
-            <a:endParaRPr lang="en-US" sz="2400" dirty="0">
-              <a:latin typeface="Calibri" panose="020F0502020204030204" pitchFamily="34" charset="0"/>
-              <a:cs typeface="Calibri" panose="020F0502020204030204" pitchFamily="34" charset="0"/>
-            </a:endParaRPr>
-          </a:p>
-          <a:p>
-            <a:r>
-              <a:rPr lang="en-US" sz="2400" dirty="0">
-                <a:latin typeface="Calibri" panose="020F0502020204030204" pitchFamily="34" charset="0"/>
-                <a:cs typeface="Calibri" panose="020F0502020204030204" pitchFamily="34" charset="0"/>
-              </a:rPr>
-              <a:t>Follow best practices (e.g., always review generated code) and be cautious with sensitive data</a:t>
-            </a:r>
-          </a:p>
-          <a:p>
-            <a:r>
-              <a:rPr lang="en-US" sz="2400" dirty="0">
-                <a:latin typeface="Calibri" panose="020F0502020204030204" pitchFamily="34" charset="0"/>
-                <a:cs typeface="Calibri" panose="020F0502020204030204" pitchFamily="34" charset="0"/>
-              </a:rPr>
-              <a:t>Be aware of potential biases in AI-generated code and ensure ethical coding practices</a:t>
-            </a:r>
-          </a:p>
-          <a:p>
-            <a:r>
-              <a:rPr lang="en-US" sz="2400" b="1" dirty="0">
-                <a:latin typeface="Calibri" panose="020F0502020204030204" pitchFamily="34" charset="0"/>
-                <a:cs typeface="Calibri" panose="020F0502020204030204" pitchFamily="34" charset="0"/>
-              </a:rPr>
-              <a:t>Use AI as a tool to augment, not replace, your coding skills!</a:t>
-            </a:r>
-          </a:p>
-          <a:p>
-            <a:endParaRPr lang="en-US" sz="2400" dirty="0">
-              <a:latin typeface="Calibri" panose="020F0502020204030204" pitchFamily="34" charset="0"/>
-              <a:cs typeface="Calibri" panose="020F0502020204030204" pitchFamily="34" charset="0"/>
-            </a:endParaRPr>
-          </a:p>
-        </p:txBody>
-      </p:sp>
-      <p:sp>
-        <p:nvSpPr>
-          <p:cNvPr id="5" name="TextBox 4">
-            <a:extLst>
-              <a:ext uri="{FF2B5EF4-FFF2-40B4-BE49-F238E27FC236}">
-                <a16:creationId xmlns:a16="http://schemas.microsoft.com/office/drawing/2014/main" id="{611BDD0A-6107-BAC5-534E-A9C1C60BEFF1}"/>
-              </a:ext>
-            </a:extLst>
-          </p:cNvPr>
-          <p:cNvSpPr txBox="1"/>
-          <p:nvPr/>
-        </p:nvSpPr>
-        <p:spPr>
-          <a:xfrm>
-            <a:off x="4200993" y="5715298"/>
-            <a:ext cx="6093500" cy="461665"/>
-          </a:xfrm>
-          <a:prstGeom prst="rect">
-            <a:avLst/>
-          </a:prstGeom>
-          <a:noFill/>
-        </p:spPr>
-        <p:txBody>
-          <a:bodyPr wrap="square">
-            <a:spAutoFit/>
-          </a:bodyPr>
-          <a:lstStyle/>
-          <a:p>
-            <a:r>
-              <a:rPr lang="en-US" sz="2400" dirty="0">
-                <a:latin typeface="Calibri" panose="020F0502020204030204" pitchFamily="34" charset="0"/>
-                <a:cs typeface="Calibri" panose="020F0502020204030204" pitchFamily="34" charset="0"/>
-              </a:rPr>
-              <a:t>What are your questions?</a:t>
-            </a:r>
-          </a:p>
-        </p:txBody>
-      </p:sp>
-    </p:spTree>
-    <p:extLst>
-      <p:ext uri="{BB962C8B-B14F-4D97-AF65-F5344CB8AC3E}">
-        <p14:creationId xmlns:p14="http://schemas.microsoft.com/office/powerpoint/2010/main" val="4387399"/>
-      </p:ext>
-    </p:extLst>
-  </p:cSld>
-  <p:clrMapOvr>
-    <a:masterClrMapping/>
-  </p:clrMapOvr>
-</p:sld>
-</file>
-
-<file path=ppt/slides/slide13.xml><?xml version="1.0" encoding="utf-8"?>
-<p:sld xmlns:a="http://schemas.openxmlformats.org/drawingml/2006/main" xmlns:r="http://schemas.openxmlformats.org/officeDocument/2006/relationships" xmlns:p="http://schemas.openxmlformats.org/presentationml/2006/main" show="0">
-  <p:cSld>
-    <p:spTree>
-      <p:nvGrpSpPr>
-        <p:cNvPr id="1" name=""/>
-        <p:cNvGrpSpPr/>
-        <p:nvPr/>
-      </p:nvGrpSpPr>
-      <p:grpSpPr>
-        <a:xfrm>
-          <a:off x="0" y="0"/>
-          <a:ext cx="0" cy="0"/>
-          <a:chOff x="0" y="0"/>
-          <a:chExt cx="0" cy="0"/>
-        </a:xfrm>
-      </p:grpSpPr>
-      <p:sp>
-        <p:nvSpPr>
-          <p:cNvPr id="2" name="Title 1">
-            <a:extLst>
-              <a:ext uri="{FF2B5EF4-FFF2-40B4-BE49-F238E27FC236}">
-                <a16:creationId xmlns:a16="http://schemas.microsoft.com/office/drawing/2014/main" id="{59C6CFDB-6495-F04A-ABA1-3A7535D6D1EB}"/>
-              </a:ext>
-            </a:extLst>
-          </p:cNvPr>
-          <p:cNvSpPr>
-            <a:spLocks noGrp="1"/>
-          </p:cNvSpPr>
-          <p:nvPr>
-            <p:ph type="title"/>
-          </p:nvPr>
-        </p:nvSpPr>
-        <p:spPr/>
-        <p:txBody>
-          <a:bodyPr/>
-          <a:lstStyle/>
-          <a:p>
-            <a:r>
-              <a:rPr lang="en-US" dirty="0"/>
-              <a:t>Workshop feedback</a:t>
-            </a:r>
-          </a:p>
-        </p:txBody>
-      </p:sp>
-      <p:sp>
-        <p:nvSpPr>
-          <p:cNvPr id="3" name="Content Placeholder 2">
-            <a:extLst>
-              <a:ext uri="{FF2B5EF4-FFF2-40B4-BE49-F238E27FC236}">
-                <a16:creationId xmlns:a16="http://schemas.microsoft.com/office/drawing/2014/main" id="{91727B52-58B4-AC49-A439-DA766EBCD7B9}"/>
-              </a:ext>
-            </a:extLst>
-          </p:cNvPr>
-          <p:cNvSpPr>
-            <a:spLocks noGrp="1"/>
-          </p:cNvSpPr>
-          <p:nvPr>
-            <p:ph idx="1"/>
-          </p:nvPr>
-        </p:nvSpPr>
-        <p:spPr/>
-        <p:txBody>
-          <a:bodyPr/>
-          <a:lstStyle/>
-          <a:p>
-            <a:r>
-              <a:rPr lang="en-US" b="1" dirty="0">
-                <a:latin typeface="Calibri" panose="020F0502020204030204" pitchFamily="34" charset="0"/>
-                <a:cs typeface="Calibri" panose="020F0502020204030204" pitchFamily="34" charset="0"/>
-              </a:rPr>
-              <a:t>Survey:</a:t>
-            </a:r>
-            <a:r>
-              <a:rPr lang="en-US" dirty="0">
-                <a:latin typeface="Calibri" panose="020F0502020204030204" pitchFamily="34" charset="0"/>
-                <a:cs typeface="Calibri" panose="020F0502020204030204" pitchFamily="34" charset="0"/>
-              </a:rPr>
-              <a:t> here will be a QR code to a feedback form</a:t>
-            </a:r>
-          </a:p>
-        </p:txBody>
-      </p:sp>
-    </p:spTree>
-    <p:extLst>
-      <p:ext uri="{BB962C8B-B14F-4D97-AF65-F5344CB8AC3E}">
-        <p14:creationId xmlns:p14="http://schemas.microsoft.com/office/powerpoint/2010/main" val="2866438413"/>
-      </p:ext>
-    </p:extLst>
-  </p:cSld>
-  <p:clrMapOvr>
-    <a:masterClrMapping/>
-  </p:clrMapOvr>
-</p:sld>
-</file>
-
-<file path=ppt/slides/slide14.xml><?xml version="1.0" encoding="utf-8"?>
-<p:sld xmlns:a="http://schemas.openxmlformats.org/drawingml/2006/main" xmlns:r="http://schemas.openxmlformats.org/officeDocument/2006/relationships" xmlns:p="http://schemas.openxmlformats.org/presentationml/2006/main">
-  <p:cSld>
-    <p:spTree>
-      <p:nvGrpSpPr>
-        <p:cNvPr id="1" name=""/>
-        <p:cNvGrpSpPr/>
-        <p:nvPr/>
-      </p:nvGrpSpPr>
-      <p:grpSpPr>
-        <a:xfrm>
-          <a:off x="0" y="0"/>
-          <a:ext cx="0" cy="0"/>
-          <a:chOff x="0" y="0"/>
-          <a:chExt cx="0" cy="0"/>
-        </a:xfrm>
-      </p:grpSpPr>
-      <p:sp>
-        <p:nvSpPr>
-          <p:cNvPr id="2" name="Title 1">
-            <a:extLst>
-              <a:ext uri="{FF2B5EF4-FFF2-40B4-BE49-F238E27FC236}">
-                <a16:creationId xmlns:a16="http://schemas.microsoft.com/office/drawing/2014/main" id="{41C2AA6A-9F95-C8EC-D1FC-F604A9ABB330}"/>
-              </a:ext>
-            </a:extLst>
-          </p:cNvPr>
-          <p:cNvSpPr>
-            <a:spLocks noGrp="1"/>
-          </p:cNvSpPr>
-          <p:nvPr>
-            <p:ph type="title"/>
-          </p:nvPr>
-        </p:nvSpPr>
-        <p:spPr>
-          <a:xfrm>
-            <a:off x="6089483" y="1890437"/>
-            <a:ext cx="6096000" cy="1215301"/>
-          </a:xfrm>
-        </p:spPr>
-        <p:txBody>
-          <a:bodyPr/>
-          <a:lstStyle/>
-          <a:p>
-            <a:pPr algn="ctr"/>
-            <a:r>
-              <a:rPr lang="en-NL" dirty="0"/>
-              <a:t>Giulia Crocioni</a:t>
-            </a:r>
-            <a:br>
-              <a:rPr lang="en-NL" dirty="0"/>
-            </a:br>
-            <a:r>
-              <a:rPr lang="en-NL" sz="2400" b="0" dirty="0"/>
-              <a:t>g.crocioni@esciencecenter.nl</a:t>
-            </a:r>
-            <a:endParaRPr lang="en-NL" b="0" dirty="0"/>
-          </a:p>
-        </p:txBody>
-      </p:sp>
-      <p:sp>
-        <p:nvSpPr>
-          <p:cNvPr id="3" name="Content Placeholder 2">
-            <a:extLst>
-              <a:ext uri="{FF2B5EF4-FFF2-40B4-BE49-F238E27FC236}">
-                <a16:creationId xmlns:a16="http://schemas.microsoft.com/office/drawing/2014/main" id="{2DE63D19-C4DD-8EC2-4BA6-95C90E92C98C}"/>
-              </a:ext>
-            </a:extLst>
-          </p:cNvPr>
-          <p:cNvSpPr>
-            <a:spLocks noGrp="1"/>
-          </p:cNvSpPr>
-          <p:nvPr>
-            <p:ph idx="1"/>
-          </p:nvPr>
-        </p:nvSpPr>
-        <p:spPr>
-          <a:xfrm>
-            <a:off x="1866761" y="2572746"/>
-            <a:ext cx="2320229" cy="1712507"/>
-          </a:xfrm>
-        </p:spPr>
-        <p:txBody>
-          <a:bodyPr anchor="ctr"/>
-          <a:lstStyle/>
-          <a:p>
-            <a:pPr algn="ctr"/>
-            <a:r>
-              <a:rPr lang="en-NL" sz="3600" dirty="0"/>
-              <a:t>The end!</a:t>
-            </a:r>
-          </a:p>
-          <a:p>
-            <a:pPr algn="ctr"/>
-            <a:r>
-              <a:rPr lang="en-NL" sz="3600" dirty="0"/>
-              <a:t>Thanks</a:t>
-            </a:r>
-          </a:p>
-        </p:txBody>
-      </p:sp>
-      <p:sp>
-        <p:nvSpPr>
-          <p:cNvPr id="4" name="Title 1">
-            <a:extLst>
-              <a:ext uri="{FF2B5EF4-FFF2-40B4-BE49-F238E27FC236}">
-                <a16:creationId xmlns:a16="http://schemas.microsoft.com/office/drawing/2014/main" id="{38A58CB1-EDC2-72B1-28D8-658495100D57}"/>
-              </a:ext>
-            </a:extLst>
-          </p:cNvPr>
-          <p:cNvSpPr txBox="1">
-            <a:spLocks/>
-          </p:cNvSpPr>
-          <p:nvPr/>
-        </p:nvSpPr>
-        <p:spPr>
-          <a:xfrm>
-            <a:off x="6089483" y="5247681"/>
-            <a:ext cx="6095999" cy="1215302"/>
-          </a:xfrm>
-          <a:prstGeom prst="rect">
-            <a:avLst/>
-          </a:prstGeom>
-        </p:spPr>
-        <p:txBody>
-          <a:bodyPr vert="horz" lIns="91440" tIns="45720" rIns="91440" bIns="45720" rtlCol="0" anchor="ctr">
-            <a:noAutofit/>
-          </a:bodyPr>
-          <a:lstStyle>
-            <a:lvl1pPr algn="l" defTabSz="914400" rtl="0" eaLnBrk="1" latinLnBrk="0" hangingPunct="1">
-              <a:lnSpc>
-                <a:spcPct val="90000"/>
-              </a:lnSpc>
-              <a:spcBef>
-                <a:spcPct val="0"/>
-              </a:spcBef>
-              <a:buNone/>
-              <a:defRPr sz="3200" b="1" kern="1200">
-                <a:solidFill>
-                  <a:schemeClr val="tx1"/>
-                </a:solidFill>
-                <a:latin typeface="+mj-lt"/>
-                <a:ea typeface="+mj-ea"/>
-                <a:cs typeface="+mj-cs"/>
-              </a:defRPr>
-            </a:lvl1pPr>
-          </a:lstStyle>
-          <a:p>
-            <a:pPr algn="ctr"/>
-            <a:r>
-              <a:rPr lang="en-NL" dirty="0"/>
-              <a:t>Olga Minaeva</a:t>
-            </a:r>
-          </a:p>
-          <a:p>
-            <a:pPr algn="ctr"/>
-            <a:r>
-              <a:rPr lang="en-NL" sz="2400" b="0" dirty="0"/>
-              <a:t>o.minaeva@nwo-i.nl</a:t>
-            </a:r>
-          </a:p>
-        </p:txBody>
-      </p:sp>
-      <p:pic>
-        <p:nvPicPr>
-          <p:cNvPr id="6" name="Picture 5" descr="A person in a green blouse&#10;&#10;Description automatically generated">
-            <a:extLst>
-              <a:ext uri="{FF2B5EF4-FFF2-40B4-BE49-F238E27FC236}">
-                <a16:creationId xmlns:a16="http://schemas.microsoft.com/office/drawing/2014/main" id="{DEA87B52-FB2E-BCD1-C763-B151AF738273}"/>
-              </a:ext>
-            </a:extLst>
-          </p:cNvPr>
-          <p:cNvPicPr>
-            <a:picLocks noChangeAspect="1"/>
-          </p:cNvPicPr>
-          <p:nvPr/>
-        </p:nvPicPr>
-        <p:blipFill>
-          <a:blip r:embed="rId2">
-            <a:extLst>
-              <a:ext uri="{28A0092B-C50C-407E-A947-70E740481C1C}">
-                <a14:useLocalDpi xmlns:a14="http://schemas.microsoft.com/office/drawing/2010/main" val="0"/>
-              </a:ext>
-            </a:extLst>
-          </a:blip>
-          <a:srcRect l="7113" t="3203" r="11614" b="32944"/>
-          <a:stretch/>
-        </p:blipFill>
-        <p:spPr>
-          <a:xfrm>
-            <a:off x="8342731" y="184903"/>
-            <a:ext cx="1589505" cy="1513573"/>
-          </a:xfrm>
-          <a:prstGeom prst="ellipse">
-            <a:avLst/>
-          </a:prstGeom>
-        </p:spPr>
-      </p:pic>
-      <p:pic>
-        <p:nvPicPr>
-          <p:cNvPr id="8" name="Picture 7" descr="A person smiling at the camera&#10;&#10;Description automatically generated">
-            <a:extLst>
-              <a:ext uri="{FF2B5EF4-FFF2-40B4-BE49-F238E27FC236}">
-                <a16:creationId xmlns:a16="http://schemas.microsoft.com/office/drawing/2014/main" id="{189F01FB-4925-5F74-8A8C-1A58EC14D183}"/>
-              </a:ext>
-            </a:extLst>
-          </p:cNvPr>
-          <p:cNvPicPr>
-            <a:picLocks noChangeAspect="1"/>
-          </p:cNvPicPr>
-          <p:nvPr/>
-        </p:nvPicPr>
-        <p:blipFill>
-          <a:blip r:embed="rId3">
-            <a:extLst>
-              <a:ext uri="{28A0092B-C50C-407E-A947-70E740481C1C}">
-                <a14:useLocalDpi xmlns:a14="http://schemas.microsoft.com/office/drawing/2010/main" val="0"/>
-              </a:ext>
-            </a:extLst>
-          </a:blip>
-          <a:stretch>
-            <a:fillRect/>
-          </a:stretch>
-        </p:blipFill>
-        <p:spPr>
-          <a:xfrm>
-            <a:off x="8342731" y="3381957"/>
-            <a:ext cx="1589505" cy="1589505"/>
-          </a:xfrm>
-          <a:prstGeom prst="ellipse">
-            <a:avLst/>
-          </a:prstGeom>
-        </p:spPr>
-      </p:pic>
-      <p:pic>
-        <p:nvPicPr>
-          <p:cNvPr id="1026" name="Picture 2" descr="Project management Applied and Engineering Sciences (AES) | NWO">
-            <a:extLst>
-              <a:ext uri="{FF2B5EF4-FFF2-40B4-BE49-F238E27FC236}">
-                <a16:creationId xmlns:a16="http://schemas.microsoft.com/office/drawing/2014/main" id="{F5263F05-A432-357C-40BB-9D40501F07B3}"/>
-              </a:ext>
-            </a:extLst>
-          </p:cNvPr>
-          <p:cNvPicPr>
-            <a:picLocks noChangeAspect="1" noChangeArrowheads="1"/>
-          </p:cNvPicPr>
-          <p:nvPr/>
-        </p:nvPicPr>
-        <p:blipFill>
-          <a:blip r:embed="rId4">
-            <a:extLst>
-              <a:ext uri="{28A0092B-C50C-407E-A947-70E740481C1C}">
-                <a14:useLocalDpi xmlns:a14="http://schemas.microsoft.com/office/drawing/2010/main" val="0"/>
-              </a:ext>
-            </a:extLst>
-          </a:blip>
-          <a:srcRect/>
-          <a:stretch>
-            <a:fillRect/>
-          </a:stretch>
-        </p:blipFill>
-        <p:spPr bwMode="auto">
-          <a:xfrm>
-            <a:off x="4754261" y="0"/>
-            <a:ext cx="1341739" cy="2171717"/>
-          </a:xfrm>
-          <a:prstGeom prst="rect">
-            <a:avLst/>
-          </a:prstGeom>
-          <a:noFill/>
-          <a:extLst>
-            <a:ext uri="{909E8E84-426E-40DD-AFC4-6F175D3DCCD1}">
-              <a14:hiddenFill xmlns:a14="http://schemas.microsoft.com/office/drawing/2010/main">
-                <a:solidFill>
-                  <a:srgbClr val="FFFFFF"/>
-                </a:solidFill>
-              </a14:hiddenFill>
-            </a:ext>
-          </a:extLst>
-        </p:spPr>
-      </p:pic>
-    </p:spTree>
-    <p:extLst>
-      <p:ext uri="{BB962C8B-B14F-4D97-AF65-F5344CB8AC3E}">
-        <p14:creationId xmlns:p14="http://schemas.microsoft.com/office/powerpoint/2010/main" val="1257098110"/>
-      </p:ext>
-    </p:extLst>
-  </p:cSld>
-  <p:clrMapOvr>
-    <a:masterClrMapping/>
-  </p:clrMapOvr>
-</p:sld>
-</file>
-
-<file path=ppt/slides/slide2.xml><?xml version="1.0" encoding="utf-8"?>
-<p:sld xmlns:a="http://schemas.openxmlformats.org/drawingml/2006/main" xmlns:r="http://schemas.openxmlformats.org/officeDocument/2006/relationships" xmlns:p="http://schemas.openxmlformats.org/presentationml/2006/main">
-  <p:cSld>
-    <p:spTree>
-      <p:nvGrpSpPr>
-        <p:cNvPr id="1" name=""/>
-        <p:cNvGrpSpPr/>
-        <p:nvPr/>
-      </p:nvGrpSpPr>
-      <p:grpSpPr>
-        <a:xfrm>
-          <a:off x="0" y="0"/>
-          <a:ext cx="0" cy="0"/>
-          <a:chOff x="0" y="0"/>
-          <a:chExt cx="0" cy="0"/>
-        </a:xfrm>
-      </p:grpSpPr>
-      <p:sp>
-        <p:nvSpPr>
-          <p:cNvPr id="2" name="Title 1">
-            <a:extLst>
-              <a:ext uri="{FF2B5EF4-FFF2-40B4-BE49-F238E27FC236}">
-                <a16:creationId xmlns:a16="http://schemas.microsoft.com/office/drawing/2014/main" id="{C7BD283A-B6D4-A246-8704-3CAC4A00A1B1}"/>
-              </a:ext>
-            </a:extLst>
-          </p:cNvPr>
-          <p:cNvSpPr>
-            <a:spLocks noGrp="1"/>
-          </p:cNvSpPr>
-          <p:nvPr>
-            <p:ph type="title"/>
-          </p:nvPr>
-        </p:nvSpPr>
-        <p:spPr/>
-        <p:txBody>
-          <a:bodyPr/>
-          <a:lstStyle/>
-          <a:p>
-            <a:r>
-              <a:rPr lang="en-US" b="1" dirty="0">
-                <a:latin typeface="Calibri" panose="020F0502020204030204" pitchFamily="34" charset="0"/>
-                <a:cs typeface="Calibri" panose="020F0502020204030204" pitchFamily="34" charset="0"/>
-              </a:rPr>
-              <a:t>Ethical and </a:t>
-            </a:r>
-            <a:r>
-              <a:rPr lang="en-US" dirty="0">
-                <a:latin typeface="Calibri" panose="020F0502020204030204" pitchFamily="34" charset="0"/>
-                <a:cs typeface="Calibri" panose="020F0502020204030204" pitchFamily="34" charset="0"/>
-              </a:rPr>
-              <a:t>d</a:t>
-            </a:r>
-            <a:r>
-              <a:rPr lang="en-US" b="1" dirty="0">
-                <a:latin typeface="Calibri" panose="020F0502020204030204" pitchFamily="34" charset="0"/>
-                <a:cs typeface="Calibri" panose="020F0502020204030204" pitchFamily="34" charset="0"/>
-              </a:rPr>
-              <a:t>ata </a:t>
-            </a:r>
-            <a:r>
-              <a:rPr lang="en-US" dirty="0">
-                <a:latin typeface="Calibri" panose="020F0502020204030204" pitchFamily="34" charset="0"/>
-                <a:cs typeface="Calibri" panose="020F0502020204030204" pitchFamily="34" charset="0"/>
-              </a:rPr>
-              <a:t>s</a:t>
-            </a:r>
-            <a:r>
-              <a:rPr lang="en-US" b="1" dirty="0">
-                <a:latin typeface="Calibri" panose="020F0502020204030204" pitchFamily="34" charset="0"/>
-                <a:cs typeface="Calibri" panose="020F0502020204030204" pitchFamily="34" charset="0"/>
-              </a:rPr>
-              <a:t>ecurity </a:t>
-            </a:r>
-            <a:r>
-              <a:rPr lang="en-US" dirty="0">
-                <a:latin typeface="Calibri" panose="020F0502020204030204" pitchFamily="34" charset="0"/>
-                <a:cs typeface="Calibri" panose="020F0502020204030204" pitchFamily="34" charset="0"/>
-              </a:rPr>
-              <a:t>c</a:t>
-            </a:r>
-            <a:r>
-              <a:rPr lang="en-US" b="1" dirty="0">
-                <a:latin typeface="Calibri" panose="020F0502020204030204" pitchFamily="34" charset="0"/>
-                <a:cs typeface="Calibri" panose="020F0502020204030204" pitchFamily="34" charset="0"/>
-              </a:rPr>
-              <a:t>onsiderations</a:t>
-            </a:r>
-          </a:p>
-        </p:txBody>
-      </p:sp>
-      <p:pic>
-        <p:nvPicPr>
-          <p:cNvPr id="8194" name="Picture 2" descr="Ian Bremmer en LinkedIn: ai datasets = critical for machine learning  research &amp; development yet… | 19 comentarios">
-            <a:extLst>
-              <a:ext uri="{FF2B5EF4-FFF2-40B4-BE49-F238E27FC236}">
-                <a16:creationId xmlns:a16="http://schemas.microsoft.com/office/drawing/2014/main" id="{D09D53B5-8856-59C8-4087-DAE03D5F932B}"/>
-              </a:ext>
-            </a:extLst>
-          </p:cNvPr>
-          <p:cNvPicPr>
-            <a:picLocks noChangeAspect="1" noChangeArrowheads="1"/>
-          </p:cNvPicPr>
-          <p:nvPr/>
-        </p:nvPicPr>
-        <p:blipFill>
-          <a:blip r:embed="rId3">
-            <a:extLst>
-              <a:ext uri="{28A0092B-C50C-407E-A947-70E740481C1C}">
-                <a14:useLocalDpi xmlns:a14="http://schemas.microsoft.com/office/drawing/2010/main" val="0"/>
-              </a:ext>
-            </a:extLst>
-          </a:blip>
-          <a:srcRect/>
-          <a:stretch>
-            <a:fillRect/>
-          </a:stretch>
-        </p:blipFill>
-        <p:spPr bwMode="auto">
-          <a:xfrm>
-            <a:off x="5246806" y="1445067"/>
-            <a:ext cx="6945194" cy="4384154"/>
-          </a:xfrm>
-          <a:prstGeom prst="rect">
-            <a:avLst/>
-          </a:prstGeom>
-          <a:noFill/>
-          <a:extLst>
-            <a:ext uri="{909E8E84-426E-40DD-AFC4-6F175D3DCCD1}">
-              <a14:hiddenFill xmlns:a14="http://schemas.microsoft.com/office/drawing/2010/main">
-                <a:solidFill>
-                  <a:srgbClr val="FFFFFF"/>
-                </a:solidFill>
-              </a14:hiddenFill>
-            </a:ext>
-          </a:extLst>
-        </p:spPr>
-      </p:pic>
-      <p:sp>
-        <p:nvSpPr>
-          <p:cNvPr id="3" name="Content Placeholder 2">
-            <a:extLst>
-              <a:ext uri="{FF2B5EF4-FFF2-40B4-BE49-F238E27FC236}">
-                <a16:creationId xmlns:a16="http://schemas.microsoft.com/office/drawing/2014/main" id="{C61809C2-7D14-0447-80CE-F974F548B374}"/>
-              </a:ext>
-            </a:extLst>
-          </p:cNvPr>
-          <p:cNvSpPr>
-            <a:spLocks noGrp="1"/>
-          </p:cNvSpPr>
-          <p:nvPr>
-            <p:ph idx="1"/>
-          </p:nvPr>
-        </p:nvSpPr>
-        <p:spPr>
-          <a:xfrm>
-            <a:off x="509666" y="1825624"/>
-            <a:ext cx="5754656" cy="5030212"/>
-          </a:xfrm>
-        </p:spPr>
-        <p:txBody>
-          <a:bodyPr>
-            <a:normAutofit/>
-          </a:bodyPr>
-          <a:lstStyle/>
-          <a:p>
-            <a:pPr lvl="1"/>
-            <a:r>
-              <a:rPr lang="en-US" b="1" dirty="0">
-                <a:latin typeface="Calibri" panose="020F0502020204030204" pitchFamily="34" charset="0"/>
-                <a:cs typeface="Calibri" panose="020F0502020204030204" pitchFamily="34" charset="0"/>
-              </a:rPr>
-              <a:t>AI-generated content is based on human choices, values, and flaws</a:t>
-            </a:r>
-          </a:p>
-          <a:p>
-            <a:pPr marL="457200" lvl="1" indent="0">
-              <a:buNone/>
-            </a:pPr>
-            <a:endParaRPr lang="en-US" dirty="0">
-              <a:latin typeface="Calibri" panose="020F0502020204030204" pitchFamily="34" charset="0"/>
-              <a:cs typeface="Calibri" panose="020F0502020204030204" pitchFamily="34" charset="0"/>
-            </a:endParaRPr>
-          </a:p>
-          <a:p>
-            <a:pPr lvl="1"/>
-            <a:r>
-              <a:rPr lang="en-US" dirty="0">
-                <a:latin typeface="Calibri" panose="020F0502020204030204" pitchFamily="34" charset="0"/>
-                <a:cs typeface="Calibri" panose="020F0502020204030204" pitchFamily="34" charset="0"/>
-              </a:rPr>
-              <a:t>Lack of diversity in training data</a:t>
-            </a:r>
-          </a:p>
-          <a:p>
-            <a:pPr lvl="1">
-              <a:buFont typeface="Wingdings" pitchFamily="2" charset="2"/>
-              <a:buChar char="à"/>
-            </a:pPr>
-            <a:endParaRPr lang="en-US" dirty="0">
-              <a:latin typeface="Calibri" panose="020F0502020204030204" pitchFamily="34" charset="0"/>
-              <a:cs typeface="Calibri" panose="020F0502020204030204" pitchFamily="34" charset="0"/>
-            </a:endParaRPr>
-          </a:p>
-          <a:p>
-            <a:pPr lvl="1"/>
-            <a:endParaRPr lang="en-US" dirty="0">
-              <a:latin typeface="Calibri" panose="020F0502020204030204" pitchFamily="34" charset="0"/>
-              <a:cs typeface="Calibri" panose="020F0502020204030204" pitchFamily="34" charset="0"/>
-            </a:endParaRPr>
-          </a:p>
-        </p:txBody>
-      </p:sp>
-    </p:spTree>
-    <p:extLst>
-      <p:ext uri="{BB962C8B-B14F-4D97-AF65-F5344CB8AC3E}">
-        <p14:creationId xmlns:p14="http://schemas.microsoft.com/office/powerpoint/2010/main" val="1262838397"/>
-      </p:ext>
-    </p:extLst>
-  </p:cSld>
-  <p:clrMapOvr>
-    <a:masterClrMapping/>
-  </p:clrMapOvr>
-</p:sld>
-</file>
-
-<file path=ppt/slides/slide3.xml><?xml version="1.0" encoding="utf-8"?>
-<p:sld xmlns:a="http://schemas.openxmlformats.org/drawingml/2006/main" xmlns:r="http://schemas.openxmlformats.org/officeDocument/2006/relationships" xmlns:p="http://schemas.openxmlformats.org/presentationml/2006/main">
-  <p:cSld>
-    <p:spTree>
-      <p:nvGrpSpPr>
-        <p:cNvPr id="1" name=""/>
-        <p:cNvGrpSpPr/>
-        <p:nvPr/>
-      </p:nvGrpSpPr>
-      <p:grpSpPr>
-        <a:xfrm>
-          <a:off x="0" y="0"/>
-          <a:ext cx="0" cy="0"/>
-          <a:chOff x="0" y="0"/>
-          <a:chExt cx="0" cy="0"/>
-        </a:xfrm>
-      </p:grpSpPr>
-      <p:sp>
-        <p:nvSpPr>
-          <p:cNvPr id="2" name="Title 1">
-            <a:extLst>
-              <a:ext uri="{FF2B5EF4-FFF2-40B4-BE49-F238E27FC236}">
-                <a16:creationId xmlns:a16="http://schemas.microsoft.com/office/drawing/2014/main" id="{C7BD283A-B6D4-A246-8704-3CAC4A00A1B1}"/>
-              </a:ext>
-            </a:extLst>
-          </p:cNvPr>
-          <p:cNvSpPr>
-            <a:spLocks noGrp="1"/>
-          </p:cNvSpPr>
-          <p:nvPr>
-            <p:ph type="title"/>
-          </p:nvPr>
-        </p:nvSpPr>
-        <p:spPr/>
-        <p:txBody>
-          <a:bodyPr/>
-          <a:lstStyle/>
-          <a:p>
-            <a:r>
-              <a:rPr lang="en-US" b="1" dirty="0">
-                <a:latin typeface="Calibri" panose="020F0502020204030204" pitchFamily="34" charset="0"/>
-                <a:cs typeface="Calibri" panose="020F0502020204030204" pitchFamily="34" charset="0"/>
-              </a:rPr>
-              <a:t>Ethical and </a:t>
-            </a:r>
-            <a:r>
-              <a:rPr lang="en-US" dirty="0">
-                <a:latin typeface="Calibri" panose="020F0502020204030204" pitchFamily="34" charset="0"/>
-                <a:cs typeface="Calibri" panose="020F0502020204030204" pitchFamily="34" charset="0"/>
-              </a:rPr>
-              <a:t>d</a:t>
-            </a:r>
-            <a:r>
-              <a:rPr lang="en-US" b="1" dirty="0">
-                <a:latin typeface="Calibri" panose="020F0502020204030204" pitchFamily="34" charset="0"/>
-                <a:cs typeface="Calibri" panose="020F0502020204030204" pitchFamily="34" charset="0"/>
-              </a:rPr>
-              <a:t>ata </a:t>
-            </a:r>
-            <a:r>
-              <a:rPr lang="en-US" dirty="0">
-                <a:latin typeface="Calibri" panose="020F0502020204030204" pitchFamily="34" charset="0"/>
-                <a:cs typeface="Calibri" panose="020F0502020204030204" pitchFamily="34" charset="0"/>
-              </a:rPr>
-              <a:t>s</a:t>
-            </a:r>
-            <a:r>
-              <a:rPr lang="en-US" b="1" dirty="0">
-                <a:latin typeface="Calibri" panose="020F0502020204030204" pitchFamily="34" charset="0"/>
-                <a:cs typeface="Calibri" panose="020F0502020204030204" pitchFamily="34" charset="0"/>
-              </a:rPr>
-              <a:t>ecurity </a:t>
-            </a:r>
-            <a:r>
-              <a:rPr lang="en-US" dirty="0">
-                <a:latin typeface="Calibri" panose="020F0502020204030204" pitchFamily="34" charset="0"/>
-                <a:cs typeface="Calibri" panose="020F0502020204030204" pitchFamily="34" charset="0"/>
-              </a:rPr>
-              <a:t>c</a:t>
-            </a:r>
-            <a:r>
-              <a:rPr lang="en-US" b="1" dirty="0">
-                <a:latin typeface="Calibri" panose="020F0502020204030204" pitchFamily="34" charset="0"/>
-                <a:cs typeface="Calibri" panose="020F0502020204030204" pitchFamily="34" charset="0"/>
-              </a:rPr>
-              <a:t>onsiderations</a:t>
-            </a:r>
-          </a:p>
-        </p:txBody>
-      </p:sp>
-      <p:sp>
-        <p:nvSpPr>
-          <p:cNvPr id="3" name="Content Placeholder 2">
-            <a:extLst>
-              <a:ext uri="{FF2B5EF4-FFF2-40B4-BE49-F238E27FC236}">
-                <a16:creationId xmlns:a16="http://schemas.microsoft.com/office/drawing/2014/main" id="{C61809C2-7D14-0447-80CE-F974F548B374}"/>
-              </a:ext>
-            </a:extLst>
-          </p:cNvPr>
-          <p:cNvSpPr>
-            <a:spLocks noGrp="1"/>
-          </p:cNvSpPr>
-          <p:nvPr>
-            <p:ph idx="1"/>
-          </p:nvPr>
-        </p:nvSpPr>
-        <p:spPr>
-          <a:xfrm>
-            <a:off x="400049" y="1755776"/>
-            <a:ext cx="7874000" cy="5030212"/>
-          </a:xfrm>
-        </p:spPr>
-        <p:txBody>
-          <a:bodyPr>
-            <a:normAutofit/>
-          </a:bodyPr>
-          <a:lstStyle/>
-          <a:p>
-            <a:pPr lvl="1"/>
-            <a:r>
-              <a:rPr lang="en-US" dirty="0">
-                <a:latin typeface="Calibri" panose="020F0502020204030204" pitchFamily="34" charset="0"/>
-                <a:cs typeface="Calibri" panose="020F0502020204030204" pitchFamily="34" charset="0"/>
-              </a:rPr>
-              <a:t>Environmental costs of </a:t>
-            </a:r>
-            <a:r>
-              <a:rPr lang="en-US" dirty="0" err="1">
-                <a:latin typeface="Calibri" panose="020F0502020204030204" pitchFamily="34" charset="0"/>
-                <a:cs typeface="Calibri" panose="020F0502020204030204" pitchFamily="34" charset="0"/>
-              </a:rPr>
-              <a:t>GenAI</a:t>
-            </a:r>
-            <a:r>
-              <a:rPr lang="en-US" dirty="0">
-                <a:latin typeface="Calibri" panose="020F0502020204030204" pitchFamily="34" charset="0"/>
-                <a:cs typeface="Calibri" panose="020F0502020204030204" pitchFamily="34" charset="0"/>
-              </a:rPr>
-              <a:t> (energy and water use)</a:t>
-            </a:r>
-          </a:p>
-          <a:p>
-            <a:pPr lvl="2"/>
-            <a:endParaRPr lang="en-US" dirty="0">
-              <a:latin typeface="Calibri" panose="020F0502020204030204" pitchFamily="34" charset="0"/>
-              <a:cs typeface="Calibri" panose="020F0502020204030204" pitchFamily="34" charset="0"/>
-            </a:endParaRPr>
-          </a:p>
-          <a:p>
-            <a:pPr lvl="2"/>
-            <a:r>
-              <a:rPr lang="en-US" dirty="0">
-                <a:latin typeface="Calibri" panose="020F0502020204030204" pitchFamily="34" charset="0"/>
-                <a:cs typeface="Calibri" panose="020F0502020204030204" pitchFamily="34" charset="0"/>
-              </a:rPr>
-              <a:t>by 2027, the annual electricity </a:t>
-            </a:r>
-            <a:br>
-              <a:rPr lang="en-US" dirty="0">
-                <a:latin typeface="Calibri" panose="020F0502020204030204" pitchFamily="34" charset="0"/>
-                <a:cs typeface="Calibri" panose="020F0502020204030204" pitchFamily="34" charset="0"/>
-              </a:rPr>
-            </a:br>
-            <a:r>
-              <a:rPr lang="en-US" dirty="0">
-                <a:latin typeface="Calibri" panose="020F0502020204030204" pitchFamily="34" charset="0"/>
-                <a:cs typeface="Calibri" panose="020F0502020204030204" pitchFamily="34" charset="0"/>
-              </a:rPr>
-              <a:t>usage of AI servers could equal </a:t>
-            </a:r>
-            <a:br>
-              <a:rPr lang="en-US" dirty="0">
-                <a:latin typeface="Calibri" panose="020F0502020204030204" pitchFamily="34" charset="0"/>
-                <a:cs typeface="Calibri" panose="020F0502020204030204" pitchFamily="34" charset="0"/>
-              </a:rPr>
-            </a:br>
-            <a:r>
-              <a:rPr lang="en-US" dirty="0">
-                <a:latin typeface="Calibri" panose="020F0502020204030204" pitchFamily="34" charset="0"/>
-                <a:cs typeface="Calibri" panose="020F0502020204030204" pitchFamily="34" charset="0"/>
-              </a:rPr>
-              <a:t>the annual electricity usage of </a:t>
-            </a:r>
-            <a:br>
-              <a:rPr lang="en-US" dirty="0">
-                <a:latin typeface="Calibri" panose="020F0502020204030204" pitchFamily="34" charset="0"/>
-                <a:cs typeface="Calibri" panose="020F0502020204030204" pitchFamily="34" charset="0"/>
-              </a:rPr>
-            </a:br>
-            <a:r>
-              <a:rPr lang="en-US" dirty="0">
-                <a:latin typeface="Calibri" panose="020F0502020204030204" pitchFamily="34" charset="0"/>
-                <a:cs typeface="Calibri" panose="020F0502020204030204" pitchFamily="34" charset="0"/>
-              </a:rPr>
-              <a:t>the Netherlands or Sweden.</a:t>
-            </a:r>
-            <a:r>
-              <a:rPr lang="en-US" baseline="30000" dirty="0">
-                <a:latin typeface="Calibri" panose="020F0502020204030204" pitchFamily="34" charset="0"/>
-                <a:cs typeface="Calibri" panose="020F0502020204030204" pitchFamily="34" charset="0"/>
-              </a:rPr>
-              <a:t>1</a:t>
-            </a:r>
-          </a:p>
-          <a:p>
-            <a:pPr lvl="2"/>
-            <a:endParaRPr lang="en-US" dirty="0">
-              <a:latin typeface="Calibri" panose="020F0502020204030204" pitchFamily="34" charset="0"/>
-              <a:cs typeface="Calibri" panose="020F0502020204030204" pitchFamily="34" charset="0"/>
-            </a:endParaRPr>
-          </a:p>
-          <a:p>
-            <a:pPr lvl="2"/>
-            <a:r>
-              <a:rPr lang="en-US" dirty="0">
-                <a:latin typeface="Calibri" panose="020F0502020204030204" pitchFamily="34" charset="0"/>
-                <a:cs typeface="Calibri" panose="020F0502020204030204" pitchFamily="34" charset="0"/>
-              </a:rPr>
-              <a:t>LLM could use up to 500 ml of </a:t>
-            </a:r>
-            <a:br>
-              <a:rPr lang="en-US" dirty="0">
-                <a:latin typeface="Calibri" panose="020F0502020204030204" pitchFamily="34" charset="0"/>
-                <a:cs typeface="Calibri" panose="020F0502020204030204" pitchFamily="34" charset="0"/>
-              </a:rPr>
-            </a:br>
-            <a:r>
-              <a:rPr lang="en-US" dirty="0">
-                <a:latin typeface="Calibri" panose="020F0502020204030204" pitchFamily="34" charset="0"/>
-                <a:cs typeface="Calibri" panose="020F0502020204030204" pitchFamily="34" charset="0"/>
-              </a:rPr>
-              <a:t>water per 5-50 prompts.</a:t>
-            </a:r>
-            <a:r>
-              <a:rPr lang="en-US" baseline="30000" dirty="0">
-                <a:latin typeface="Calibri" panose="020F0502020204030204" pitchFamily="34" charset="0"/>
-                <a:cs typeface="Calibri" panose="020F0502020204030204" pitchFamily="34" charset="0"/>
-              </a:rPr>
-              <a:t>2</a:t>
-            </a:r>
-            <a:endParaRPr lang="en-US" sz="1600" baseline="30000" dirty="0">
-              <a:latin typeface="Calibri" panose="020F0502020204030204" pitchFamily="34" charset="0"/>
-              <a:cs typeface="Calibri" panose="020F0502020204030204" pitchFamily="34" charset="0"/>
-            </a:endParaRPr>
-          </a:p>
-          <a:p>
-            <a:pPr lvl="1"/>
-            <a:endParaRPr lang="en-US" dirty="0">
-              <a:latin typeface="Calibri" panose="020F0502020204030204" pitchFamily="34" charset="0"/>
-              <a:cs typeface="Calibri" panose="020F0502020204030204" pitchFamily="34" charset="0"/>
-            </a:endParaRPr>
-          </a:p>
-        </p:txBody>
-      </p:sp>
-      <p:sp>
-        <p:nvSpPr>
-          <p:cNvPr id="5" name="TextBox 4">
-            <a:extLst>
-              <a:ext uri="{FF2B5EF4-FFF2-40B4-BE49-F238E27FC236}">
-                <a16:creationId xmlns:a16="http://schemas.microsoft.com/office/drawing/2014/main" id="{C74CBA0E-F2E1-3B5E-2582-3D78E650B5D4}"/>
-              </a:ext>
-            </a:extLst>
-          </p:cNvPr>
-          <p:cNvSpPr txBox="1"/>
-          <p:nvPr/>
-        </p:nvSpPr>
-        <p:spPr>
-          <a:xfrm>
-            <a:off x="228599" y="6440338"/>
-            <a:ext cx="11734801" cy="415498"/>
-          </a:xfrm>
-          <a:prstGeom prst="rect">
-            <a:avLst/>
-          </a:prstGeom>
-          <a:noFill/>
-        </p:spPr>
-        <p:txBody>
-          <a:bodyPr wrap="square">
-            <a:spAutoFit/>
-          </a:bodyPr>
-          <a:lstStyle/>
-          <a:p>
-            <a:r>
-              <a:rPr lang="en-NL" sz="1050" dirty="0">
-                <a:latin typeface="Calibri" panose="020F0502020204030204" pitchFamily="34" charset="0"/>
-                <a:cs typeface="Calibri" panose="020F0502020204030204" pitchFamily="34" charset="0"/>
-                <a:hlinkClick r:id="rId2">
-                  <a:extLst>
-                    <a:ext uri="{A12FA001-AC4F-418D-AE19-62706E023703}">
-                      <ahyp:hlinkClr xmlns:ahyp="http://schemas.microsoft.com/office/drawing/2018/hyperlinkcolor" val="tx"/>
-                    </a:ext>
-                  </a:extLst>
-                </a:hlinkClick>
-              </a:rPr>
-              <a:t>1.  https://www.nytimes.com/2023/10/10/climate/ai-could-soon-need-as-much-electricity-as-an-entire-country.html</a:t>
-            </a:r>
-            <a:endParaRPr lang="en-NL" sz="1050" dirty="0">
-              <a:latin typeface="Calibri" panose="020F0502020204030204" pitchFamily="34" charset="0"/>
-              <a:cs typeface="Calibri" panose="020F0502020204030204" pitchFamily="34" charset="0"/>
-            </a:endParaRPr>
-          </a:p>
-          <a:p>
-            <a:r>
-              <a:rPr lang="en-US" sz="1050" dirty="0">
-                <a:latin typeface="Calibri" panose="020F0502020204030204" pitchFamily="34" charset="0"/>
-                <a:cs typeface="Calibri" panose="020F0502020204030204" pitchFamily="34" charset="0"/>
-              </a:rPr>
-              <a:t>2.  https://</a:t>
-            </a:r>
-            <a:r>
-              <a:rPr lang="en-US" sz="1050" dirty="0" err="1">
-                <a:latin typeface="Calibri" panose="020F0502020204030204" pitchFamily="34" charset="0"/>
-                <a:cs typeface="Calibri" panose="020F0502020204030204" pitchFamily="34" charset="0"/>
-              </a:rPr>
-              <a:t>fortune.com</a:t>
-            </a:r>
-            <a:r>
-              <a:rPr lang="en-US" sz="1050" dirty="0">
-                <a:latin typeface="Calibri" panose="020F0502020204030204" pitchFamily="34" charset="0"/>
-                <a:cs typeface="Calibri" panose="020F0502020204030204" pitchFamily="34" charset="0"/>
-              </a:rPr>
-              <a:t>/2023/09/09/ai-</a:t>
-            </a:r>
-            <a:r>
-              <a:rPr lang="en-US" sz="1050" dirty="0" err="1">
-                <a:latin typeface="Calibri" panose="020F0502020204030204" pitchFamily="34" charset="0"/>
-                <a:cs typeface="Calibri" panose="020F0502020204030204" pitchFamily="34" charset="0"/>
-              </a:rPr>
-              <a:t>chatgpt</a:t>
-            </a:r>
-            <a:r>
-              <a:rPr lang="en-US" sz="1050" dirty="0">
-                <a:latin typeface="Calibri" panose="020F0502020204030204" pitchFamily="34" charset="0"/>
-                <a:cs typeface="Calibri" panose="020F0502020204030204" pitchFamily="34" charset="0"/>
-              </a:rPr>
-              <a:t>-usage-fuels-spike-in-</a:t>
-            </a:r>
-            <a:r>
-              <a:rPr lang="en-US" sz="1050" dirty="0" err="1">
-                <a:latin typeface="Calibri" panose="020F0502020204030204" pitchFamily="34" charset="0"/>
-                <a:cs typeface="Calibri" panose="020F0502020204030204" pitchFamily="34" charset="0"/>
-              </a:rPr>
-              <a:t>microsoft</a:t>
-            </a:r>
-            <a:r>
-              <a:rPr lang="en-US" sz="1050" dirty="0">
-                <a:latin typeface="Calibri" panose="020F0502020204030204" pitchFamily="34" charset="0"/>
-                <a:cs typeface="Calibri" panose="020F0502020204030204" pitchFamily="34" charset="0"/>
-              </a:rPr>
-              <a:t>-water-consumption/?</a:t>
-            </a:r>
-            <a:r>
-              <a:rPr lang="en-US" sz="1050" dirty="0" err="1">
-                <a:latin typeface="Calibri" panose="020F0502020204030204" pitchFamily="34" charset="0"/>
-                <a:cs typeface="Calibri" panose="020F0502020204030204" pitchFamily="34" charset="0"/>
-              </a:rPr>
-              <a:t>utm_source</a:t>
-            </a:r>
-            <a:r>
-              <a:rPr lang="en-US" sz="1050" dirty="0">
-                <a:latin typeface="Calibri" panose="020F0502020204030204" pitchFamily="34" charset="0"/>
-                <a:cs typeface="Calibri" panose="020F0502020204030204" pitchFamily="34" charset="0"/>
-              </a:rPr>
-              <a:t>=</a:t>
-            </a:r>
-            <a:r>
-              <a:rPr lang="en-US" sz="1050" dirty="0" err="1">
-                <a:latin typeface="Calibri" panose="020F0502020204030204" pitchFamily="34" charset="0"/>
-                <a:cs typeface="Calibri" panose="020F0502020204030204" pitchFamily="34" charset="0"/>
-              </a:rPr>
-              <a:t>www.joinsuperhuman.ai&amp;utm_medium</a:t>
-            </a:r>
-            <a:r>
-              <a:rPr lang="en-US" sz="1050" dirty="0">
-                <a:latin typeface="Calibri" panose="020F0502020204030204" pitchFamily="34" charset="0"/>
-                <a:cs typeface="Calibri" panose="020F0502020204030204" pitchFamily="34" charset="0"/>
-              </a:rPr>
-              <a:t>=</a:t>
-            </a:r>
-            <a:r>
-              <a:rPr lang="en-US" sz="1050" dirty="0" err="1">
-                <a:latin typeface="Calibri" panose="020F0502020204030204" pitchFamily="34" charset="0"/>
-                <a:cs typeface="Calibri" panose="020F0502020204030204" pitchFamily="34" charset="0"/>
-              </a:rPr>
-              <a:t>newsletter&amp;utm_campaign</a:t>
-            </a:r>
-            <a:r>
-              <a:rPr lang="en-US" sz="1050" dirty="0">
-                <a:latin typeface="Calibri" panose="020F0502020204030204" pitchFamily="34" charset="0"/>
-                <a:cs typeface="Calibri" panose="020F0502020204030204" pitchFamily="34" charset="0"/>
-              </a:rPr>
-              <a:t>=ai-needs-a-lot-of-water</a:t>
-            </a:r>
-            <a:endParaRPr lang="en-NL" sz="1050" dirty="0">
-              <a:latin typeface="Calibri" panose="020F0502020204030204" pitchFamily="34" charset="0"/>
-              <a:cs typeface="Calibri" panose="020F0502020204030204" pitchFamily="34" charset="0"/>
-            </a:endParaRPr>
-          </a:p>
-        </p:txBody>
-      </p:sp>
-      <p:pic>
-        <p:nvPicPr>
-          <p:cNvPr id="1026" name="Picture 2">
-            <a:extLst>
-              <a:ext uri="{FF2B5EF4-FFF2-40B4-BE49-F238E27FC236}">
-                <a16:creationId xmlns:a16="http://schemas.microsoft.com/office/drawing/2014/main" id="{B1C93AF6-C2B9-574D-2AA1-96411BFD3B82}"/>
-              </a:ext>
-            </a:extLst>
-          </p:cNvPr>
-          <p:cNvPicPr>
-            <a:picLocks noChangeAspect="1" noChangeArrowheads="1"/>
-          </p:cNvPicPr>
-          <p:nvPr/>
-        </p:nvPicPr>
-        <p:blipFill rotWithShape="1">
-          <a:blip r:embed="rId3">
-            <a:extLst>
-              <a:ext uri="{28A0092B-C50C-407E-A947-70E740481C1C}">
-                <a14:useLocalDpi xmlns:a14="http://schemas.microsoft.com/office/drawing/2010/main" val="0"/>
-              </a:ext>
-            </a:extLst>
-          </a:blip>
-          <a:srcRect b="2639"/>
-          <a:stretch/>
-        </p:blipFill>
-        <p:spPr bwMode="auto">
-          <a:xfrm>
-            <a:off x="4876800" y="2291191"/>
-            <a:ext cx="7086600" cy="3882521"/>
-          </a:xfrm>
-          <a:prstGeom prst="rect">
-            <a:avLst/>
-          </a:prstGeom>
-          <a:noFill/>
-          <a:extLst>
-            <a:ext uri="{909E8E84-426E-40DD-AFC4-6F175D3DCCD1}">
-              <a14:hiddenFill xmlns:a14="http://schemas.microsoft.com/office/drawing/2010/main">
-                <a:solidFill>
-                  <a:srgbClr val="FFFFFF"/>
-                </a:solidFill>
-              </a14:hiddenFill>
-            </a:ext>
-          </a:extLst>
-        </p:spPr>
-      </p:pic>
-      <p:sp>
-        <p:nvSpPr>
-          <p:cNvPr id="6" name="TextBox 5">
-            <a:extLst>
-              <a:ext uri="{FF2B5EF4-FFF2-40B4-BE49-F238E27FC236}">
-                <a16:creationId xmlns:a16="http://schemas.microsoft.com/office/drawing/2014/main" id="{9115ACB8-BDE9-7A91-CBDC-48C62A9E765C}"/>
-              </a:ext>
-            </a:extLst>
-          </p:cNvPr>
-          <p:cNvSpPr txBox="1"/>
-          <p:nvPr/>
-        </p:nvSpPr>
-        <p:spPr>
-          <a:xfrm>
-            <a:off x="5143499" y="6123543"/>
-            <a:ext cx="7315199" cy="369332"/>
-          </a:xfrm>
-          <a:prstGeom prst="rect">
-            <a:avLst/>
-          </a:prstGeom>
-          <a:noFill/>
-        </p:spPr>
-        <p:txBody>
-          <a:bodyPr wrap="square">
-            <a:spAutoFit/>
-          </a:bodyPr>
-          <a:lstStyle/>
-          <a:p>
-            <a:r>
-              <a:rPr lang="en-US" sz="900" dirty="0"/>
-              <a:t>Screenshot: “The AI Index 2023 Annual Report,” AI Index Steering Committee, Institute for Human-Centered AI, Stanford University, Stanford, CA</a:t>
-            </a:r>
-            <a:br>
-              <a:rPr lang="en-US" sz="900" dirty="0"/>
-            </a:br>
-            <a:endParaRPr lang="en-US" sz="900" dirty="0"/>
-          </a:p>
-        </p:txBody>
-      </p:sp>
-    </p:spTree>
-    <p:extLst>
-      <p:ext uri="{BB962C8B-B14F-4D97-AF65-F5344CB8AC3E}">
-        <p14:creationId xmlns:p14="http://schemas.microsoft.com/office/powerpoint/2010/main" val="3383005718"/>
-      </p:ext>
-    </p:extLst>
-  </p:cSld>
-  <p:clrMapOvr>
-    <a:masterClrMapping/>
-  </p:clrMapOvr>
-</p:sld>
-</file>
-
-<file path=ppt/slides/slide4.xml><?xml version="1.0" encoding="utf-8"?>
-<p:sld xmlns:a="http://schemas.openxmlformats.org/drawingml/2006/main" xmlns:r="http://schemas.openxmlformats.org/officeDocument/2006/relationships" xmlns:p="http://schemas.openxmlformats.org/presentationml/2006/main">
-  <p:cSld>
-    <p:spTree>
-      <p:nvGrpSpPr>
-        <p:cNvPr id="1" name=""/>
-        <p:cNvGrpSpPr/>
-        <p:nvPr/>
-      </p:nvGrpSpPr>
-      <p:grpSpPr>
-        <a:xfrm>
-          <a:off x="0" y="0"/>
-          <a:ext cx="0" cy="0"/>
-          <a:chOff x="0" y="0"/>
-          <a:chExt cx="0" cy="0"/>
-        </a:xfrm>
-      </p:grpSpPr>
-      <p:sp>
-        <p:nvSpPr>
-          <p:cNvPr id="2" name="Title 1">
-            <a:extLst>
-              <a:ext uri="{FF2B5EF4-FFF2-40B4-BE49-F238E27FC236}">
-                <a16:creationId xmlns:a16="http://schemas.microsoft.com/office/drawing/2014/main" id="{C7BD283A-B6D4-A246-8704-3CAC4A00A1B1}"/>
-              </a:ext>
-            </a:extLst>
-          </p:cNvPr>
-          <p:cNvSpPr>
-            <a:spLocks noGrp="1"/>
-          </p:cNvSpPr>
-          <p:nvPr>
-            <p:ph type="title"/>
-          </p:nvPr>
-        </p:nvSpPr>
-        <p:spPr/>
-        <p:txBody>
-          <a:bodyPr/>
-          <a:lstStyle/>
-          <a:p>
-            <a:r>
-              <a:rPr lang="en-US" b="1" dirty="0">
-                <a:latin typeface="Calibri" panose="020F0502020204030204" pitchFamily="34" charset="0"/>
-                <a:cs typeface="Calibri" panose="020F0502020204030204" pitchFamily="34" charset="0"/>
-              </a:rPr>
-              <a:t>Ethical considerations</a:t>
-            </a:r>
-          </a:p>
-        </p:txBody>
-      </p:sp>
-      <p:sp>
-        <p:nvSpPr>
-          <p:cNvPr id="3" name="Content Placeholder 2">
-            <a:extLst>
-              <a:ext uri="{FF2B5EF4-FFF2-40B4-BE49-F238E27FC236}">
-                <a16:creationId xmlns:a16="http://schemas.microsoft.com/office/drawing/2014/main" id="{C61809C2-7D14-0447-80CE-F974F548B374}"/>
-              </a:ext>
-            </a:extLst>
-          </p:cNvPr>
-          <p:cNvSpPr>
-            <a:spLocks noGrp="1"/>
-          </p:cNvSpPr>
-          <p:nvPr>
-            <p:ph idx="1"/>
-          </p:nvPr>
-        </p:nvSpPr>
-        <p:spPr/>
-        <p:txBody>
-          <a:bodyPr>
-            <a:normAutofit/>
-          </a:bodyPr>
-          <a:lstStyle/>
-          <a:p>
-            <a:pPr lvl="1"/>
-            <a:r>
-              <a:rPr lang="en-US" dirty="0">
-                <a:latin typeface="Calibri" panose="020F0502020204030204" pitchFamily="34" charset="0"/>
-                <a:cs typeface="Calibri" panose="020F0502020204030204" pitchFamily="34" charset="0"/>
-              </a:rPr>
-              <a:t>Exploitative labor to train </a:t>
-            </a:r>
-            <a:r>
-              <a:rPr lang="en-US" dirty="0" err="1">
-                <a:latin typeface="Calibri" panose="020F0502020204030204" pitchFamily="34" charset="0"/>
-                <a:cs typeface="Calibri" panose="020F0502020204030204" pitchFamily="34" charset="0"/>
-              </a:rPr>
-              <a:t>GenAI</a:t>
-            </a:r>
-            <a:r>
-              <a:rPr lang="en-US" dirty="0">
-                <a:latin typeface="Calibri" panose="020F0502020204030204" pitchFamily="34" charset="0"/>
-                <a:cs typeface="Calibri" panose="020F0502020204030204" pitchFamily="34" charset="0"/>
-              </a:rPr>
-              <a:t> models</a:t>
-            </a:r>
-            <a:r>
-              <a:rPr lang="en-US" baseline="30000" dirty="0">
-                <a:latin typeface="Calibri" panose="020F0502020204030204" pitchFamily="34" charset="0"/>
-                <a:cs typeface="Calibri" panose="020F0502020204030204" pitchFamily="34" charset="0"/>
-              </a:rPr>
-              <a:t>1</a:t>
-            </a:r>
-          </a:p>
-          <a:p>
-            <a:pPr lvl="2"/>
-            <a:r>
-              <a:rPr lang="en-US" dirty="0">
-                <a:latin typeface="Calibri" panose="020F0502020204030204" pitchFamily="34" charset="0"/>
-                <a:cs typeface="Calibri" panose="020F0502020204030204" pitchFamily="34" charset="0"/>
-              </a:rPr>
-              <a:t>'reinforcement learning through human feedback’ outsourced to low-wage employees in Kenya</a:t>
-            </a:r>
-          </a:p>
-          <a:p>
-            <a:pPr lvl="1"/>
-            <a:endParaRPr lang="en-US" dirty="0">
-              <a:latin typeface="Calibri" panose="020F0502020204030204" pitchFamily="34" charset="0"/>
-              <a:cs typeface="Calibri" panose="020F0502020204030204" pitchFamily="34" charset="0"/>
-            </a:endParaRPr>
-          </a:p>
-          <a:p>
-            <a:pPr lvl="1"/>
-            <a:r>
-              <a:rPr lang="en-US" dirty="0">
-                <a:latin typeface="Calibri" panose="020F0502020204030204" pitchFamily="34" charset="0"/>
-                <a:cs typeface="Calibri" panose="020F0502020204030204" pitchFamily="34" charset="0"/>
-              </a:rPr>
-              <a:t>Unequal accessibility</a:t>
-            </a:r>
-          </a:p>
-          <a:p>
-            <a:pPr lvl="2"/>
-            <a:r>
-              <a:rPr lang="en-US" dirty="0">
-                <a:latin typeface="Calibri" panose="020F0502020204030204" pitchFamily="34" charset="0"/>
-                <a:cs typeface="Calibri" panose="020F0502020204030204" pitchFamily="34" charset="0"/>
-              </a:rPr>
-              <a:t>cost of tools is a barrier</a:t>
-            </a:r>
-          </a:p>
-          <a:p>
-            <a:pPr lvl="2"/>
-            <a:r>
-              <a:rPr lang="en-US" dirty="0">
-                <a:latin typeface="Calibri" panose="020F0502020204030204" pitchFamily="34" charset="0"/>
-                <a:cs typeface="Calibri" panose="020F0502020204030204" pitchFamily="34" charset="0"/>
-              </a:rPr>
-              <a:t>the use of particular </a:t>
-            </a:r>
-            <a:r>
-              <a:rPr lang="en-US" dirty="0" err="1">
-                <a:latin typeface="Calibri" panose="020F0502020204030204" pitchFamily="34" charset="0"/>
-                <a:cs typeface="Calibri" panose="020F0502020204030204" pitchFamily="34" charset="0"/>
-              </a:rPr>
-              <a:t>GenAI</a:t>
-            </a:r>
-            <a:r>
-              <a:rPr lang="en-US" dirty="0">
-                <a:latin typeface="Calibri" panose="020F0502020204030204" pitchFamily="34" charset="0"/>
-                <a:cs typeface="Calibri" panose="020F0502020204030204" pitchFamily="34" charset="0"/>
-              </a:rPr>
-              <a:t> tools may be restricted due to government regulation or censorship</a:t>
-            </a:r>
-          </a:p>
-          <a:p>
-            <a:pPr marL="457200" lvl="1" indent="0">
-              <a:buNone/>
-            </a:pPr>
-            <a:endParaRPr lang="en-US" dirty="0">
-              <a:latin typeface="Calibri" panose="020F0502020204030204" pitchFamily="34" charset="0"/>
-              <a:cs typeface="Calibri" panose="020F0502020204030204" pitchFamily="34" charset="0"/>
-            </a:endParaRPr>
-          </a:p>
-          <a:p>
-            <a:pPr marL="457200" lvl="1" indent="0">
-              <a:buNone/>
-            </a:pPr>
-            <a:endParaRPr lang="en-US" dirty="0">
-              <a:latin typeface="Calibri" panose="020F0502020204030204" pitchFamily="34" charset="0"/>
-              <a:cs typeface="Calibri" panose="020F0502020204030204" pitchFamily="34" charset="0"/>
-            </a:endParaRPr>
-          </a:p>
-          <a:p>
-            <a:pPr lvl="1"/>
-            <a:endParaRPr lang="en-US" dirty="0">
-              <a:latin typeface="Calibri" panose="020F0502020204030204" pitchFamily="34" charset="0"/>
-              <a:cs typeface="Calibri" panose="020F0502020204030204" pitchFamily="34" charset="0"/>
-            </a:endParaRPr>
-          </a:p>
-          <a:p>
-            <a:endParaRPr lang="en-US" dirty="0">
-              <a:latin typeface="Calibri" panose="020F0502020204030204" pitchFamily="34" charset="0"/>
-              <a:cs typeface="Calibri" panose="020F0502020204030204" pitchFamily="34" charset="0"/>
-            </a:endParaRPr>
-          </a:p>
-        </p:txBody>
-      </p:sp>
-      <p:sp>
-        <p:nvSpPr>
-          <p:cNvPr id="5" name="TextBox 4">
-            <a:extLst>
-              <a:ext uri="{FF2B5EF4-FFF2-40B4-BE49-F238E27FC236}">
-                <a16:creationId xmlns:a16="http://schemas.microsoft.com/office/drawing/2014/main" id="{8282B505-B9CF-E64F-41E4-0EE629693ECC}"/>
-              </a:ext>
-            </a:extLst>
-          </p:cNvPr>
-          <p:cNvSpPr txBox="1"/>
-          <p:nvPr/>
-        </p:nvSpPr>
-        <p:spPr>
-          <a:xfrm>
-            <a:off x="838200" y="6362700"/>
-            <a:ext cx="6096000" cy="276999"/>
-          </a:xfrm>
-          <a:prstGeom prst="rect">
-            <a:avLst/>
-          </a:prstGeom>
-          <a:noFill/>
-        </p:spPr>
-        <p:txBody>
-          <a:bodyPr wrap="square">
-            <a:spAutoFit/>
-          </a:bodyPr>
-          <a:lstStyle/>
-          <a:p>
-            <a:r>
-              <a:rPr lang="en-US" sz="1200" dirty="0">
-                <a:latin typeface="Calibri" panose="020F0502020204030204" pitchFamily="34" charset="0"/>
-                <a:cs typeface="Calibri" panose="020F0502020204030204" pitchFamily="34" charset="0"/>
-              </a:rPr>
-              <a:t>1. https://time.com/6247678/openai-chatgpt-kenya-workers/</a:t>
-            </a:r>
-          </a:p>
-        </p:txBody>
-      </p:sp>
-    </p:spTree>
-    <p:extLst>
-      <p:ext uri="{BB962C8B-B14F-4D97-AF65-F5344CB8AC3E}">
-        <p14:creationId xmlns:p14="http://schemas.microsoft.com/office/powerpoint/2010/main" val="764321695"/>
-      </p:ext>
-    </p:extLst>
-  </p:cSld>
-  <p:clrMapOvr>
-    <a:masterClrMapping/>
-  </p:clrMapOvr>
-</p:sld>
-</file>
-
-<file path=ppt/slides/slide5.xml><?xml version="1.0" encoding="utf-8"?>
-<p:sld xmlns:a="http://schemas.openxmlformats.org/drawingml/2006/main" xmlns:r="http://schemas.openxmlformats.org/officeDocument/2006/relationships" xmlns:p="http://schemas.openxmlformats.org/presentationml/2006/main">
-  <p:cSld>
-    <p:spTree>
-      <p:nvGrpSpPr>
-        <p:cNvPr id="1" name=""/>
-        <p:cNvGrpSpPr/>
-        <p:nvPr/>
-      </p:nvGrpSpPr>
-      <p:grpSpPr>
-        <a:xfrm>
-          <a:off x="0" y="0"/>
-          <a:ext cx="0" cy="0"/>
-          <a:chOff x="0" y="0"/>
-          <a:chExt cx="0" cy="0"/>
-        </a:xfrm>
-      </p:grpSpPr>
-      <p:sp>
-        <p:nvSpPr>
-          <p:cNvPr id="2" name="Title 1">
-            <a:extLst>
-              <a:ext uri="{FF2B5EF4-FFF2-40B4-BE49-F238E27FC236}">
-                <a16:creationId xmlns:a16="http://schemas.microsoft.com/office/drawing/2014/main" id="{9EAFBDFE-8BA1-0F05-5CC3-B35CFDA65A15}"/>
-              </a:ext>
-            </a:extLst>
-          </p:cNvPr>
-          <p:cNvSpPr>
-            <a:spLocks noGrp="1"/>
-          </p:cNvSpPr>
-          <p:nvPr>
-            <p:ph type="title"/>
-          </p:nvPr>
-        </p:nvSpPr>
-        <p:spPr/>
-        <p:txBody>
-          <a:bodyPr/>
-          <a:lstStyle/>
-          <a:p>
-            <a:r>
-              <a:rPr lang="en-US" i="0" dirty="0">
-                <a:effectLst/>
-                <a:latin typeface="Calibri" panose="020F0502020204030204" pitchFamily="34" charset="0"/>
-                <a:cs typeface="Calibri" panose="020F0502020204030204" pitchFamily="34" charset="0"/>
-              </a:rPr>
-              <a:t>Best practices for ethical use of AI assistants</a:t>
-            </a:r>
-            <a:endParaRPr lang="en-NL" dirty="0">
-              <a:latin typeface="Calibri" panose="020F0502020204030204" pitchFamily="34" charset="0"/>
-              <a:cs typeface="Calibri" panose="020F0502020204030204" pitchFamily="34" charset="0"/>
-            </a:endParaRPr>
-          </a:p>
-        </p:txBody>
-      </p:sp>
-      <p:sp>
-        <p:nvSpPr>
-          <p:cNvPr id="3" name="Content Placeholder 2">
-            <a:extLst>
-              <a:ext uri="{FF2B5EF4-FFF2-40B4-BE49-F238E27FC236}">
-                <a16:creationId xmlns:a16="http://schemas.microsoft.com/office/drawing/2014/main" id="{5DC2C934-BDE5-D7DA-DBD2-875DF3EE4A63}"/>
-              </a:ext>
-            </a:extLst>
-          </p:cNvPr>
-          <p:cNvSpPr>
-            <a:spLocks noGrp="1"/>
-          </p:cNvSpPr>
-          <p:nvPr>
-            <p:ph idx="1"/>
-          </p:nvPr>
-        </p:nvSpPr>
-        <p:spPr>
-          <a:xfrm>
-            <a:off x="1124262" y="1825625"/>
-            <a:ext cx="10229538" cy="4351338"/>
-          </a:xfrm>
-        </p:spPr>
-        <p:txBody>
-          <a:bodyPr/>
-          <a:lstStyle/>
-          <a:p>
-            <a:pPr algn="l">
-              <a:buFont typeface="Arial" panose="020B0604020202020204" pitchFamily="34" charset="0"/>
-              <a:buChar char="•"/>
-            </a:pPr>
-            <a:r>
-              <a:rPr lang="en-US" sz="2400" b="1" i="0" dirty="0">
-                <a:effectLst/>
-                <a:latin typeface="Mulish"/>
-              </a:rPr>
-              <a:t>Vigilant evaluation of results </a:t>
-            </a:r>
-            <a:r>
-              <a:rPr lang="en-US" sz="2400" b="0" i="0" dirty="0">
-                <a:effectLst/>
-                <a:latin typeface="Mulish"/>
-              </a:rPr>
-              <a:t>to identify and reduce potential biases</a:t>
-            </a:r>
-          </a:p>
-          <a:p>
-            <a:pPr algn="l">
-              <a:buFont typeface="Arial" panose="020B0604020202020204" pitchFamily="34" charset="0"/>
-              <a:buChar char="•"/>
-            </a:pPr>
-            <a:endParaRPr lang="en-US" sz="2400" b="0" i="0" dirty="0">
-              <a:effectLst/>
-              <a:latin typeface="Mulish"/>
-            </a:endParaRPr>
-          </a:p>
-          <a:p>
-            <a:r>
-              <a:rPr lang="en-US" sz="2400" i="0" dirty="0">
-                <a:effectLst/>
-                <a:latin typeface="Mulish"/>
-              </a:rPr>
-              <a:t>Transparency and accountability in AI use</a:t>
-            </a:r>
-          </a:p>
-          <a:p>
-            <a:pPr lvl="1"/>
-            <a:r>
-              <a:rPr lang="en-US" sz="2000" dirty="0">
-                <a:latin typeface="Mulish"/>
-              </a:rPr>
-              <a:t>A</a:t>
-            </a:r>
-            <a:r>
-              <a:rPr lang="en-US" sz="2000" i="0" dirty="0">
-                <a:effectLst/>
-                <a:latin typeface="Mulish"/>
-              </a:rPr>
-              <a:t>cknowledge and cite AI-generated output in your work</a:t>
-            </a:r>
-          </a:p>
-          <a:p>
-            <a:pPr lvl="1"/>
-            <a:endParaRPr lang="en-US" b="1" i="0" dirty="0">
-              <a:effectLst/>
-              <a:latin typeface="Mulish"/>
-            </a:endParaRPr>
-          </a:p>
-          <a:p>
-            <a:r>
-              <a:rPr lang="en-US" sz="2400" i="0" dirty="0">
-                <a:effectLst/>
-                <a:latin typeface="Mulish"/>
-              </a:rPr>
-              <a:t>Following clear AI guidelines</a:t>
-            </a:r>
-          </a:p>
-          <a:p>
-            <a:endParaRPr lang="en-NL" sz="2400" dirty="0"/>
-          </a:p>
-        </p:txBody>
-      </p:sp>
-    </p:spTree>
-    <p:extLst>
-      <p:ext uri="{BB962C8B-B14F-4D97-AF65-F5344CB8AC3E}">
-        <p14:creationId xmlns:p14="http://schemas.microsoft.com/office/powerpoint/2010/main" val="2437986861"/>
-      </p:ext>
-    </p:extLst>
-  </p:cSld>
-  <p:clrMapOvr>
-    <a:masterClrMapping/>
-  </p:clrMapOvr>
-</p:sld>
-</file>
-
-<file path=ppt/slides/slide6.xml><?xml version="1.0" encoding="utf-8"?>
-<p:sld xmlns:a="http://schemas.openxmlformats.org/drawingml/2006/main" xmlns:r="http://schemas.openxmlformats.org/officeDocument/2006/relationships" xmlns:p="http://schemas.openxmlformats.org/presentationml/2006/main">
-  <p:cSld>
-    <p:bg>
-      <p:bgPr>
-        <a:blipFill dpi="0" rotWithShape="1">
-          <a:blip r:embed="rId4">
-            <a:lum/>
-          </a:blip>
-          <a:srcRect/>
-          <a:stretch>
-            <a:fillRect/>
-          </a:stretch>
-        </a:blipFill>
-        <a:effectLst/>
-      </p:bgPr>
-    </p:bg>
-    <p:spTree>
-      <p:nvGrpSpPr>
-        <p:cNvPr id="1" name=""/>
-        <p:cNvGrpSpPr/>
-        <p:nvPr/>
-      </p:nvGrpSpPr>
-      <p:grpSpPr>
-        <a:xfrm>
-          <a:off x="0" y="0"/>
-          <a:ext cx="0" cy="0"/>
-          <a:chOff x="0" y="0"/>
-          <a:chExt cx="0" cy="0"/>
-        </a:xfrm>
-      </p:grpSpPr>
-      <p:sp>
-        <p:nvSpPr>
-          <p:cNvPr id="2" name="Titel 1">
-            <a:extLst>
-              <a:ext uri="{FF2B5EF4-FFF2-40B4-BE49-F238E27FC236}">
-                <a16:creationId xmlns:a16="http://schemas.microsoft.com/office/drawing/2014/main" id="{56566744-5168-6191-FF6B-EFD35558EFC5}"/>
-              </a:ext>
-            </a:extLst>
-          </p:cNvPr>
-          <p:cNvSpPr>
-            <a:spLocks noGrp="1"/>
-          </p:cNvSpPr>
-          <p:nvPr>
-            <p:ph type="title"/>
-          </p:nvPr>
-        </p:nvSpPr>
-        <p:spPr>
-          <a:xfrm>
-            <a:off x="761802" y="487321"/>
-            <a:ext cx="10760054" cy="1228299"/>
-          </a:xfrm>
-        </p:spPr>
-        <p:txBody>
-          <a:bodyPr>
-            <a:normAutofit/>
-          </a:bodyPr>
-          <a:lstStyle/>
-          <a:p>
-            <a:r>
-              <a:rPr lang="en-US" sz="4000" b="1" i="0" dirty="0">
-                <a:effectLst/>
-                <a:latin typeface="Calibri" panose="020F0502020204030204" pitchFamily="34" charset="0"/>
-                <a:cs typeface="Calibri" panose="020F0502020204030204" pitchFamily="34" charset="0"/>
-              </a:rPr>
-              <a:t>Current AI regulations in the EU </a:t>
-            </a:r>
-            <a:endParaRPr lang="nl-NL" sz="4000" b="1" dirty="0">
-              <a:latin typeface="Calibri" panose="020F0502020204030204" pitchFamily="34" charset="0"/>
-              <a:cs typeface="Calibri" panose="020F0502020204030204" pitchFamily="34" charset="0"/>
-            </a:endParaRPr>
-          </a:p>
-        </p:txBody>
-      </p:sp>
-      <p:sp>
-        <p:nvSpPr>
-          <p:cNvPr id="3" name="Tijdelijke aanduiding voor inhoud 2">
-            <a:extLst>
-              <a:ext uri="{FF2B5EF4-FFF2-40B4-BE49-F238E27FC236}">
-                <a16:creationId xmlns:a16="http://schemas.microsoft.com/office/drawing/2014/main" id="{4E89BAE0-5915-9ED0-6508-69532D5E5357}"/>
-              </a:ext>
-            </a:extLst>
-          </p:cNvPr>
-          <p:cNvSpPr>
-            <a:spLocks noGrp="1"/>
-          </p:cNvSpPr>
-          <p:nvPr>
-            <p:ph idx="1"/>
-          </p:nvPr>
-        </p:nvSpPr>
-        <p:spPr>
-          <a:xfrm>
-            <a:off x="761802" y="1468540"/>
-            <a:ext cx="6451798" cy="3903560"/>
-          </a:xfrm>
-        </p:spPr>
-        <p:txBody>
-          <a:bodyPr anchor="ctr">
-            <a:normAutofit/>
-          </a:bodyPr>
-          <a:lstStyle/>
-          <a:p>
-            <a:pPr marL="0" indent="0">
-              <a:lnSpc>
-                <a:spcPct val="110000"/>
-              </a:lnSpc>
-              <a:buNone/>
-            </a:pPr>
-            <a:r>
-              <a:rPr lang="nl-NL" b="1" dirty="0">
-                <a:latin typeface="Calibri" panose="020F0502020204030204" pitchFamily="34" charset="0"/>
-                <a:cs typeface="Calibri" panose="020F0502020204030204" pitchFamily="34" charset="0"/>
-              </a:rPr>
-              <a:t>The AI Act </a:t>
-            </a:r>
-            <a:r>
-              <a:rPr lang="nl-NL" dirty="0">
-                <a:latin typeface="Calibri" panose="020F0502020204030204" pitchFamily="34" charset="0"/>
-                <a:cs typeface="Calibri" panose="020F0502020204030204" pitchFamily="34" charset="0"/>
-              </a:rPr>
-              <a:t>(August 2024)</a:t>
-            </a:r>
-            <a:endParaRPr lang="nl-NL" i="0" dirty="0">
-              <a:effectLst/>
-              <a:latin typeface="Calibri" panose="020F0502020204030204" pitchFamily="34" charset="0"/>
-              <a:cs typeface="Calibri" panose="020F0502020204030204" pitchFamily="34" charset="0"/>
-            </a:endParaRPr>
-          </a:p>
-          <a:p>
-            <a:pPr>
-              <a:lnSpc>
-                <a:spcPct val="110000"/>
-              </a:lnSpc>
-              <a:buFont typeface="Arial" panose="020B0604020202020204" pitchFamily="34" charset="0"/>
-              <a:buChar char="•"/>
-            </a:pPr>
-            <a:r>
-              <a:rPr lang="en-US" sz="2400" b="1" dirty="0">
-                <a:latin typeface="Calibri" panose="020F0502020204030204" pitchFamily="34" charset="0"/>
-                <a:cs typeface="Calibri" panose="020F0502020204030204" pitchFamily="34" charset="0"/>
-              </a:rPr>
-              <a:t>Purpose</a:t>
-            </a:r>
-            <a:r>
-              <a:rPr lang="en-US" sz="2400" dirty="0">
-                <a:latin typeface="Calibri" panose="020F0502020204030204" pitchFamily="34" charset="0"/>
-                <a:cs typeface="Calibri" panose="020F0502020204030204" pitchFamily="34" charset="0"/>
-              </a:rPr>
-              <a:t>: Ensures AI is safe, respects fundamental rights, and supports democracy, the rule of law, and environmental standards.</a:t>
-            </a:r>
-          </a:p>
-          <a:p>
-            <a:pPr>
-              <a:lnSpc>
-                <a:spcPct val="110000"/>
-              </a:lnSpc>
-              <a:buFont typeface="Arial" panose="020B0604020202020204" pitchFamily="34" charset="0"/>
-              <a:buChar char="•"/>
-            </a:pPr>
-            <a:r>
-              <a:rPr lang="en-US" sz="2400" dirty="0">
-                <a:latin typeface="Calibri" panose="020F0502020204030204" pitchFamily="34" charset="0"/>
-                <a:cs typeface="Calibri" panose="020F0502020204030204" pitchFamily="34" charset="0"/>
-              </a:rPr>
-              <a:t>Applies to </a:t>
-            </a:r>
-            <a:r>
-              <a:rPr lang="en-US" sz="2400" b="1" dirty="0">
-                <a:latin typeface="Calibri" panose="020F0502020204030204" pitchFamily="34" charset="0"/>
-                <a:cs typeface="Calibri" panose="020F0502020204030204" pitchFamily="34" charset="0"/>
-              </a:rPr>
-              <a:t>public &amp; private sectors</a:t>
-            </a:r>
-            <a:r>
-              <a:rPr lang="en-US" sz="2400" dirty="0">
-                <a:latin typeface="Calibri" panose="020F0502020204030204" pitchFamily="34" charset="0"/>
-                <a:cs typeface="Calibri" panose="020F0502020204030204" pitchFamily="34" charset="0"/>
-              </a:rPr>
-              <a:t> within and outside the EU if AI impacts people in the EU.</a:t>
-            </a:r>
-          </a:p>
-          <a:p>
-            <a:pPr>
-              <a:lnSpc>
-                <a:spcPct val="110000"/>
-              </a:lnSpc>
-              <a:buFont typeface="Arial" panose="020B0604020202020204" pitchFamily="34" charset="0"/>
-              <a:buChar char="•"/>
-            </a:pPr>
-            <a:r>
-              <a:rPr lang="en-US" sz="2400" dirty="0">
-                <a:latin typeface="Calibri" panose="020F0502020204030204" pitchFamily="34" charset="0"/>
-                <a:cs typeface="Calibri" panose="020F0502020204030204" pitchFamily="34" charset="0"/>
-              </a:rPr>
-              <a:t>Exemptions: </a:t>
-            </a:r>
-            <a:r>
-              <a:rPr lang="en-US" sz="2400" b="1" dirty="0">
-                <a:latin typeface="Calibri" panose="020F0502020204030204" pitchFamily="34" charset="0"/>
-                <a:cs typeface="Calibri" panose="020F0502020204030204" pitchFamily="34" charset="0"/>
-              </a:rPr>
-              <a:t>Research</a:t>
-            </a:r>
-            <a:r>
-              <a:rPr lang="en-US" sz="2400" dirty="0">
-                <a:latin typeface="Calibri" panose="020F0502020204030204" pitchFamily="34" charset="0"/>
-                <a:cs typeface="Calibri" panose="020F0502020204030204" pitchFamily="34" charset="0"/>
-              </a:rPr>
-              <a:t>, military/defense, and non-market prototypes.</a:t>
-            </a:r>
-          </a:p>
-        </p:txBody>
-      </p:sp>
-      <p:graphicFrame>
-        <p:nvGraphicFramePr>
-          <p:cNvPr id="5" name="Tijdelijke aanduiding voor inhoud 2">
-            <a:extLst>
-              <a:ext uri="{FF2B5EF4-FFF2-40B4-BE49-F238E27FC236}">
-                <a16:creationId xmlns:a16="http://schemas.microsoft.com/office/drawing/2014/main" id="{84C945FE-9724-D8F1-AF26-C868790948A9}"/>
-              </a:ext>
-            </a:extLst>
-          </p:cNvPr>
-          <p:cNvGraphicFramePr>
-            <a:graphicFrameLocks/>
-          </p:cNvGraphicFramePr>
-          <p:nvPr>
-            <p:extLst>
-              <p:ext uri="{D42A27DB-BD31-4B8C-83A1-F6EECF244321}">
-                <p14:modId xmlns:p14="http://schemas.microsoft.com/office/powerpoint/2010/main" val="3303034818"/>
-              </p:ext>
-            </p:extLst>
-          </p:nvPr>
-        </p:nvGraphicFramePr>
-        <p:xfrm>
-          <a:off x="6578600" y="1854200"/>
-          <a:ext cx="5917105" cy="5003801"/>
-        </p:xfrm>
-        <a:graphic>
-          <a:graphicData uri="http://schemas.openxmlformats.org/drawingml/2006/diagram">
-            <dgm:relIds xmlns:dgm="http://schemas.openxmlformats.org/drawingml/2006/diagram" xmlns:r="http://schemas.openxmlformats.org/officeDocument/2006/relationships" r:dm="rId5" r:lo="rId6" r:qs="rId7" r:cs="rId8"/>
-          </a:graphicData>
-        </a:graphic>
-      </p:graphicFrame>
-      <p:sp>
-        <p:nvSpPr>
-          <p:cNvPr id="6" name="TextBox 5">
-            <a:extLst>
-              <a:ext uri="{FF2B5EF4-FFF2-40B4-BE49-F238E27FC236}">
-                <a16:creationId xmlns:a16="http://schemas.microsoft.com/office/drawing/2014/main" id="{3763920F-9068-23D9-9ED8-1C305ED24643}"/>
-              </a:ext>
-            </a:extLst>
-          </p:cNvPr>
-          <p:cNvSpPr txBox="1"/>
-          <p:nvPr/>
-        </p:nvSpPr>
-        <p:spPr>
-          <a:xfrm>
-            <a:off x="8229052" y="1229500"/>
-            <a:ext cx="2616200" cy="478080"/>
-          </a:xfrm>
-          <a:prstGeom prst="rect">
-            <a:avLst/>
-          </a:prstGeom>
-          <a:noFill/>
-        </p:spPr>
-        <p:txBody>
-          <a:bodyPr wrap="square">
-            <a:spAutoFit/>
-          </a:bodyPr>
-          <a:lstStyle/>
-          <a:p>
-            <a:pPr marL="0" indent="0">
-              <a:lnSpc>
-                <a:spcPct val="110000"/>
-              </a:lnSpc>
-              <a:buNone/>
-            </a:pPr>
-            <a:r>
-              <a:rPr lang="en-US" sz="2400" b="1" dirty="0"/>
-              <a:t>Risk Categories</a:t>
-            </a:r>
-          </a:p>
-        </p:txBody>
-      </p:sp>
-    </p:spTree>
-    <p:extLst>
-      <p:ext uri="{BB962C8B-B14F-4D97-AF65-F5344CB8AC3E}">
-        <p14:creationId xmlns:p14="http://schemas.microsoft.com/office/powerpoint/2010/main" val="2610888888"/>
-      </p:ext>
-    </p:extLst>
-  </p:cSld>
-  <p:clrMapOvr>
-    <a:overrideClrMapping bg1="lt1" tx1="dk1" bg2="lt2" tx2="dk2" accent1="accent1" accent2="accent2" accent3="accent3" accent4="accent4" accent5="accent5" accent6="accent6" hlink="hlink" folHlink="folHlink"/>
-  </p:clrMapOvr>
-</p:sld>
-</file>
-
-<file path=ppt/slides/slide7.xml><?xml version="1.0" encoding="utf-8"?>
-<p:sld xmlns:a="http://schemas.openxmlformats.org/drawingml/2006/main" xmlns:r="http://schemas.openxmlformats.org/officeDocument/2006/relationships" xmlns:p="http://schemas.openxmlformats.org/presentationml/2006/main">
-  <p:cSld>
-    <p:spTree>
-      <p:nvGrpSpPr>
-        <p:cNvPr id="1" name=""/>
-        <p:cNvGrpSpPr/>
-        <p:nvPr/>
-      </p:nvGrpSpPr>
-      <p:grpSpPr>
-        <a:xfrm>
-          <a:off x="0" y="0"/>
-          <a:ext cx="0" cy="0"/>
-          <a:chOff x="0" y="0"/>
-          <a:chExt cx="0" cy="0"/>
-        </a:xfrm>
-      </p:grpSpPr>
-      <p:sp>
-        <p:nvSpPr>
-          <p:cNvPr id="19" name="Titel 1">
-            <a:extLst>
-              <a:ext uri="{FF2B5EF4-FFF2-40B4-BE49-F238E27FC236}">
-                <a16:creationId xmlns:a16="http://schemas.microsoft.com/office/drawing/2014/main" id="{15EF9DEF-CDD6-4B9E-72F4-784E63048E9B}"/>
-              </a:ext>
-            </a:extLst>
-          </p:cNvPr>
-          <p:cNvSpPr>
-            <a:spLocks noGrp="1"/>
-          </p:cNvSpPr>
-          <p:nvPr>
-            <p:ph type="title"/>
-          </p:nvPr>
-        </p:nvSpPr>
-        <p:spPr>
-          <a:xfrm>
-            <a:off x="669036" y="662482"/>
-            <a:ext cx="10684764" cy="1325563"/>
-          </a:xfrm>
-        </p:spPr>
-        <p:txBody>
-          <a:bodyPr/>
-          <a:lstStyle/>
-          <a:p>
-            <a:r>
-              <a:rPr lang="en-US" b="1" i="0" dirty="0">
-                <a:effectLst/>
-                <a:latin typeface="Calibri" panose="020F0502020204030204" pitchFamily="34" charset="0"/>
-                <a:cs typeface="Calibri" panose="020F0502020204030204" pitchFamily="34" charset="0"/>
-              </a:rPr>
-              <a:t>Current AI regulations in the EU</a:t>
-            </a:r>
-            <a:endParaRPr lang="nl-NL" dirty="0">
-              <a:latin typeface="Calibri" panose="020F0502020204030204" pitchFamily="34" charset="0"/>
-              <a:cs typeface="Calibri" panose="020F0502020204030204" pitchFamily="34" charset="0"/>
-            </a:endParaRPr>
-          </a:p>
-        </p:txBody>
-      </p:sp>
-      <p:sp>
-        <p:nvSpPr>
-          <p:cNvPr id="20" name="Tijdelijke aanduiding voor inhoud 2">
-            <a:extLst>
-              <a:ext uri="{FF2B5EF4-FFF2-40B4-BE49-F238E27FC236}">
-                <a16:creationId xmlns:a16="http://schemas.microsoft.com/office/drawing/2014/main" id="{85601BDC-E3AA-2362-7F2F-DAB0A65F54B9}"/>
-              </a:ext>
-            </a:extLst>
-          </p:cNvPr>
-          <p:cNvSpPr>
-            <a:spLocks noGrp="1"/>
-          </p:cNvSpPr>
-          <p:nvPr>
-            <p:ph idx="1"/>
-          </p:nvPr>
-        </p:nvSpPr>
-        <p:spPr>
-          <a:xfrm>
-            <a:off x="669036" y="1995237"/>
-            <a:ext cx="10684764" cy="1090570"/>
-          </a:xfrm>
-        </p:spPr>
-        <p:txBody>
-          <a:bodyPr/>
-          <a:lstStyle/>
-          <a:p>
-            <a:pPr>
-              <a:spcBef>
-                <a:spcPts val="1200"/>
-              </a:spcBef>
-            </a:pPr>
-            <a:r>
-              <a:rPr lang="en-US" sz="2400" dirty="0">
-                <a:latin typeface="Calibri" panose="020F0502020204030204" pitchFamily="34" charset="0"/>
-                <a:cs typeface="Calibri" panose="020F0502020204030204" pitchFamily="34" charset="0"/>
-              </a:rPr>
-              <a:t>Living guidelines on </a:t>
-            </a:r>
-            <a:r>
-              <a:rPr lang="en-US" sz="2400" b="1" dirty="0">
-                <a:latin typeface="Calibri" panose="020F0502020204030204" pitchFamily="34" charset="0"/>
-                <a:cs typeface="Calibri" panose="020F0502020204030204" pitchFamily="34" charset="0"/>
-              </a:rPr>
-              <a:t>the responsible use of generative AI </a:t>
-            </a:r>
-            <a:br>
-              <a:rPr lang="en-US" sz="2400" b="1" dirty="0">
-                <a:latin typeface="Calibri" panose="020F0502020204030204" pitchFamily="34" charset="0"/>
-                <a:cs typeface="Calibri" panose="020F0502020204030204" pitchFamily="34" charset="0"/>
-              </a:rPr>
-            </a:br>
-            <a:r>
-              <a:rPr lang="en-US" sz="2400" b="1" dirty="0">
-                <a:latin typeface="Calibri" panose="020F0502020204030204" pitchFamily="34" charset="0"/>
-                <a:cs typeface="Calibri" panose="020F0502020204030204" pitchFamily="34" charset="0"/>
-              </a:rPr>
-              <a:t>in research </a:t>
-            </a:r>
-            <a:r>
-              <a:rPr lang="en-US" sz="2400" dirty="0">
-                <a:latin typeface="Calibri" panose="020F0502020204030204" pitchFamily="34" charset="0"/>
-                <a:cs typeface="Calibri" panose="020F0502020204030204" pitchFamily="34" charset="0"/>
-              </a:rPr>
-              <a:t>by the European Commission (March 2024)</a:t>
-            </a:r>
-            <a:endParaRPr lang="en-US" sz="2400" b="0" i="0" dirty="0">
-              <a:effectLst/>
-              <a:latin typeface="Calibri" panose="020F0502020204030204" pitchFamily="34" charset="0"/>
-              <a:cs typeface="Calibri" panose="020F0502020204030204" pitchFamily="34" charset="0"/>
-            </a:endParaRPr>
-          </a:p>
-          <a:p>
-            <a:pPr lvl="1"/>
-            <a:endParaRPr lang="en-US" dirty="0">
-              <a:latin typeface="Calibri" panose="020F0502020204030204" pitchFamily="34" charset="0"/>
-              <a:cs typeface="Calibri" panose="020F0502020204030204" pitchFamily="34" charset="0"/>
-            </a:endParaRPr>
-          </a:p>
-          <a:p>
-            <a:endParaRPr lang="nl-NL" dirty="0">
-              <a:latin typeface="Calibri" panose="020F0502020204030204" pitchFamily="34" charset="0"/>
-              <a:cs typeface="Calibri" panose="020F0502020204030204" pitchFamily="34" charset="0"/>
-            </a:endParaRPr>
-          </a:p>
-        </p:txBody>
-      </p:sp>
-      <p:pic>
-        <p:nvPicPr>
-          <p:cNvPr id="21" name="Afbeelding 20">
-            <a:extLst>
-              <a:ext uri="{FF2B5EF4-FFF2-40B4-BE49-F238E27FC236}">
-                <a16:creationId xmlns:a16="http://schemas.microsoft.com/office/drawing/2014/main" id="{05F4C1F3-9137-226C-3E8F-598FBD772413}"/>
-              </a:ext>
-            </a:extLst>
-          </p:cNvPr>
-          <p:cNvPicPr>
-            <a:picLocks noChangeAspect="1"/>
-          </p:cNvPicPr>
-          <p:nvPr/>
-        </p:nvPicPr>
-        <p:blipFill>
-          <a:blip r:embed="rId3"/>
-          <a:stretch>
-            <a:fillRect/>
-          </a:stretch>
-        </p:blipFill>
-        <p:spPr>
-          <a:xfrm>
-            <a:off x="8432951" y="0"/>
-            <a:ext cx="3759049" cy="5305413"/>
-          </a:xfrm>
-          <a:prstGeom prst="rect">
-            <a:avLst/>
-          </a:prstGeom>
-        </p:spPr>
-      </p:pic>
-      <p:graphicFrame>
-        <p:nvGraphicFramePr>
-          <p:cNvPr id="22" name="Tijdelijke aanduiding voor inhoud 2">
-            <a:extLst>
-              <a:ext uri="{FF2B5EF4-FFF2-40B4-BE49-F238E27FC236}">
-                <a16:creationId xmlns:a16="http://schemas.microsoft.com/office/drawing/2014/main" id="{019BE793-91DE-2F9B-5B3B-74FED57DD5F9}"/>
-              </a:ext>
-            </a:extLst>
-          </p:cNvPr>
-          <p:cNvGraphicFramePr/>
-          <p:nvPr>
-            <p:extLst>
-              <p:ext uri="{D42A27DB-BD31-4B8C-83A1-F6EECF244321}">
-                <p14:modId xmlns:p14="http://schemas.microsoft.com/office/powerpoint/2010/main" val="1460526971"/>
-              </p:ext>
-            </p:extLst>
-          </p:nvPr>
-        </p:nvGraphicFramePr>
-        <p:xfrm>
-          <a:off x="471613" y="2903836"/>
-          <a:ext cx="8041765" cy="3856193"/>
-        </p:xfrm>
-        <a:graphic>
-          <a:graphicData uri="http://schemas.openxmlformats.org/drawingml/2006/diagram">
-            <dgm:relIds xmlns:dgm="http://schemas.openxmlformats.org/drawingml/2006/diagram" xmlns:r="http://schemas.openxmlformats.org/officeDocument/2006/relationships" r:dm="rId4" r:lo="rId5" r:qs="rId6" r:cs="rId7"/>
-          </a:graphicData>
-        </a:graphic>
-      </p:graphicFrame>
-    </p:spTree>
-    <p:extLst>
-      <p:ext uri="{BB962C8B-B14F-4D97-AF65-F5344CB8AC3E}">
-        <p14:creationId xmlns:p14="http://schemas.microsoft.com/office/powerpoint/2010/main" val="1447331673"/>
-      </p:ext>
-    </p:extLst>
-  </p:cSld>
-  <p:clrMapOvr>
-    <a:masterClrMapping/>
-  </p:clrMapOvr>
-</p:sld>
-</file>
-
-<file path=ppt/slides/slide8.xml><?xml version="1.0" encoding="utf-8"?>
-<p:sld xmlns:a="http://schemas.openxmlformats.org/drawingml/2006/main" xmlns:r="http://schemas.openxmlformats.org/officeDocument/2006/relationships" xmlns:p="http://schemas.openxmlformats.org/presentationml/2006/main">
-  <p:cSld>
-    <p:spTree>
-      <p:nvGrpSpPr>
-        <p:cNvPr id="1" name=""/>
-        <p:cNvGrpSpPr/>
-        <p:nvPr/>
-      </p:nvGrpSpPr>
-      <p:grpSpPr>
-        <a:xfrm>
-          <a:off x="0" y="0"/>
-          <a:ext cx="0" cy="0"/>
-          <a:chOff x="0" y="0"/>
-          <a:chExt cx="0" cy="0"/>
-        </a:xfrm>
-      </p:grpSpPr>
-      <p:sp>
-        <p:nvSpPr>
-          <p:cNvPr id="19" name="Titel 1">
-            <a:extLst>
-              <a:ext uri="{FF2B5EF4-FFF2-40B4-BE49-F238E27FC236}">
-                <a16:creationId xmlns:a16="http://schemas.microsoft.com/office/drawing/2014/main" id="{15EF9DEF-CDD6-4B9E-72F4-784E63048E9B}"/>
-              </a:ext>
-            </a:extLst>
-          </p:cNvPr>
-          <p:cNvSpPr>
-            <a:spLocks noGrp="1"/>
-          </p:cNvSpPr>
-          <p:nvPr>
-            <p:ph type="title"/>
-          </p:nvPr>
-        </p:nvSpPr>
-        <p:spPr>
-          <a:xfrm>
-            <a:off x="669036" y="662482"/>
-            <a:ext cx="10684764" cy="1325563"/>
-          </a:xfrm>
-        </p:spPr>
-        <p:txBody>
-          <a:bodyPr/>
-          <a:lstStyle/>
-          <a:p>
-            <a:r>
-              <a:rPr lang="en-US" b="1" i="0" dirty="0">
-                <a:effectLst/>
-                <a:latin typeface="Calibri" panose="020F0502020204030204" pitchFamily="34" charset="0"/>
-                <a:cs typeface="Calibri" panose="020F0502020204030204" pitchFamily="34" charset="0"/>
-              </a:rPr>
-              <a:t>Current AI regulations in the EU</a:t>
-            </a:r>
-            <a:endParaRPr lang="nl-NL" dirty="0">
-              <a:latin typeface="Calibri" panose="020F0502020204030204" pitchFamily="34" charset="0"/>
-              <a:cs typeface="Calibri" panose="020F0502020204030204" pitchFamily="34" charset="0"/>
-            </a:endParaRPr>
-          </a:p>
-        </p:txBody>
-      </p:sp>
-      <p:sp>
-        <p:nvSpPr>
-          <p:cNvPr id="20" name="Tijdelijke aanduiding voor inhoud 2">
-            <a:extLst>
-              <a:ext uri="{FF2B5EF4-FFF2-40B4-BE49-F238E27FC236}">
-                <a16:creationId xmlns:a16="http://schemas.microsoft.com/office/drawing/2014/main" id="{85601BDC-E3AA-2362-7F2F-DAB0A65F54B9}"/>
-              </a:ext>
-            </a:extLst>
-          </p:cNvPr>
-          <p:cNvSpPr>
-            <a:spLocks noGrp="1"/>
-          </p:cNvSpPr>
-          <p:nvPr>
-            <p:ph idx="1"/>
-          </p:nvPr>
-        </p:nvSpPr>
-        <p:spPr>
-          <a:xfrm>
-            <a:off x="669036" y="1995237"/>
-            <a:ext cx="10684764" cy="1090570"/>
-          </a:xfrm>
-        </p:spPr>
-        <p:txBody>
-          <a:bodyPr/>
-          <a:lstStyle/>
-          <a:p>
-            <a:pPr>
-              <a:spcBef>
-                <a:spcPts val="1200"/>
-              </a:spcBef>
-            </a:pPr>
-            <a:r>
-              <a:rPr lang="en-US" sz="2400" dirty="0">
-                <a:latin typeface="Calibri" panose="020F0502020204030204" pitchFamily="34" charset="0"/>
-                <a:cs typeface="Calibri" panose="020F0502020204030204" pitchFamily="34" charset="0"/>
-              </a:rPr>
-              <a:t>Living guidelines on </a:t>
-            </a:r>
-            <a:r>
-              <a:rPr lang="en-US" sz="2400" b="1" dirty="0">
-                <a:latin typeface="Calibri" panose="020F0502020204030204" pitchFamily="34" charset="0"/>
-                <a:cs typeface="Calibri" panose="020F0502020204030204" pitchFamily="34" charset="0"/>
-              </a:rPr>
-              <a:t>the responsible use of generative AI </a:t>
-            </a:r>
-            <a:br>
-              <a:rPr lang="en-US" sz="2400" b="1" dirty="0">
-                <a:latin typeface="Calibri" panose="020F0502020204030204" pitchFamily="34" charset="0"/>
-                <a:cs typeface="Calibri" panose="020F0502020204030204" pitchFamily="34" charset="0"/>
-              </a:rPr>
-            </a:br>
-            <a:r>
-              <a:rPr lang="en-US" sz="2400" b="1" dirty="0">
-                <a:latin typeface="Calibri" panose="020F0502020204030204" pitchFamily="34" charset="0"/>
-                <a:cs typeface="Calibri" panose="020F0502020204030204" pitchFamily="34" charset="0"/>
-              </a:rPr>
-              <a:t>in research </a:t>
-            </a:r>
-            <a:r>
-              <a:rPr lang="en-US" sz="2400" dirty="0">
-                <a:latin typeface="Calibri" panose="020F0502020204030204" pitchFamily="34" charset="0"/>
-                <a:cs typeface="Calibri" panose="020F0502020204030204" pitchFamily="34" charset="0"/>
-              </a:rPr>
-              <a:t>by the European Commission (March 2024)</a:t>
-            </a:r>
-            <a:endParaRPr lang="en-US" sz="2400" b="0" i="0" dirty="0">
-              <a:effectLst/>
-              <a:latin typeface="Calibri" panose="020F0502020204030204" pitchFamily="34" charset="0"/>
-              <a:cs typeface="Calibri" panose="020F0502020204030204" pitchFamily="34" charset="0"/>
-            </a:endParaRPr>
-          </a:p>
-          <a:p>
-            <a:pPr lvl="1"/>
-            <a:endParaRPr lang="en-US" dirty="0">
-              <a:latin typeface="Calibri" panose="020F0502020204030204" pitchFamily="34" charset="0"/>
-              <a:cs typeface="Calibri" panose="020F0502020204030204" pitchFamily="34" charset="0"/>
-            </a:endParaRPr>
-          </a:p>
-          <a:p>
-            <a:endParaRPr lang="nl-NL" dirty="0">
-              <a:latin typeface="Calibri" panose="020F0502020204030204" pitchFamily="34" charset="0"/>
-              <a:cs typeface="Calibri" panose="020F0502020204030204" pitchFamily="34" charset="0"/>
-            </a:endParaRPr>
-          </a:p>
-        </p:txBody>
-      </p:sp>
-      <p:pic>
-        <p:nvPicPr>
-          <p:cNvPr id="21" name="Afbeelding 20">
-            <a:extLst>
-              <a:ext uri="{FF2B5EF4-FFF2-40B4-BE49-F238E27FC236}">
-                <a16:creationId xmlns:a16="http://schemas.microsoft.com/office/drawing/2014/main" id="{05F4C1F3-9137-226C-3E8F-598FBD772413}"/>
-              </a:ext>
-            </a:extLst>
-          </p:cNvPr>
-          <p:cNvPicPr>
-            <a:picLocks noChangeAspect="1"/>
-          </p:cNvPicPr>
-          <p:nvPr/>
-        </p:nvPicPr>
-        <p:blipFill>
-          <a:blip r:embed="rId3"/>
-          <a:stretch>
-            <a:fillRect/>
-          </a:stretch>
-        </p:blipFill>
-        <p:spPr>
-          <a:xfrm>
-            <a:off x="8432951" y="0"/>
-            <a:ext cx="3759049" cy="5305413"/>
-          </a:xfrm>
-          <a:prstGeom prst="rect">
-            <a:avLst/>
-          </a:prstGeom>
-        </p:spPr>
-      </p:pic>
-      <p:graphicFrame>
-        <p:nvGraphicFramePr>
-          <p:cNvPr id="23" name="Tijdelijke aanduiding voor inhoud 2">
-            <a:extLst>
-              <a:ext uri="{FF2B5EF4-FFF2-40B4-BE49-F238E27FC236}">
-                <a16:creationId xmlns:a16="http://schemas.microsoft.com/office/drawing/2014/main" id="{53C17F1A-B83B-CE45-2CCD-39610C86EA4E}"/>
-              </a:ext>
-            </a:extLst>
-          </p:cNvPr>
-          <p:cNvGraphicFramePr/>
-          <p:nvPr>
-            <p:extLst>
-              <p:ext uri="{D42A27DB-BD31-4B8C-83A1-F6EECF244321}">
-                <p14:modId xmlns:p14="http://schemas.microsoft.com/office/powerpoint/2010/main" val="3778041226"/>
-              </p:ext>
-            </p:extLst>
-          </p:nvPr>
-        </p:nvGraphicFramePr>
-        <p:xfrm>
-          <a:off x="669035" y="2640088"/>
-          <a:ext cx="7843593" cy="4036584"/>
-        </p:xfrm>
-        <a:graphic>
-          <a:graphicData uri="http://schemas.openxmlformats.org/drawingml/2006/diagram">
-            <dgm:relIds xmlns:dgm="http://schemas.openxmlformats.org/drawingml/2006/diagram" xmlns:r="http://schemas.openxmlformats.org/officeDocument/2006/relationships" r:dm="rId4" r:lo="rId5" r:qs="rId6" r:cs="rId7"/>
-          </a:graphicData>
-        </a:graphic>
-      </p:graphicFrame>
-    </p:spTree>
-    <p:extLst>
-      <p:ext uri="{BB962C8B-B14F-4D97-AF65-F5344CB8AC3E}">
-        <p14:creationId xmlns:p14="http://schemas.microsoft.com/office/powerpoint/2010/main" val="1598121060"/>
-      </p:ext>
-    </p:extLst>
-  </p:cSld>
-  <p:clrMapOvr>
-    <a:masterClrMapping/>
-  </p:clrMapOvr>
-  <p:timing>
-    <p:tnLst>
-      <p:par>
-        <p:cTn id="1" dur="indefinite" restart="never" nodeType="tmRoot">
-          <p:childTnLst>
-            <p:seq concurrent="1" nextAc="seek">
-              <p:cTn id="2" dur="indefinite" nodeType="mainSeq">
-                <p:childTnLst>
-                  <p:par>
-                    <p:cTn id="3" fill="hold">
-                      <p:stCondLst>
-                        <p:cond delay="indefinite"/>
-                      </p:stCondLst>
-                      <p:childTnLst>
-                        <p:par>
-                          <p:cTn id="4" fill="hold">
-                            <p:stCondLst>
-                              <p:cond delay="0"/>
-                            </p:stCondLst>
-                            <p:childTnLst>
-                              <p:par>
-                                <p:cTn id="5" presetID="1" presetClass="entr" presetSubtype="0" fill="hold" grpId="0" nodeType="clickEffect">
-                                  <p:stCondLst>
-                                    <p:cond delay="0"/>
-                                  </p:stCondLst>
-                                  <p:childTnLst>
-                                    <p:set>
-                                      <p:cBhvr>
-                                        <p:cTn id="6" dur="1" fill="hold">
-                                          <p:stCondLst>
-                                            <p:cond delay="0"/>
-                                          </p:stCondLst>
-                                        </p:cTn>
-                                        <p:tgtEl>
-                                          <p:spTgt spid="23"/>
-                                        </p:tgtEl>
-                                        <p:attrNameLst>
-                                          <p:attrName>style.visibility</p:attrName>
-                                        </p:attrNameLst>
-                                      </p:cBhvr>
-                                      <p:to>
-                                        <p:strVal val="visible"/>
-                                      </p:to>
-                                    </p:set>
-                                  </p:childTnLst>
-                                </p:cTn>
-                              </p:par>
-                            </p:childTnLst>
-                          </p:cTn>
-                        </p:par>
-                      </p:childTnLst>
-                    </p:cTn>
-                  </p:par>
-                </p:childTnLst>
-              </p:cTn>
-              <p:prevCondLst>
-                <p:cond evt="onPrev" delay="0">
-                  <p:tgtEl>
-                    <p:sldTgt/>
-                  </p:tgtEl>
-                </p:cond>
-              </p:prevCondLst>
-              <p:nextCondLst>
-                <p:cond evt="onNext" delay="0">
-                  <p:tgtEl>
-                    <p:sldTgt/>
-                  </p:tgtEl>
-                </p:cond>
-              </p:nextCondLst>
-            </p:seq>
-          </p:childTnLst>
-        </p:cTn>
-      </p:par>
-    </p:tnLst>
-    <p:bldLst>
-      <p:bldGraphic spid="23" grpId="0">
-        <p:bldAsOne/>
-      </p:bldGraphic>
-    </p:bldLst>
-  </p:timing>
-</p:sld>
-</file>
-
-<file path=ppt/slides/slide9.xml><?xml version="1.0" encoding="utf-8"?>
-<p:sld xmlns:a="http://schemas.openxmlformats.org/drawingml/2006/main" xmlns:r="http://schemas.openxmlformats.org/officeDocument/2006/relationships" xmlns:p="http://schemas.openxmlformats.org/presentationml/2006/main">
-  <p:cSld>
-    <p:spTree>
-      <p:nvGrpSpPr>
-        <p:cNvPr id="1" name=""/>
-        <p:cNvGrpSpPr/>
-        <p:nvPr/>
-      </p:nvGrpSpPr>
-      <p:grpSpPr>
-        <a:xfrm>
-          <a:off x="0" y="0"/>
-          <a:ext cx="0" cy="0"/>
-          <a:chOff x="0" y="0"/>
-          <a:chExt cx="0" cy="0"/>
-        </a:xfrm>
-      </p:grpSpPr>
-      <p:sp>
-        <p:nvSpPr>
-          <p:cNvPr id="2" name="Title 1">
-            <a:extLst>
-              <a:ext uri="{FF2B5EF4-FFF2-40B4-BE49-F238E27FC236}">
-                <a16:creationId xmlns:a16="http://schemas.microsoft.com/office/drawing/2014/main" id="{1294FEDA-CE1F-9009-C570-B9CC00123EC5}"/>
-              </a:ext>
-            </a:extLst>
-          </p:cNvPr>
-          <p:cNvSpPr>
-            <a:spLocks noGrp="1"/>
-          </p:cNvSpPr>
-          <p:nvPr>
-            <p:ph type="title"/>
-          </p:nvPr>
-        </p:nvSpPr>
-        <p:spPr/>
-        <p:txBody>
-          <a:bodyPr/>
-          <a:lstStyle/>
-          <a:p>
-            <a:r>
-              <a:rPr lang="en-NL" dirty="0"/>
-              <a:t>Data security</a:t>
-            </a:r>
-          </a:p>
-        </p:txBody>
-      </p:sp>
-      <p:sp>
-        <p:nvSpPr>
-          <p:cNvPr id="3" name="Content Placeholder 2">
-            <a:extLst>
-              <a:ext uri="{FF2B5EF4-FFF2-40B4-BE49-F238E27FC236}">
-                <a16:creationId xmlns:a16="http://schemas.microsoft.com/office/drawing/2014/main" id="{495775B5-487E-B1D4-F639-E082594AA0BF}"/>
-              </a:ext>
-            </a:extLst>
-          </p:cNvPr>
-          <p:cNvSpPr>
-            <a:spLocks noGrp="1"/>
-          </p:cNvSpPr>
-          <p:nvPr>
-            <p:ph idx="1"/>
-          </p:nvPr>
-        </p:nvSpPr>
-        <p:spPr>
-          <a:xfrm>
-            <a:off x="1139252" y="1690688"/>
-            <a:ext cx="10214548" cy="4351338"/>
-          </a:xfrm>
-        </p:spPr>
-        <p:txBody>
-          <a:bodyPr/>
-          <a:lstStyle/>
-          <a:p>
-            <a:r>
-              <a:rPr lang="en-US" sz="2400" dirty="0">
-                <a:latin typeface="Calibri" panose="020F0502020204030204" pitchFamily="34" charset="0"/>
-                <a:cs typeface="Calibri" panose="020F0502020204030204" pitchFamily="34" charset="0"/>
-              </a:rPr>
-              <a:t>R</a:t>
-            </a:r>
-            <a:r>
-              <a:rPr lang="en-US" sz="2400" b="0" i="0" dirty="0">
-                <a:effectLst/>
-                <a:latin typeface="Calibri" panose="020F0502020204030204" pitchFamily="34" charset="0"/>
-                <a:cs typeface="Calibri" panose="020F0502020204030204" pitchFamily="34" charset="0"/>
-              </a:rPr>
-              <a:t>andom and systematic errors can undermine reliability</a:t>
-            </a:r>
-          </a:p>
-          <a:p>
-            <a:pPr lvl="1">
-              <a:buFont typeface="Wingdings" pitchFamily="2" charset="2"/>
-              <a:buChar char="à"/>
-            </a:pPr>
-            <a:r>
-              <a:rPr lang="en-US" sz="2000" b="0" i="0" dirty="0">
-                <a:effectLst/>
-                <a:latin typeface="Calibri" panose="020F0502020204030204" pitchFamily="34" charset="0"/>
-                <a:cs typeface="Calibri" panose="020F0502020204030204" pitchFamily="34" charset="0"/>
-              </a:rPr>
-              <a:t>GitHub Copilot generated correct code only 46.3 percent of the time</a:t>
-            </a:r>
-          </a:p>
-          <a:p>
-            <a:pPr lvl="1">
-              <a:buFont typeface="Wingdings" pitchFamily="2" charset="2"/>
-              <a:buChar char="à"/>
-            </a:pPr>
-            <a:endParaRPr lang="en-US" sz="2000" dirty="0">
-              <a:latin typeface="Calibri" panose="020F0502020204030204" pitchFamily="34" charset="0"/>
-              <a:cs typeface="Calibri" panose="020F0502020204030204" pitchFamily="34" charset="0"/>
-            </a:endParaRPr>
-          </a:p>
-          <a:p>
-            <a:pPr lvl="1">
-              <a:buFont typeface="Wingdings" pitchFamily="2" charset="2"/>
-              <a:buChar char="à"/>
-            </a:pPr>
-            <a:endParaRPr lang="en-US" sz="2000" b="0" i="0" dirty="0">
-              <a:effectLst/>
-              <a:latin typeface="Calibri" panose="020F0502020204030204" pitchFamily="34" charset="0"/>
-              <a:cs typeface="Calibri" panose="020F0502020204030204" pitchFamily="34" charset="0"/>
-            </a:endParaRPr>
-          </a:p>
-          <a:p>
-            <a:pPr marL="0" indent="0">
-              <a:buNone/>
-            </a:pPr>
-            <a:endParaRPr lang="en-US" sz="2400" b="0" i="0" dirty="0">
-              <a:effectLst/>
-              <a:latin typeface="Calibri" panose="020F0502020204030204" pitchFamily="34" charset="0"/>
-              <a:cs typeface="Calibri" panose="020F0502020204030204" pitchFamily="34" charset="0"/>
-            </a:endParaRPr>
-          </a:p>
-          <a:p>
-            <a:r>
-              <a:rPr lang="en-US" sz="2400" i="0" dirty="0">
-                <a:effectLst/>
-                <a:latin typeface="Calibri" panose="020F0502020204030204" pitchFamily="34" charset="0"/>
-                <a:cs typeface="Calibri" panose="020F0502020204030204" pitchFamily="34" charset="0"/>
-              </a:rPr>
-              <a:t>Intellectual property issues</a:t>
-            </a:r>
-          </a:p>
-          <a:p>
-            <a:pPr lvl="1"/>
-            <a:r>
-              <a:rPr lang="en-US" sz="2000" dirty="0">
-                <a:latin typeface="Calibri" panose="020F0502020204030204" pitchFamily="34" charset="0"/>
-                <a:cs typeface="Calibri" panose="020F0502020204030204" pitchFamily="34" charset="0"/>
-              </a:rPr>
-              <a:t>Do not enter copyrighted materials </a:t>
-            </a:r>
-          </a:p>
-          <a:p>
-            <a:pPr lvl="1"/>
-            <a:r>
-              <a:rPr lang="en-US" sz="2000" dirty="0">
-                <a:latin typeface="Calibri" panose="020F0502020204030204" pitchFamily="34" charset="0"/>
-                <a:cs typeface="Calibri" panose="020F0502020204030204" pitchFamily="34" charset="0"/>
-              </a:rPr>
-              <a:t>B</a:t>
-            </a:r>
-            <a:r>
-              <a:rPr lang="en-US" sz="2000" b="0" i="0" dirty="0">
-                <a:effectLst/>
-                <a:latin typeface="Calibri" panose="020F0502020204030204" pitchFamily="34" charset="0"/>
-                <a:cs typeface="Calibri" panose="020F0502020204030204" pitchFamily="34" charset="0"/>
-              </a:rPr>
-              <a:t>lurred boundaries of authorship and ownership </a:t>
-            </a:r>
-            <a:r>
-              <a:rPr lang="en-US" sz="2000" b="0" i="0" dirty="0">
-                <a:effectLst/>
-                <a:latin typeface="Calibri" panose="020F0502020204030204" pitchFamily="34" charset="0"/>
-                <a:cs typeface="Calibri" panose="020F0502020204030204" pitchFamily="34" charset="0"/>
-                <a:sym typeface="Wingdings" pitchFamily="2" charset="2"/>
-              </a:rPr>
-              <a:t> </a:t>
-            </a:r>
-            <a:r>
-              <a:rPr lang="en-US" sz="2000" dirty="0">
-                <a:latin typeface="Calibri" panose="020F0502020204030204" pitchFamily="34" charset="0"/>
-                <a:cs typeface="Calibri" panose="020F0502020204030204" pitchFamily="34" charset="0"/>
-              </a:rPr>
-              <a:t>no clear-cut answers</a:t>
-            </a:r>
-          </a:p>
-          <a:p>
-            <a:pPr lvl="1"/>
-            <a:endParaRPr lang="en-US" sz="2000" dirty="0">
-              <a:latin typeface="Calibri" panose="020F0502020204030204" pitchFamily="34" charset="0"/>
-              <a:cs typeface="Calibri" panose="020F0502020204030204" pitchFamily="34" charset="0"/>
-            </a:endParaRPr>
-          </a:p>
-          <a:p>
-            <a:endParaRPr lang="en-NL" sz="2400" dirty="0">
-              <a:latin typeface="Calibri" panose="020F0502020204030204" pitchFamily="34" charset="0"/>
-              <a:cs typeface="Calibri" panose="020F0502020204030204" pitchFamily="34" charset="0"/>
-            </a:endParaRPr>
-          </a:p>
-        </p:txBody>
-      </p:sp>
-      <p:sp>
-        <p:nvSpPr>
-          <p:cNvPr id="5" name="TextBox 4">
-            <a:extLst>
-              <a:ext uri="{FF2B5EF4-FFF2-40B4-BE49-F238E27FC236}">
-                <a16:creationId xmlns:a16="http://schemas.microsoft.com/office/drawing/2014/main" id="{CF65336D-B507-B282-C2DB-B93C1BDDFD2E}"/>
-              </a:ext>
-            </a:extLst>
-          </p:cNvPr>
-          <p:cNvSpPr txBox="1"/>
-          <p:nvPr/>
-        </p:nvSpPr>
-        <p:spPr>
-          <a:xfrm>
-            <a:off x="1841500" y="2693085"/>
-            <a:ext cx="6096000" cy="646331"/>
-          </a:xfrm>
-          <a:prstGeom prst="rect">
-            <a:avLst/>
-          </a:prstGeom>
-        </p:spPr>
-        <p:style>
-          <a:lnRef idx="2">
-            <a:schemeClr val="accent1"/>
-          </a:lnRef>
-          <a:fillRef idx="1">
-            <a:schemeClr val="lt1"/>
-          </a:fillRef>
-          <a:effectRef idx="0">
-            <a:schemeClr val="accent1"/>
-          </a:effectRef>
-          <a:fontRef idx="minor">
-            <a:schemeClr val="dk1"/>
-          </a:fontRef>
-        </p:style>
-        <p:txBody>
-          <a:bodyPr wrap="square">
-            <a:spAutoFit/>
-          </a:bodyPr>
-          <a:lstStyle/>
-          <a:p>
-            <a:pPr algn="l"/>
-            <a:r>
-              <a:rPr lang="en-US" sz="1800" b="1" i="0" dirty="0">
-                <a:effectLst/>
-                <a:latin typeface="Mulish"/>
-              </a:rPr>
-              <a:t>Code review processes</a:t>
-            </a:r>
-            <a:r>
-              <a:rPr lang="en-US" sz="1800" b="0" i="0" dirty="0">
-                <a:effectLst/>
-                <a:latin typeface="Mulish"/>
-              </a:rPr>
-              <a:t> to evaluate AI-generated code for potential vulnerabilities and errors. </a:t>
-            </a:r>
-          </a:p>
-        </p:txBody>
-      </p:sp>
-    </p:spTree>
-    <p:extLst>
-      <p:ext uri="{BB962C8B-B14F-4D97-AF65-F5344CB8AC3E}">
-        <p14:creationId xmlns:p14="http://schemas.microsoft.com/office/powerpoint/2010/main" val="2783365076"/>
       </p:ext>
     </p:extLst>
   </p:cSld>
@@ -20413,15 +20465,6 @@
 </file>
 
 <file path=customXml/item2.xml><?xml version="1.0" encoding="utf-8"?>
-<?mso-contentType ?>
-<FormTemplates xmlns="http://schemas.microsoft.com/sharepoint/v3/contenttype/forms">
-  <Display>DocumentLibraryForm</Display>
-  <Edit>DocumentLibraryForm</Edit>
-  <New>DocumentLibraryForm</New>
-</FormTemplates>
-</file>
-
-<file path=customXml/item3.xml><?xml version="1.0" encoding="utf-8"?>
 <ct:contentTypeSchema xmlns:ct="http://schemas.microsoft.com/office/2006/metadata/contentType" xmlns:ma="http://schemas.microsoft.com/office/2006/metadata/properties/metaAttributes" ct:_="" ma:_="" ma:contentTypeName="Document" ma:contentTypeID="0x010100B34F217B6DCBAE46AC4A63ED982DCB03" ma:contentTypeVersion="16" ma:contentTypeDescription="Create a new document." ma:contentTypeScope="" ma:versionID="d5d7d2bf4a134b776eeaf0d3f79e5e8e">
   <xsd:schema xmlns:xsd="http://www.w3.org/2001/XMLSchema" xmlns:xs="http://www.w3.org/2001/XMLSchema" xmlns:p="http://schemas.microsoft.com/office/2006/metadata/properties" xmlns:ns2="d524e8e6-9967-4aee-9f44-a119181d2657" xmlns:ns3="d0ce14b4-296e-49b5-89d1-87b1b19d123a" xmlns:ns4="6f35d0f1-6b87-42ba-ba3e-91c0d4d98947" targetNamespace="http://schemas.microsoft.com/office/2006/metadata/properties" ma:root="true" ma:fieldsID="972f85ab8906d8099f675232d10e92d7" ns2:_="" ns3:_="" ns4:_="">
     <xsd:import namespace="d524e8e6-9967-4aee-9f44-a119181d2657"/>
@@ -20663,6 +20706,15 @@
 </ct:contentTypeSchema>
 </file>
 
+<file path=customXml/item3.xml><?xml version="1.0" encoding="utf-8"?>
+<?mso-contentType ?>
+<FormTemplates xmlns="http://schemas.microsoft.com/sharepoint/v3/contenttype/forms">
+  <Display>DocumentLibraryForm</Display>
+  <Edit>DocumentLibraryForm</Edit>
+  <New>DocumentLibraryForm</New>
+</FormTemplates>
+</file>
+
 <file path=customXml/itemProps1.xml><?xml version="1.0" encoding="utf-8"?>
 <ds:datastoreItem xmlns:ds="http://schemas.openxmlformats.org/officeDocument/2006/customXml" ds:itemID="{70FF6FBF-B4F4-49AD-A88B-091F94ABFAFA}">
   <ds:schemaRefs>
@@ -20675,14 +20727,6 @@
 </file>
 
 <file path=customXml/itemProps2.xml><?xml version="1.0" encoding="utf-8"?>
-<ds:datastoreItem xmlns:ds="http://schemas.openxmlformats.org/officeDocument/2006/customXml" ds:itemID="{B72CECC3-7DC2-48A3-A34C-CF77ADEDD298}">
-  <ds:schemaRefs>
-    <ds:schemaRef ds:uri="http://schemas.microsoft.com/sharepoint/v3/contenttype/forms"/>
-  </ds:schemaRefs>
-</ds:datastoreItem>
-</file>
-
-<file path=customXml/itemProps3.xml><?xml version="1.0" encoding="utf-8"?>
 <ds:datastoreItem xmlns:ds="http://schemas.openxmlformats.org/officeDocument/2006/customXml" ds:itemID="{67E607C3-0DCA-4A9B-9587-D0930EC010E0}">
   <ds:schemaRefs>
     <ds:schemaRef ds:uri="http://schemas.microsoft.com/office/2006/metadata/contentType"/>
@@ -20700,4 +20744,12 @@
     <ds:schemaRef ds:uri="http://schemas.microsoft.com/internal/obd"/>
   </ds:schemaRefs>
 </ds:datastoreItem>
+</file>
+
+<file path=customXml/itemProps3.xml><?xml version="1.0" encoding="utf-8"?>
+<ds:datastoreItem xmlns:ds="http://schemas.openxmlformats.org/officeDocument/2006/customXml" ds:itemID="{B72CECC3-7DC2-48A3-A34C-CF77ADEDD298}">
+  <ds:schemaRefs>
+    <ds:schemaRef ds:uri="http://schemas.microsoft.com/sharepoint/v3/contenttype/forms"/>
+  </ds:schemaRefs>
+</ds:datastoreItem>
 </file>